--- a/Storage/App_Data/Books/Solace.pptx
+++ b/Storage/App_Data/Books/Solace.pptx
@@ -4,13 +4,17 @@
   <p:sldMasterIdLst>
     <p:sldMasterId id="2147483648" r:id="rId1"/>
   </p:sldMasterIdLst>
-  <p:sldSz cx="12192000" cy="6858000" type="custom"/>
+  <p:sldIdLst>
+    <p:sldId id="256" r:id="rId2"/>
+    <p:sldId id="257" r:id="rId3"/>
+  </p:sldIdLst>
+  <p:sldSz cx="12192000" cy="6858000"/>
   <p:notesSz cx="6858000" cy="9144000"/>
   <p:defaultTextStyle>
     <a:defPPr defTabSz="914400">
       <a:defRPr lang="en-US" dirty="0"/>
     </a:defPPr>
-    <a:lvl1pPr marL="0" rtl="0" algn="l" defTabSz="914400">
+    <a:lvl1pPr marL="0" algn="l" defTabSz="914400" rtl="0">
       <a:defRPr sz="1800" kern="1200" dirty="0">
         <a:solidFill>
           <a:schemeClr val="tx1"/>
@@ -20,7 +24,7 @@
         <a:cs typeface="+mn-cs"/>
       </a:defRPr>
     </a:lvl1pPr>
-    <a:lvl2pPr marL="457200" rtl="0" algn="l" defTabSz="914400">
+    <a:lvl2pPr marL="457200" algn="l" defTabSz="914400" rtl="0">
       <a:defRPr sz="1800" kern="1200" dirty="0">
         <a:solidFill>
           <a:schemeClr val="tx1"/>
@@ -30,7 +34,7 @@
         <a:cs typeface="+mn-cs"/>
       </a:defRPr>
     </a:lvl2pPr>
-    <a:lvl3pPr marL="914400" rtl="0" algn="l" defTabSz="914400">
+    <a:lvl3pPr marL="914400" algn="l" defTabSz="914400" rtl="0">
       <a:defRPr sz="1800" kern="1200" dirty="0">
         <a:solidFill>
           <a:schemeClr val="tx1"/>
@@ -40,7 +44,7 @@
         <a:cs typeface="+mn-cs"/>
       </a:defRPr>
     </a:lvl3pPr>
-    <a:lvl4pPr marL="1371600" rtl="0" algn="l" defTabSz="914400">
+    <a:lvl4pPr marL="1371600" algn="l" defTabSz="914400" rtl="0">
       <a:defRPr sz="1800" kern="1200" dirty="0">
         <a:solidFill>
           <a:schemeClr val="tx1"/>
@@ -50,7 +54,7 @@
         <a:cs typeface="+mn-cs"/>
       </a:defRPr>
     </a:lvl4pPr>
-    <a:lvl5pPr marL="1828800" rtl="0" algn="l" defTabSz="914400">
+    <a:lvl5pPr marL="1828800" algn="l" defTabSz="914400" rtl="0">
       <a:defRPr sz="1800" kern="1200" dirty="0">
         <a:solidFill>
           <a:schemeClr val="tx1"/>
@@ -60,7 +64,7 @@
         <a:cs typeface="+mn-cs"/>
       </a:defRPr>
     </a:lvl5pPr>
-    <a:lvl6pPr marL="2286000" rtl="0" algn="l" defTabSz="914400">
+    <a:lvl6pPr marL="2286000" algn="l" defTabSz="914400" rtl="0">
       <a:defRPr sz="1800" kern="1200" dirty="0">
         <a:solidFill>
           <a:schemeClr val="tx1"/>
@@ -70,7 +74,7 @@
         <a:cs typeface="+mn-cs"/>
       </a:defRPr>
     </a:lvl6pPr>
-    <a:lvl7pPr marL="2743200" rtl="0" algn="l" defTabSz="914400">
+    <a:lvl7pPr marL="2743200" algn="l" defTabSz="914400" rtl="0">
       <a:defRPr sz="1800" kern="1200" dirty="0">
         <a:solidFill>
           <a:schemeClr val="tx1"/>
@@ -80,7 +84,7 @@
         <a:cs typeface="+mn-cs"/>
       </a:defRPr>
     </a:lvl7pPr>
-    <a:lvl8pPr marL="3200400" rtl="0" algn="l" defTabSz="914400">
+    <a:lvl8pPr marL="3200400" algn="l" defTabSz="914400" rtl="0">
       <a:defRPr sz="1800" kern="1200" dirty="0">
         <a:solidFill>
           <a:schemeClr val="tx1"/>
@@ -90,7 +94,7 @@
         <a:cs typeface="+mn-cs"/>
       </a:defRPr>
     </a:lvl8pPr>
-    <a:lvl9pPr marL="3657600" rtl="0" algn="l" defTabSz="914400">
+    <a:lvl9pPr marL="3657600" algn="l" defTabSz="914400" rtl="0">
       <a:defRPr sz="1800" kern="1200" dirty="0">
         <a:solidFill>
           <a:schemeClr val="tx1"/>
@@ -101,11 +105,12 @@
       </a:defRPr>
     </a:lvl9pPr>
   </p:defaultTextStyle>
+  <p:extLst>
+    <p:ext uri="{EFAFB233-063F-42B5-8137-9DF3F51BA10A}">
+      <p15:sldGuideLst xmlns:p15="http://schemas.microsoft.com/office/powerpoint/2012/main"/>
+    </p:ext>
+  </p:extLst>
 </p:presentation>
-</file>
-
-<file path=ppt/commentAuthors.xml><?xml version="1.0" encoding="utf-8"?>
-<p:cmAuthorLst xmlns:a="http://schemas.openxmlformats.org/drawingml/2006/main" xmlns:r="http://schemas.openxmlformats.org/officeDocument/2006/relationships" xmlns:p="http://schemas.openxmlformats.org/presentationml/2006/main"/>
 </file>
 
 <file path=ppt/slideLayouts/slideLayout1.xml><?xml version="1.0" encoding="utf-8"?>
@@ -146,19 +151,17 @@
           </a:ln>
         </p:spPr>
         <p:txBody>
-          <a:bodyPr anchor="b" wrap="square"/>
+          <a:bodyPr wrap="square" anchor="b"/>
           <a:lstStyle>
             <a:lvl1pPr algn="ctr">
               <a:defRPr sz="6000" dirty="0"/>
             </a:lvl1pPr>
           </a:lstStyle>
           <a:p>
-            <a:pPr/>
             <a:r>
               <a:rPr lang="en-US" dirty="0"/>
               <a:t>Click to edit Master title style</a:t>
             </a:r>
-            <a:endParaRPr lang="en-US" dirty="0"/>
           </a:p>
         </p:txBody>
       </p:sp>
@@ -223,12 +226,10 @@
             </a:lvl9pPr>
           </a:lstStyle>
           <a:p>
-            <a:pPr/>
             <a:r>
               <a:rPr lang="en-US" dirty="0"/>
               <a:t>Click to edit Master subtitle style</a:t>
             </a:r>
-            <a:endParaRPr lang="en-US" dirty="0"/>
           </a:p>
         </p:txBody>
       </p:sp>
@@ -252,10 +253,9 @@
           <a:bodyPr wrap="square"/>
           <a:lstStyle/>
           <a:p>
-            <a:pPr/>
             <a:fld id="{D4630D1D-EC81-4D12-BBAE-7AD5C46FE905}" type="datetimeFigureOut">
               <a:rPr lang="en-US" dirty="0"/>
-              <a:t>7/8/2015</a:t>
+              <a:t>10/16/2024</a:t>
             </a:fld>
             <a:endParaRPr lang="en-US" dirty="0"/>
           </a:p>
@@ -281,7 +281,6 @@
           <a:bodyPr wrap="square"/>
           <a:lstStyle/>
           <a:p>
-            <a:pPr/>
             <a:endParaRPr lang="en-US" dirty="0"/>
           </a:p>
         </p:txBody>
@@ -306,7 +305,6 @@
           <a:bodyPr wrap="square"/>
           <a:lstStyle/>
           <a:p>
-            <a:pPr/>
             <a:fld id="{E1CC4C9C-B29E-4E68-9F89-CA7A1621DE94}" type="slidenum">
               <a:rPr lang="en-US" dirty="0"/>
               <a:t>‹#›</a:t>
@@ -360,12 +358,10 @@
           <a:bodyPr wrap="square"/>
           <a:lstStyle/>
           <a:p>
-            <a:pPr/>
             <a:r>
               <a:rPr lang="en-US" dirty="0"/>
               <a:t>Click to edit Master title style</a:t>
             </a:r>
-            <a:endParaRPr lang="en-US" dirty="0"/>
           </a:p>
         </p:txBody>
       </p:sp>
@@ -389,7 +385,6 @@
           <a:bodyPr vert="eaVert" wrap="square"/>
           <a:lstStyle/>
           <a:p>
-            <a:pPr/>
             <a:r>
               <a:rPr lang="en-US" dirty="0"/>
               <a:t>Click to edit Master text styles</a:t>
@@ -422,7 +417,6 @@
               <a:rPr lang="en-US" dirty="0"/>
               <a:t>Fifth level</a:t>
             </a:r>
-            <a:endParaRPr lang="en-US" dirty="0"/>
           </a:p>
         </p:txBody>
       </p:sp>
@@ -446,10 +440,9 @@
           <a:bodyPr wrap="square"/>
           <a:lstStyle/>
           <a:p>
-            <a:pPr/>
             <a:fld id="{D4630D1D-EC81-4D12-BBAE-7AD5C46FE905}" type="datetimeFigureOut">
               <a:rPr lang="en-US" dirty="0"/>
-              <a:t>7/8/2015</a:t>
+              <a:t>10/16/2024</a:t>
             </a:fld>
             <a:endParaRPr lang="en-US" dirty="0"/>
           </a:p>
@@ -475,7 +468,6 @@
           <a:bodyPr wrap="square"/>
           <a:lstStyle/>
           <a:p>
-            <a:pPr/>
             <a:endParaRPr lang="en-US" dirty="0"/>
           </a:p>
         </p:txBody>
@@ -500,7 +492,6 @@
           <a:bodyPr wrap="square"/>
           <a:lstStyle/>
           <a:p>
-            <a:pPr/>
             <a:fld id="{E1CC4C9C-B29E-4E68-9F89-CA7A1621DE94}" type="slidenum">
               <a:rPr lang="en-US" dirty="0"/>
               <a:t>‹#›</a:t>
@@ -558,12 +549,10 @@
           <a:bodyPr vert="eaVert" wrap="square"/>
           <a:lstStyle/>
           <a:p>
-            <a:pPr/>
             <a:r>
               <a:rPr lang="en-US" dirty="0"/>
               <a:t>Click to edit Master title style</a:t>
             </a:r>
-            <a:endParaRPr lang="en-US" dirty="0"/>
           </a:p>
         </p:txBody>
       </p:sp>
@@ -591,7 +580,6 @@
           <a:bodyPr vert="eaVert" wrap="square"/>
           <a:lstStyle/>
           <a:p>
-            <a:pPr/>
             <a:r>
               <a:rPr lang="en-US" dirty="0"/>
               <a:t>Click to edit Master text styles</a:t>
@@ -624,7 +612,6 @@
               <a:rPr lang="en-US" dirty="0"/>
               <a:t>Fifth level</a:t>
             </a:r>
-            <a:endParaRPr lang="en-US" dirty="0"/>
           </a:p>
         </p:txBody>
       </p:sp>
@@ -648,10 +635,9 @@
           <a:bodyPr wrap="square"/>
           <a:lstStyle/>
           <a:p>
-            <a:pPr/>
             <a:fld id="{D4630D1D-EC81-4D12-BBAE-7AD5C46FE905}" type="datetimeFigureOut">
               <a:rPr lang="en-US" dirty="0"/>
-              <a:t>7/8/2015</a:t>
+              <a:t>10/16/2024</a:t>
             </a:fld>
             <a:endParaRPr lang="en-US" dirty="0"/>
           </a:p>
@@ -677,7 +663,6 @@
           <a:bodyPr wrap="square"/>
           <a:lstStyle/>
           <a:p>
-            <a:pPr/>
             <a:endParaRPr lang="en-US" dirty="0"/>
           </a:p>
         </p:txBody>
@@ -702,7 +687,6 @@
           <a:bodyPr wrap="square"/>
           <a:lstStyle/>
           <a:p>
-            <a:pPr/>
             <a:fld id="{E1CC4C9C-B29E-4E68-9F89-CA7A1621DE94}" type="slidenum">
               <a:rPr lang="en-US" dirty="0"/>
               <a:t>‹#›</a:t>
@@ -756,12 +740,10 @@
           <a:bodyPr wrap="square"/>
           <a:lstStyle/>
           <a:p>
-            <a:pPr/>
             <a:r>
               <a:rPr lang="en-US" dirty="0"/>
               <a:t>Click to edit Master title style</a:t>
             </a:r>
-            <a:endParaRPr lang="en-US" dirty="0"/>
           </a:p>
         </p:txBody>
       </p:sp>
@@ -785,7 +767,6 @@
           <a:bodyPr wrap="square"/>
           <a:lstStyle/>
           <a:p>
-            <a:pPr/>
             <a:r>
               <a:rPr lang="en-US" dirty="0"/>
               <a:t>Click to edit Master text styles</a:t>
@@ -818,7 +799,6 @@
               <a:rPr lang="en-US" dirty="0"/>
               <a:t>Fifth level</a:t>
             </a:r>
-            <a:endParaRPr lang="en-US" dirty="0"/>
           </a:p>
         </p:txBody>
       </p:sp>
@@ -842,10 +822,9 @@
           <a:bodyPr wrap="square"/>
           <a:lstStyle/>
           <a:p>
-            <a:pPr/>
             <a:fld id="{D4630D1D-EC81-4D12-BBAE-7AD5C46FE905}" type="datetimeFigureOut">
               <a:rPr lang="en-US" dirty="0"/>
-              <a:t>7/8/2015</a:t>
+              <a:t>10/16/2024</a:t>
             </a:fld>
             <a:endParaRPr lang="en-US" dirty="0"/>
           </a:p>
@@ -871,7 +850,6 @@
           <a:bodyPr wrap="square"/>
           <a:lstStyle/>
           <a:p>
-            <a:pPr/>
             <a:endParaRPr lang="en-US" dirty="0"/>
           </a:p>
         </p:txBody>
@@ -896,7 +874,6 @@
           <a:bodyPr wrap="square"/>
           <a:lstStyle/>
           <a:p>
-            <a:pPr/>
             <a:fld id="{E1CC4C9C-B29E-4E68-9F89-CA7A1621DE94}" type="slidenum">
               <a:rPr lang="en-US" dirty="0"/>
               <a:t>‹#›</a:t>
@@ -951,19 +928,17 @@
           </a:ln>
         </p:spPr>
         <p:txBody>
-          <a:bodyPr anchor="b" wrap="square"/>
+          <a:bodyPr wrap="square" anchor="b"/>
           <a:lstStyle>
             <a:lvl1pPr>
               <a:defRPr sz="6000" dirty="0"/>
             </a:lvl1pPr>
           </a:lstStyle>
           <a:p>
-            <a:pPr/>
             <a:r>
               <a:rPr lang="en-US" dirty="0"/>
               <a:t>Click to edit Master title style</a:t>
             </a:r>
-            <a:endParaRPr lang="en-US" dirty="0"/>
           </a:p>
         </p:txBody>
       </p:sp>
@@ -1082,7 +1057,6 @@
             </a:lvl9pPr>
           </a:lstStyle>
           <a:p>
-            <a:pPr/>
             <a:r>
               <a:rPr lang="en-US" dirty="0"/>
               <a:t>Click to edit Master text styles</a:t>
@@ -1110,10 +1084,9 @@
           <a:bodyPr wrap="square"/>
           <a:lstStyle/>
           <a:p>
-            <a:pPr/>
             <a:fld id="{D4630D1D-EC81-4D12-BBAE-7AD5C46FE905}" type="datetimeFigureOut">
               <a:rPr lang="en-US" dirty="0"/>
-              <a:t>7/8/2015</a:t>
+              <a:t>10/16/2024</a:t>
             </a:fld>
             <a:endParaRPr lang="en-US" dirty="0"/>
           </a:p>
@@ -1139,7 +1112,6 @@
           <a:bodyPr wrap="square"/>
           <a:lstStyle/>
           <a:p>
-            <a:pPr/>
             <a:endParaRPr lang="en-US" dirty="0"/>
           </a:p>
         </p:txBody>
@@ -1164,7 +1136,6 @@
           <a:bodyPr wrap="square"/>
           <a:lstStyle/>
           <a:p>
-            <a:pPr/>
             <a:fld id="{E1CC4C9C-B29E-4E68-9F89-CA7A1621DE94}" type="slidenum">
               <a:rPr lang="en-US" dirty="0"/>
               <a:t>‹#›</a:t>
@@ -1218,12 +1189,10 @@
           <a:bodyPr wrap="square"/>
           <a:lstStyle/>
           <a:p>
-            <a:pPr/>
             <a:r>
               <a:rPr lang="en-US" dirty="0"/>
               <a:t>Click to edit Master title style</a:t>
             </a:r>
-            <a:endParaRPr lang="en-US" dirty="0"/>
           </a:p>
         </p:txBody>
       </p:sp>
@@ -1251,7 +1220,6 @@
           <a:bodyPr wrap="square"/>
           <a:lstStyle/>
           <a:p>
-            <a:pPr/>
             <a:r>
               <a:rPr lang="en-US" dirty="0"/>
               <a:t>Click to edit Master text styles</a:t>
@@ -1284,7 +1252,6 @@
               <a:rPr lang="en-US" dirty="0"/>
               <a:t>Fifth level</a:t>
             </a:r>
-            <a:endParaRPr lang="en-US" dirty="0"/>
           </a:p>
         </p:txBody>
       </p:sp>
@@ -1312,7 +1279,6 @@
           <a:bodyPr wrap="square"/>
           <a:lstStyle/>
           <a:p>
-            <a:pPr/>
             <a:r>
               <a:rPr lang="en-US" dirty="0"/>
               <a:t>Click to edit Master text styles</a:t>
@@ -1345,7 +1311,6 @@
               <a:rPr lang="en-US" dirty="0"/>
               <a:t>Fifth level</a:t>
             </a:r>
-            <a:endParaRPr lang="en-US" dirty="0"/>
           </a:p>
         </p:txBody>
       </p:sp>
@@ -1369,10 +1334,9 @@
           <a:bodyPr wrap="square"/>
           <a:lstStyle/>
           <a:p>
-            <a:pPr/>
             <a:fld id="{D4630D1D-EC81-4D12-BBAE-7AD5C46FE905}" type="datetimeFigureOut">
               <a:rPr lang="en-US" dirty="0"/>
-              <a:t>7/8/2015</a:t>
+              <a:t>10/16/2024</a:t>
             </a:fld>
             <a:endParaRPr lang="en-US" dirty="0"/>
           </a:p>
@@ -1398,7 +1362,6 @@
           <a:bodyPr wrap="square"/>
           <a:lstStyle/>
           <a:p>
-            <a:pPr/>
             <a:endParaRPr lang="en-US" dirty="0"/>
           </a:p>
         </p:txBody>
@@ -1423,7 +1386,6 @@
           <a:bodyPr wrap="square"/>
           <a:lstStyle/>
           <a:p>
-            <a:pPr/>
             <a:fld id="{E1CC4C9C-B29E-4E68-9F89-CA7A1621DE94}" type="slidenum">
               <a:rPr lang="en-US" dirty="0"/>
               <a:t>‹#›</a:t>
@@ -1481,12 +1443,10 @@
           <a:bodyPr wrap="square"/>
           <a:lstStyle/>
           <a:p>
-            <a:pPr/>
             <a:r>
               <a:rPr lang="en-US" dirty="0"/>
               <a:t>Click to edit Master title style</a:t>
             </a:r>
-            <a:endParaRPr lang="en-US" dirty="0"/>
           </a:p>
         </p:txBody>
       </p:sp>
@@ -1511,7 +1471,7 @@
           </a:ln>
         </p:spPr>
         <p:txBody>
-          <a:bodyPr anchor="b" wrap="square"/>
+          <a:bodyPr wrap="square" anchor="b"/>
           <a:lstStyle>
             <a:lvl1pPr marL="0" indent="0">
               <a:buNone/>
@@ -1551,7 +1511,6 @@
             </a:lvl9pPr>
           </a:lstStyle>
           <a:p>
-            <a:pPr/>
             <a:r>
               <a:rPr lang="en-US" dirty="0"/>
               <a:t>Click to edit Master text styles</a:t>
@@ -1583,7 +1542,6 @@
           <a:bodyPr wrap="square"/>
           <a:lstStyle/>
           <a:p>
-            <a:pPr/>
             <a:r>
               <a:rPr lang="en-US" dirty="0"/>
               <a:t>Click to edit Master text styles</a:t>
@@ -1616,7 +1574,6 @@
               <a:rPr lang="en-US" dirty="0"/>
               <a:t>Fifth level</a:t>
             </a:r>
-            <a:endParaRPr lang="en-US" dirty="0"/>
           </a:p>
         </p:txBody>
       </p:sp>
@@ -1641,7 +1598,7 @@
           </a:ln>
         </p:spPr>
         <p:txBody>
-          <a:bodyPr anchor="b" wrap="square"/>
+          <a:bodyPr wrap="square" anchor="b"/>
           <a:lstStyle>
             <a:lvl1pPr marL="0" indent="0">
               <a:buNone/>
@@ -1681,7 +1638,6 @@
             </a:lvl9pPr>
           </a:lstStyle>
           <a:p>
-            <a:pPr/>
             <a:r>
               <a:rPr lang="en-US" dirty="0"/>
               <a:t>Click to edit Master text styles</a:t>
@@ -1713,7 +1669,6 @@
           <a:bodyPr wrap="square"/>
           <a:lstStyle/>
           <a:p>
-            <a:pPr/>
             <a:r>
               <a:rPr lang="en-US" dirty="0"/>
               <a:t>Click to edit Master text styles</a:t>
@@ -1746,7 +1701,6 @@
               <a:rPr lang="en-US" dirty="0"/>
               <a:t>Fifth level</a:t>
             </a:r>
-            <a:endParaRPr lang="en-US" dirty="0"/>
           </a:p>
         </p:txBody>
       </p:sp>
@@ -1770,10 +1724,9 @@
           <a:bodyPr wrap="square"/>
           <a:lstStyle/>
           <a:p>
-            <a:pPr/>
             <a:fld id="{D4630D1D-EC81-4D12-BBAE-7AD5C46FE905}" type="datetimeFigureOut">
               <a:rPr lang="en-US" dirty="0"/>
-              <a:t>7/8/2015</a:t>
+              <a:t>10/16/2024</a:t>
             </a:fld>
             <a:endParaRPr lang="en-US" dirty="0"/>
           </a:p>
@@ -1799,7 +1752,6 @@
           <a:bodyPr wrap="square"/>
           <a:lstStyle/>
           <a:p>
-            <a:pPr/>
             <a:endParaRPr lang="en-US" dirty="0"/>
           </a:p>
         </p:txBody>
@@ -1824,7 +1776,6 @@
           <a:bodyPr wrap="square"/>
           <a:lstStyle/>
           <a:p>
-            <a:pPr/>
             <a:fld id="{E1CC4C9C-B29E-4E68-9F89-CA7A1621DE94}" type="slidenum">
               <a:rPr lang="en-US" dirty="0"/>
               <a:t>‹#›</a:t>
@@ -1878,12 +1829,10 @@
           <a:bodyPr wrap="square"/>
           <a:lstStyle/>
           <a:p>
-            <a:pPr/>
             <a:r>
               <a:rPr lang="en-US" dirty="0"/>
               <a:t>Click to edit Master title style</a:t>
             </a:r>
-            <a:endParaRPr lang="en-US" dirty="0"/>
           </a:p>
         </p:txBody>
       </p:sp>
@@ -1907,10 +1856,9 @@
           <a:bodyPr wrap="square"/>
           <a:lstStyle/>
           <a:p>
-            <a:pPr/>
             <a:fld id="{D4630D1D-EC81-4D12-BBAE-7AD5C46FE905}" type="datetimeFigureOut">
               <a:rPr lang="en-US" dirty="0"/>
-              <a:t>7/8/2015</a:t>
+              <a:t>10/16/2024</a:t>
             </a:fld>
             <a:endParaRPr lang="en-US" dirty="0"/>
           </a:p>
@@ -1936,7 +1884,6 @@
           <a:bodyPr wrap="square"/>
           <a:lstStyle/>
           <a:p>
-            <a:pPr/>
             <a:endParaRPr lang="en-US" dirty="0"/>
           </a:p>
         </p:txBody>
@@ -1961,7 +1908,6 @@
           <a:bodyPr wrap="square"/>
           <a:lstStyle/>
           <a:p>
-            <a:pPr/>
             <a:fld id="{E1CC4C9C-B29E-4E68-9F89-CA7A1621DE94}" type="slidenum">
               <a:rPr lang="en-US" dirty="0"/>
               <a:t>‹#›</a:t>
@@ -2015,10 +1961,9 @@
           <a:bodyPr wrap="square"/>
           <a:lstStyle/>
           <a:p>
-            <a:pPr/>
             <a:fld id="{D4630D1D-EC81-4D12-BBAE-7AD5C46FE905}" type="datetimeFigureOut">
               <a:rPr lang="en-US" dirty="0"/>
-              <a:t>7/8/2015</a:t>
+              <a:t>10/16/2024</a:t>
             </a:fld>
             <a:endParaRPr lang="en-US" dirty="0"/>
           </a:p>
@@ -2044,7 +1989,6 @@
           <a:bodyPr wrap="square"/>
           <a:lstStyle/>
           <a:p>
-            <a:pPr/>
             <a:endParaRPr lang="en-US" dirty="0"/>
           </a:p>
         </p:txBody>
@@ -2069,7 +2013,6 @@
           <a:bodyPr wrap="square"/>
           <a:lstStyle/>
           <a:p>
-            <a:pPr/>
             <a:fld id="{E1CC4C9C-B29E-4E68-9F89-CA7A1621DE94}" type="slidenum">
               <a:rPr lang="en-US" dirty="0"/>
               <a:t>‹#›</a:t>
@@ -2124,19 +2067,17 @@
           </a:ln>
         </p:spPr>
         <p:txBody>
-          <a:bodyPr anchor="b" wrap="square"/>
+          <a:bodyPr wrap="square" anchor="b"/>
           <a:lstStyle>
             <a:lvl1pPr>
               <a:defRPr sz="3200" dirty="0"/>
             </a:lvl1pPr>
           </a:lstStyle>
           <a:p>
-            <a:pPr/>
             <a:r>
               <a:rPr lang="en-US" dirty="0"/>
               <a:t>Click to edit Master title style</a:t>
             </a:r>
-            <a:endParaRPr lang="en-US" dirty="0"/>
           </a:p>
         </p:txBody>
       </p:sp>
@@ -2192,7 +2133,6 @@
             </a:lvl9pPr>
           </a:lstStyle>
           <a:p>
-            <a:pPr/>
             <a:r>
               <a:rPr lang="en-US" dirty="0"/>
               <a:t>Click to edit Master text styles</a:t>
@@ -2225,7 +2165,6 @@
               <a:rPr lang="en-US" dirty="0"/>
               <a:t>Fifth level</a:t>
             </a:r>
-            <a:endParaRPr lang="en-US" dirty="0"/>
           </a:p>
         </p:txBody>
       </p:sp>
@@ -2290,7 +2229,6 @@
             </a:lvl9pPr>
           </a:lstStyle>
           <a:p>
-            <a:pPr/>
             <a:r>
               <a:rPr lang="en-US" dirty="0"/>
               <a:t>Click to edit Master text styles</a:t>
@@ -2318,10 +2256,9 @@
           <a:bodyPr wrap="square"/>
           <a:lstStyle/>
           <a:p>
-            <a:pPr/>
             <a:fld id="{D4630D1D-EC81-4D12-BBAE-7AD5C46FE905}" type="datetimeFigureOut">
               <a:rPr lang="en-US" dirty="0"/>
-              <a:t>7/8/2015</a:t>
+              <a:t>10/16/2024</a:t>
             </a:fld>
             <a:endParaRPr lang="en-US" dirty="0"/>
           </a:p>
@@ -2347,7 +2284,6 @@
           <a:bodyPr wrap="square"/>
           <a:lstStyle/>
           <a:p>
-            <a:pPr/>
             <a:endParaRPr lang="en-US" dirty="0"/>
           </a:p>
         </p:txBody>
@@ -2372,7 +2308,6 @@
           <a:bodyPr wrap="square"/>
           <a:lstStyle/>
           <a:p>
-            <a:pPr/>
             <a:fld id="{E1CC4C9C-B29E-4E68-9F89-CA7A1621DE94}" type="slidenum">
               <a:rPr lang="en-US" dirty="0"/>
               <a:t>‹#›</a:t>
@@ -2427,19 +2362,17 @@
           </a:ln>
         </p:spPr>
         <p:txBody>
-          <a:bodyPr anchor="b" wrap="square"/>
+          <a:bodyPr wrap="square" anchor="b"/>
           <a:lstStyle>
             <a:lvl1pPr>
               <a:defRPr sz="3200" dirty="0"/>
             </a:lvl1pPr>
           </a:lstStyle>
           <a:p>
-            <a:pPr/>
             <a:r>
               <a:rPr lang="en-US" dirty="0"/>
               <a:t>Click to edit Master title style</a:t>
             </a:r>
-            <a:endParaRPr lang="en-US" dirty="0"/>
           </a:p>
         </p:txBody>
       </p:sp>
@@ -2504,7 +2437,6 @@
             </a:lvl9pPr>
           </a:lstStyle>
           <a:p>
-            <a:pPr/>
             <a:endParaRPr lang="en-US" dirty="0"/>
           </a:p>
         </p:txBody>
@@ -2570,7 +2502,6 @@
             </a:lvl9pPr>
           </a:lstStyle>
           <a:p>
-            <a:pPr/>
             <a:r>
               <a:rPr lang="en-US" dirty="0"/>
               <a:t>Click to edit Master text styles</a:t>
@@ -2598,10 +2529,9 @@
           <a:bodyPr wrap="square"/>
           <a:lstStyle/>
           <a:p>
-            <a:pPr/>
             <a:fld id="{D4630D1D-EC81-4D12-BBAE-7AD5C46FE905}" type="datetimeFigureOut">
               <a:rPr lang="en-US" dirty="0"/>
-              <a:t>7/8/2015</a:t>
+              <a:t>10/16/2024</a:t>
             </a:fld>
             <a:endParaRPr lang="en-US" dirty="0"/>
           </a:p>
@@ -2627,7 +2557,6 @@
           <a:bodyPr wrap="square"/>
           <a:lstStyle/>
           <a:p>
-            <a:pPr/>
             <a:endParaRPr lang="en-US" dirty="0"/>
           </a:p>
         </p:txBody>
@@ -2652,7 +2581,6 @@
           <a:bodyPr wrap="square"/>
           <a:lstStyle/>
           <a:p>
-            <a:pPr/>
             <a:fld id="{E1CC4C9C-B29E-4E68-9F89-CA7A1621DE94}" type="slidenum">
               <a:rPr lang="en-US" dirty="0"/>
               <a:t>‹#›</a:t>
@@ -2677,6 +2605,7 @@
         <a:solidFill>
           <a:schemeClr val="bg1"/>
         </a:solidFill>
+        <a:effectLst/>
       </p:bgPr>
     </p:bg>
     <p:spTree>
@@ -2717,17 +2646,15 @@
           </a:ln>
         </p:spPr>
         <p:txBody>
-          <a:bodyPr lIns="91440" tIns="45720" rIns="91440" bIns="45720" anchor="ctr" wrap="square">
+          <a:bodyPr wrap="square" lIns="91440" tIns="45720" rIns="91440" bIns="45720" anchor="ctr">
             <a:normAutofit/>
           </a:bodyPr>
           <a:lstStyle/>
           <a:p>
-            <a:pPr/>
             <a:r>
               <a:rPr lang="en-US" dirty="0"/>
               <a:t>Click to edit Master title style</a:t>
             </a:r>
-            <a:endParaRPr lang="en-US" dirty="0"/>
           </a:p>
         </p:txBody>
       </p:sp>
@@ -2755,12 +2682,11 @@
           </a:ln>
         </p:spPr>
         <p:txBody>
-          <a:bodyPr lIns="91440" tIns="45720" rIns="91440" bIns="45720" wrap="square">
+          <a:bodyPr wrap="square" lIns="91440" tIns="45720" rIns="91440" bIns="45720">
             <a:normAutofit/>
           </a:bodyPr>
           <a:lstStyle/>
           <a:p>
-            <a:pPr/>
             <a:r>
               <a:rPr lang="en-US" dirty="0"/>
               <a:t>Click to edit Master text styles</a:t>
@@ -2793,7 +2719,6 @@
               <a:rPr lang="en-US" dirty="0"/>
               <a:t>Fifth level</a:t>
             </a:r>
-            <a:endParaRPr lang="en-US" dirty="0"/>
           </a:p>
         </p:txBody>
       </p:sp>
@@ -2821,7 +2746,7 @@
           </a:ln>
         </p:spPr>
         <p:txBody>
-          <a:bodyPr lIns="91440" tIns="45720" rIns="91440" bIns="45720" anchor="ctr" wrap="square"/>
+          <a:bodyPr wrap="square" lIns="91440" tIns="45720" rIns="91440" bIns="45720" anchor="ctr"/>
           <a:lstStyle>
             <a:lvl1pPr algn="l">
               <a:defRPr sz="1200" dirty="0">
@@ -2834,10 +2759,9 @@
             </a:lvl1pPr>
           </a:lstStyle>
           <a:p>
-            <a:pPr/>
             <a:fld id="{D4630D1D-EC81-4D12-BBAE-7AD5C46FE905}" type="datetimeFigureOut">
               <a:rPr lang="en-US" dirty="0"/>
-              <a:t>7/8/2015</a:t>
+              <a:t>10/16/2024</a:t>
             </a:fld>
             <a:endParaRPr lang="en-US" dirty="0"/>
           </a:p>
@@ -2867,7 +2791,7 @@
           </a:ln>
         </p:spPr>
         <p:txBody>
-          <a:bodyPr lIns="91440" tIns="45720" rIns="91440" bIns="45720" anchor="ctr" wrap="square"/>
+          <a:bodyPr wrap="square" lIns="91440" tIns="45720" rIns="91440" bIns="45720" anchor="ctr"/>
           <a:lstStyle>
             <a:lvl1pPr algn="ctr">
               <a:defRPr sz="1200" dirty="0">
@@ -2880,7 +2804,6 @@
             </a:lvl1pPr>
           </a:lstStyle>
           <a:p>
-            <a:pPr/>
             <a:endParaRPr lang="en-US" dirty="0"/>
           </a:p>
         </p:txBody>
@@ -2909,7 +2832,7 @@
           </a:ln>
         </p:spPr>
         <p:txBody>
-          <a:bodyPr lIns="91440" tIns="45720" rIns="91440" bIns="45720" anchor="ctr" wrap="square"/>
+          <a:bodyPr wrap="square" lIns="91440" tIns="45720" rIns="91440" bIns="45720" anchor="ctr"/>
           <a:lstStyle>
             <a:lvl1pPr algn="r">
               <a:defRPr sz="1200" dirty="0">
@@ -2922,7 +2845,6 @@
             </a:lvl1pPr>
           </a:lstStyle>
           <a:p>
-            <a:pPr/>
             <a:fld id="{E1CC4C9C-B29E-4E68-9F89-CA7A1621DE94}" type="slidenum">
               <a:rPr lang="en-US" dirty="0"/>
               <a:t>‹#›</a:t>
@@ -2949,7 +2871,7 @@
   </p:sldLayoutIdLst>
   <p:txStyles>
     <p:titleStyle>
-      <a:lvl1pPr rtl="0" algn="l" defTabSz="914400">
+      <a:lvl1pPr algn="l" defTabSz="914400" rtl="0">
         <a:lnSpc>
           <a:spcPct val="90000"/>
         </a:lnSpc>
@@ -2968,7 +2890,7 @@
       </a:lvl1pPr>
     </p:titleStyle>
     <p:bodyStyle>
-      <a:lvl1pPr marL="228600" indent="-228600" rtl="0" algn="l" defTabSz="914400">
+      <a:lvl1pPr marL="228600" indent="-228600" algn="l" defTabSz="914400" rtl="0">
         <a:lnSpc>
           <a:spcPct val="90000"/>
         </a:lnSpc>
@@ -2986,7 +2908,7 @@
           <a:cs typeface="+mn-cs"/>
         </a:defRPr>
       </a:lvl1pPr>
-      <a:lvl2pPr marL="685800" indent="-228600" rtl="0" algn="l" defTabSz="914400">
+      <a:lvl2pPr marL="685800" indent="-228600" algn="l" defTabSz="914400" rtl="0">
         <a:lnSpc>
           <a:spcPct val="90000"/>
         </a:lnSpc>
@@ -3004,7 +2926,7 @@
           <a:cs typeface="+mn-cs"/>
         </a:defRPr>
       </a:lvl2pPr>
-      <a:lvl3pPr marL="1143000" indent="-228600" rtl="0" algn="l" defTabSz="914400">
+      <a:lvl3pPr marL="1143000" indent="-228600" algn="l" defTabSz="914400" rtl="0">
         <a:lnSpc>
           <a:spcPct val="90000"/>
         </a:lnSpc>
@@ -3022,7 +2944,7 @@
           <a:cs typeface="+mn-cs"/>
         </a:defRPr>
       </a:lvl3pPr>
-      <a:lvl4pPr marL="1600200" indent="-228600" rtl="0" algn="l" defTabSz="914400">
+      <a:lvl4pPr marL="1600200" indent="-228600" algn="l" defTabSz="914400" rtl="0">
         <a:lnSpc>
           <a:spcPct val="90000"/>
         </a:lnSpc>
@@ -3040,7 +2962,7 @@
           <a:cs typeface="+mn-cs"/>
         </a:defRPr>
       </a:lvl4pPr>
-      <a:lvl5pPr marL="2057400" indent="-228600" rtl="0" algn="l" defTabSz="914400">
+      <a:lvl5pPr marL="2057400" indent="-228600" algn="l" defTabSz="914400" rtl="0">
         <a:lnSpc>
           <a:spcPct val="90000"/>
         </a:lnSpc>
@@ -3058,7 +2980,7 @@
           <a:cs typeface="+mn-cs"/>
         </a:defRPr>
       </a:lvl5pPr>
-      <a:lvl6pPr marL="2514600" indent="-228600" rtl="0" algn="l" defTabSz="914400">
+      <a:lvl6pPr marL="2514600" indent="-228600" algn="l" defTabSz="914400" rtl="0">
         <a:lnSpc>
           <a:spcPct val="90000"/>
         </a:lnSpc>
@@ -3076,7 +2998,7 @@
           <a:cs typeface="+mn-cs"/>
         </a:defRPr>
       </a:lvl6pPr>
-      <a:lvl7pPr marL="2971800" indent="-228600" rtl="0" algn="l" defTabSz="914400">
+      <a:lvl7pPr marL="2971800" indent="-228600" algn="l" defTabSz="914400" rtl="0">
         <a:lnSpc>
           <a:spcPct val="90000"/>
         </a:lnSpc>
@@ -3094,7 +3016,7 @@
           <a:cs typeface="+mn-cs"/>
         </a:defRPr>
       </a:lvl7pPr>
-      <a:lvl8pPr marL="3429000" indent="-228600" rtl="0" algn="l" defTabSz="914400">
+      <a:lvl8pPr marL="3429000" indent="-228600" algn="l" defTabSz="914400" rtl="0">
         <a:lnSpc>
           <a:spcPct val="90000"/>
         </a:lnSpc>
@@ -3112,7 +3034,7 @@
           <a:cs typeface="+mn-cs"/>
         </a:defRPr>
       </a:lvl8pPr>
-      <a:lvl9pPr marL="3886200" indent="-228600" rtl="0" algn="l" defTabSz="914400">
+      <a:lvl9pPr marL="3886200" indent="-228600" algn="l" defTabSz="914400" rtl="0">
         <a:lnSpc>
           <a:spcPct val="90000"/>
         </a:lnSpc>
@@ -3135,7 +3057,7 @@
       <a:defPPr defTabSz="914400">
         <a:defRPr lang="en-US" dirty="0"/>
       </a:defPPr>
-      <a:lvl1pPr marL="0" rtl="0" algn="l" defTabSz="914400">
+      <a:lvl1pPr marL="0" algn="l" defTabSz="914400" rtl="0">
         <a:defRPr sz="1800" kern="1200" dirty="0">
           <a:solidFill>
             <a:schemeClr val="tx1"/>
@@ -3145,7 +3067,7 @@
           <a:cs typeface="+mn-cs"/>
         </a:defRPr>
       </a:lvl1pPr>
-      <a:lvl2pPr marL="457200" rtl="0" algn="l" defTabSz="914400">
+      <a:lvl2pPr marL="457200" algn="l" defTabSz="914400" rtl="0">
         <a:defRPr sz="1800" kern="1200" dirty="0">
           <a:solidFill>
             <a:schemeClr val="tx1"/>
@@ -3155,7 +3077,7 @@
           <a:cs typeface="+mn-cs"/>
         </a:defRPr>
       </a:lvl2pPr>
-      <a:lvl3pPr marL="914400" rtl="0" algn="l" defTabSz="914400">
+      <a:lvl3pPr marL="914400" algn="l" defTabSz="914400" rtl="0">
         <a:defRPr sz="1800" kern="1200" dirty="0">
           <a:solidFill>
             <a:schemeClr val="tx1"/>
@@ -3165,7 +3087,7 @@
           <a:cs typeface="+mn-cs"/>
         </a:defRPr>
       </a:lvl3pPr>
-      <a:lvl4pPr marL="1371600" rtl="0" algn="l" defTabSz="914400">
+      <a:lvl4pPr marL="1371600" algn="l" defTabSz="914400" rtl="0">
         <a:defRPr sz="1800" kern="1200" dirty="0">
           <a:solidFill>
             <a:schemeClr val="tx1"/>
@@ -3175,7 +3097,7 @@
           <a:cs typeface="+mn-cs"/>
         </a:defRPr>
       </a:lvl4pPr>
-      <a:lvl5pPr marL="1828800" rtl="0" algn="l" defTabSz="914400">
+      <a:lvl5pPr marL="1828800" algn="l" defTabSz="914400" rtl="0">
         <a:defRPr sz="1800" kern="1200" dirty="0">
           <a:solidFill>
             <a:schemeClr val="tx1"/>
@@ -3185,7 +3107,7 @@
           <a:cs typeface="+mn-cs"/>
         </a:defRPr>
       </a:lvl5pPr>
-      <a:lvl6pPr marL="2286000" rtl="0" algn="l" defTabSz="914400">
+      <a:lvl6pPr marL="2286000" algn="l" defTabSz="914400" rtl="0">
         <a:defRPr sz="1800" kern="1200" dirty="0">
           <a:solidFill>
             <a:schemeClr val="tx1"/>
@@ -3195,7 +3117,7 @@
           <a:cs typeface="+mn-cs"/>
         </a:defRPr>
       </a:lvl6pPr>
-      <a:lvl7pPr marL="2743200" rtl="0" algn="l" defTabSz="914400">
+      <a:lvl7pPr marL="2743200" algn="l" defTabSz="914400" rtl="0">
         <a:defRPr sz="1800" kern="1200" dirty="0">
           <a:solidFill>
             <a:schemeClr val="tx1"/>
@@ -3205,7 +3127,7 @@
           <a:cs typeface="+mn-cs"/>
         </a:defRPr>
       </a:lvl7pPr>
-      <a:lvl8pPr marL="3200400" rtl="0" algn="l" defTabSz="914400">
+      <a:lvl8pPr marL="3200400" algn="l" defTabSz="914400" rtl="0">
         <a:defRPr sz="1800" kern="1200" dirty="0">
           <a:solidFill>
             <a:schemeClr val="tx1"/>
@@ -3215,7 +3137,7 @@
           <a:cs typeface="+mn-cs"/>
         </a:defRPr>
       </a:lvl8pPr>
-      <a:lvl9pPr marL="3657600" rtl="0" algn="l" defTabSz="914400">
+      <a:lvl9pPr marL="3657600" algn="l" defTabSz="914400" rtl="0">
         <a:defRPr sz="1800" kern="1200" dirty="0">
           <a:solidFill>
             <a:schemeClr val="tx1"/>
@@ -3230,6 +3152,436 @@
 </p:sldMaster>
 </file>
 
+<file path=ppt/slides/slide1.xml><?xml version="1.0" encoding="utf-8"?>
+<p:sld xmlns:a="http://schemas.openxmlformats.org/drawingml/2006/main" xmlns:r="http://schemas.openxmlformats.org/officeDocument/2006/relationships" xmlns:p="http://schemas.openxmlformats.org/presentationml/2006/main">
+  <p:cSld>
+    <p:spTree>
+      <p:nvGrpSpPr>
+        <p:cNvPr id="1" name=""/>
+        <p:cNvGrpSpPr/>
+        <p:nvPr/>
+      </p:nvGrpSpPr>
+      <p:grpSpPr>
+        <a:xfrm>
+          <a:off x="0" y="0"/>
+          <a:ext cx="0" cy="0"/>
+          <a:chOff x="0" y="0"/>
+          <a:chExt cx="0" cy="0"/>
+        </a:xfrm>
+      </p:grpSpPr>
+      <p:sp>
+        <p:nvSpPr>
+          <p:cNvPr id="2" name="TextBox2"/>
+          <p:cNvSpPr txBox="1">
+            <a:spLocks noChangeArrowheads="1"/>
+          </p:cNvSpPr>
+          <p:nvPr/>
+        </p:nvSpPr>
+        <p:spPr>
+          <a:xfrm>
+            <a:off x="635000" y="635000"/>
+            <a:ext cx="6350000" cy="635000"/>
+          </a:xfrm>
+          <a:prstGeom prst="rect">
+            <a:avLst/>
+          </a:prstGeom>
+          <a:ln>
+            <a:headEnd type="none"/>
+            <a:tailEnd type="none"/>
+          </a:ln>
+        </p:spPr>
+        <p:txBody>
+          <a:bodyPr wrap="square">
+            <a:spAutoFit/>
+          </a:bodyPr>
+          <a:lstStyle/>
+          <a:p>
+            <a:pPr defTabSz="914400"/>
+            <a:r>
+              <a:rPr sz="2800" b="1" i="0" dirty="0">
+                <a:solidFill>
+                  <a:srgbClr val="000000">
+                    <a:alpha val="100000"/>
+                  </a:srgbClr>
+                </a:solidFill>
+              </a:rPr>
+              <a:t>Book</a:t>
+            </a:r>
+          </a:p>
+        </p:txBody>
+      </p:sp>
+      <p:sp>
+        <p:nvSpPr>
+          <p:cNvPr id="3" name="TextBox3"/>
+          <p:cNvSpPr txBox="1">
+            <a:spLocks noChangeArrowheads="1"/>
+          </p:cNvSpPr>
+          <p:nvPr/>
+        </p:nvSpPr>
+        <p:spPr>
+          <a:xfrm>
+            <a:off x="635000" y="1270000"/>
+            <a:ext cx="6350000" cy="635000"/>
+          </a:xfrm>
+          <a:prstGeom prst="rect">
+            <a:avLst/>
+          </a:prstGeom>
+          <a:ln>
+            <a:headEnd type="none"/>
+            <a:tailEnd type="none"/>
+          </a:ln>
+        </p:spPr>
+        <p:txBody>
+          <a:bodyPr wrap="square">
+            <a:spAutoFit/>
+          </a:bodyPr>
+          <a:lstStyle/>
+          <a:p>
+            <a:pPr defTabSz="914400"/>
+            <a:r>
+              <a:rPr sz="1800" b="0" i="0" dirty="0">
+                <a:solidFill>
+                  <a:srgbClr val="DD49EB">
+                    <a:alpha val="100000"/>
+                  </a:srgbClr>
+                </a:solidFill>
+              </a:rPr>
+              <a:t>Id: 237</a:t>
+            </a:r>
+          </a:p>
+        </p:txBody>
+      </p:sp>
+      <p:sp>
+        <p:nvSpPr>
+          <p:cNvPr id="4" name="TextBox4"/>
+          <p:cNvSpPr txBox="1">
+            <a:spLocks noChangeArrowheads="1"/>
+          </p:cNvSpPr>
+          <p:nvPr/>
+        </p:nvSpPr>
+        <p:spPr>
+          <a:xfrm>
+            <a:off x="635000" y="1905000"/>
+            <a:ext cx="6350000" cy="461665"/>
+          </a:xfrm>
+          <a:prstGeom prst="rect">
+            <a:avLst/>
+          </a:prstGeom>
+          <a:ln>
+            <a:headEnd type="none"/>
+            <a:tailEnd type="none"/>
+          </a:ln>
+        </p:spPr>
+        <p:txBody>
+          <a:bodyPr wrap="square">
+            <a:spAutoFit/>
+          </a:bodyPr>
+          <a:lstStyle/>
+          <a:p>
+            <a:pPr defTabSz="914400"/>
+            <a:r>
+              <a:rPr sz="2400" b="1" i="0" dirty="0">
+                <a:solidFill>
+                  <a:srgbClr val="000000">
+                    <a:alpha val="100000"/>
+                  </a:srgbClr>
+                </a:solidFill>
+              </a:rPr>
+              <a:t>Title: Dragon prince</a:t>
+            </a:r>
+            <a:r>
+              <a:rPr lang="en-US" sz="2400" b="1" i="0" dirty="0">
+                <a:solidFill>
+                  <a:srgbClr val="000000">
+                    <a:alpha val="100000"/>
+                  </a:srgbClr>
+                </a:solidFill>
+              </a:rPr>
+              <a:t>123123</a:t>
+            </a:r>
+          </a:p>
+        </p:txBody>
+      </p:sp>
+      <p:sp>
+        <p:nvSpPr>
+          <p:cNvPr id="5" name="TextBox5"/>
+          <p:cNvSpPr txBox="1">
+            <a:spLocks noChangeArrowheads="1"/>
+          </p:cNvSpPr>
+          <p:nvPr/>
+        </p:nvSpPr>
+        <p:spPr>
+          <a:xfrm>
+            <a:off x="635000" y="2540000"/>
+            <a:ext cx="6350000" cy="635000"/>
+          </a:xfrm>
+          <a:prstGeom prst="rect">
+            <a:avLst/>
+          </a:prstGeom>
+          <a:ln>
+            <a:headEnd type="none"/>
+            <a:tailEnd type="none"/>
+          </a:ln>
+        </p:spPr>
+        <p:txBody>
+          <a:bodyPr wrap="square">
+            <a:spAutoFit/>
+          </a:bodyPr>
+          <a:lstStyle/>
+          <a:p>
+            <a:pPr defTabSz="914400"/>
+            <a:r>
+              <a:rPr sz="1800" b="0" i="0" dirty="0">
+                <a:solidFill>
+                  <a:srgbClr val="000000">
+                    <a:alpha val="100000"/>
+                  </a:srgbClr>
+                </a:solidFill>
+              </a:rPr>
+              <a:t>Description: lkasd;alksdasdasd</a:t>
+            </a:r>
+          </a:p>
+        </p:txBody>
+      </p:sp>
+      <p:sp>
+        <p:nvSpPr>
+          <p:cNvPr id="6" name="TextBox6"/>
+          <p:cNvSpPr txBox="1">
+            <a:spLocks noChangeArrowheads="1"/>
+          </p:cNvSpPr>
+          <p:nvPr/>
+        </p:nvSpPr>
+        <p:spPr>
+          <a:xfrm>
+            <a:off x="635000" y="3175000"/>
+            <a:ext cx="6350000" cy="635000"/>
+          </a:xfrm>
+          <a:prstGeom prst="rect">
+            <a:avLst/>
+          </a:prstGeom>
+          <a:ln>
+            <a:headEnd type="none"/>
+            <a:tailEnd type="none"/>
+          </a:ln>
+        </p:spPr>
+        <p:txBody>
+          <a:bodyPr wrap="square">
+            <a:spAutoFit/>
+          </a:bodyPr>
+          <a:lstStyle/>
+          <a:p>
+            <a:pPr defTabSz="914400"/>
+            <a:r>
+              <a:rPr sz="1800" b="0" i="0" dirty="0">
+                <a:solidFill>
+                  <a:srgbClr val="000000">
+                    <a:alpha val="100000"/>
+                  </a:srgbClr>
+                </a:solidFill>
+                <a:hlinkClick r:id="rId2" action="ppaction://hlinkfile"/>
+              </a:rPr>
+              <a:t>ImageUrl: https://birkhauser.com/product-not-found.png</a:t>
+            </a:r>
+          </a:p>
+        </p:txBody>
+      </p:sp>
+    </p:spTree>
+  </p:cSld>
+  <p:clrMapOvr>
+    <a:masterClrMapping/>
+  </p:clrMapOvr>
+</p:sld>
+</file>
+
+<file path=ppt/slides/slide2.xml><?xml version="1.0" encoding="utf-8"?>
+<p:sld xmlns:a="http://schemas.openxmlformats.org/drawingml/2006/main" xmlns:r="http://schemas.openxmlformats.org/officeDocument/2006/relationships" xmlns:p="http://schemas.openxmlformats.org/presentationml/2006/main">
+  <p:cSld>
+    <p:spTree>
+      <p:nvGrpSpPr>
+        <p:cNvPr id="1" name=""/>
+        <p:cNvGrpSpPr/>
+        <p:nvPr/>
+      </p:nvGrpSpPr>
+      <p:grpSpPr>
+        <a:xfrm>
+          <a:off x="0" y="0"/>
+          <a:ext cx="0" cy="0"/>
+          <a:chOff x="0" y="0"/>
+          <a:chExt cx="0" cy="0"/>
+        </a:xfrm>
+      </p:grpSpPr>
+      <p:sp>
+        <p:nvSpPr>
+          <p:cNvPr id="2" name="TextBox2"/>
+          <p:cNvSpPr txBox="1">
+            <a:spLocks noChangeArrowheads="1"/>
+          </p:cNvSpPr>
+          <p:nvPr/>
+        </p:nvSpPr>
+        <p:spPr>
+          <a:xfrm>
+            <a:off x="635000" y="635000"/>
+            <a:ext cx="6350000" cy="635000"/>
+          </a:xfrm>
+          <a:prstGeom prst="rect">
+            <a:avLst/>
+          </a:prstGeom>
+          <a:ln>
+            <a:headEnd type="none"/>
+            <a:tailEnd type="none"/>
+          </a:ln>
+        </p:spPr>
+        <p:txBody>
+          <a:bodyPr wrap="square">
+            <a:spAutoFit/>
+          </a:bodyPr>
+          <a:lstStyle/>
+          <a:p>
+            <a:pPr defTabSz="914400"/>
+            <a:r>
+              <a:rPr sz="2800" b="1" i="0" dirty="0">
+                <a:solidFill>
+                  <a:srgbClr val="000000">
+                    <a:alpha val="100000"/>
+                  </a:srgbClr>
+                </a:solidFill>
+              </a:rPr>
+              <a:t>Chapter: 0</a:t>
+            </a:r>
+          </a:p>
+        </p:txBody>
+      </p:sp>
+      <p:sp>
+        <p:nvSpPr>
+          <p:cNvPr id="3" name="TextBox3"/>
+          <p:cNvSpPr txBox="1">
+            <a:spLocks noChangeArrowheads="1"/>
+          </p:cNvSpPr>
+          <p:nvPr/>
+        </p:nvSpPr>
+        <p:spPr>
+          <a:xfrm>
+            <a:off x="635000" y="1270000"/>
+            <a:ext cx="6350000" cy="635000"/>
+          </a:xfrm>
+          <a:prstGeom prst="rect">
+            <a:avLst/>
+          </a:prstGeom>
+          <a:ln>
+            <a:headEnd type="none"/>
+            <a:tailEnd type="none"/>
+          </a:ln>
+        </p:spPr>
+        <p:txBody>
+          <a:bodyPr wrap="square">
+            <a:spAutoFit/>
+          </a:bodyPr>
+          <a:lstStyle/>
+          <a:p>
+            <a:pPr defTabSz="914400"/>
+            <a:r>
+              <a:rPr sz="1800" b="0" i="0" dirty="0">
+                <a:solidFill>
+                  <a:srgbClr val="DD49EB">
+                    <a:alpha val="100000"/>
+                  </a:srgbClr>
+                </a:solidFill>
+              </a:rPr>
+              <a:t>Book Id: 237</a:t>
+            </a:r>
+          </a:p>
+        </p:txBody>
+      </p:sp>
+      <p:sp>
+        <p:nvSpPr>
+          <p:cNvPr id="4" name="TextBox4"/>
+          <p:cNvSpPr txBox="1">
+            <a:spLocks noChangeArrowheads="1"/>
+          </p:cNvSpPr>
+          <p:nvPr/>
+        </p:nvSpPr>
+        <p:spPr>
+          <a:xfrm>
+            <a:off x="635000" y="1905000"/>
+            <a:ext cx="6350000" cy="635000"/>
+          </a:xfrm>
+          <a:prstGeom prst="rect">
+            <a:avLst/>
+          </a:prstGeom>
+          <a:ln>
+            <a:headEnd type="none"/>
+            <a:tailEnd type="none"/>
+          </a:ln>
+        </p:spPr>
+        <p:txBody>
+          <a:bodyPr wrap="square">
+            <a:spAutoFit/>
+          </a:bodyPr>
+          <a:lstStyle/>
+          <a:p>
+            <a:pPr defTabSz="914400"/>
+            <a:r>
+              <a:rPr sz="2400" b="1" i="0" dirty="0">
+                <a:solidFill>
+                  <a:srgbClr val="000000">
+                    <a:alpha val="100000"/>
+                  </a:srgbClr>
+                </a:solidFill>
+              </a:rPr>
+              <a:t>Title: chapter1</a:t>
+            </a:r>
+          </a:p>
+        </p:txBody>
+      </p:sp>
+      <p:sp>
+        <p:nvSpPr>
+          <p:cNvPr id="5" name="TextBox5"/>
+          <p:cNvSpPr txBox="1">
+            <a:spLocks noChangeArrowheads="1"/>
+          </p:cNvSpPr>
+          <p:nvPr/>
+        </p:nvSpPr>
+        <p:spPr>
+          <a:xfrm>
+            <a:off x="635000" y="2540000"/>
+            <a:ext cx="6350000" cy="635000"/>
+          </a:xfrm>
+          <a:prstGeom prst="rect">
+            <a:avLst/>
+          </a:prstGeom>
+          <a:ln>
+            <a:headEnd type="none"/>
+            <a:tailEnd type="none"/>
+          </a:ln>
+        </p:spPr>
+        <p:txBody>
+          <a:bodyPr wrap="square">
+            <a:spAutoFit/>
+          </a:bodyPr>
+          <a:lstStyle/>
+          <a:p>
+            <a:pPr defTabSz="914400"/>
+            <a:r>
+              <a:rPr sz="1800" b="0" i="0" dirty="0">
+                <a:solidFill>
+                  <a:srgbClr val="000000">
+                    <a:alpha val="100000"/>
+                  </a:srgbClr>
+                </a:solidFill>
+              </a:rPr>
+              <a:t>Content: laskda;lkdasdasdasd</a:t>
+            </a:r>
+          </a:p>
+        </p:txBody>
+      </p:sp>
+    </p:spTree>
+  </p:cSld>
+  <p:clrMapOvr>
+    <a:masterClrMapping/>
+  </p:clrMapOvr>
+</p:sld>
+</file>
+
 <file path=ppt/theme/theme1.xml><?xml version="1.0" encoding="utf-8"?>
 <a:theme xmlns:a="http://schemas.openxmlformats.org/drawingml/2006/main" name="Office Theme">
   <a:themeElements>
@@ -3238,7 +3590,7 @@
         <a:srgbClr val="000000"/>
       </a:dk1>
       <a:lt1>
-        <a:srgbClr val="ffffff"/>
+        <a:srgbClr val="FFFFFF"/>
       </a:lt1>
       <a:dk2>
         <a:srgbClr val="44546A"/>
@@ -3487,5 +3839,7 @@
       </a:bgFillStyleLst>
     </a:fmtScheme>
   </a:themeElements>
+  <a:objectDefaults/>
+  <a:extraClrSchemeLst/>
 </a:theme>
 </file>
--- a/Storage/App_Data/Books/Solace.pptx
+++ b/Storage/App_Data/Books/Solace.pptx
@@ -5,16 +5,16 @@
     <p:sldMasterId id="2147483648" r:id="rId1"/>
   </p:sldMasterIdLst>
   <p:sldIdLst>
-    <p:sldId id="256" r:id="rId2"/>
-    <p:sldId id="257" r:id="rId3"/>
+    <p:sldId id="256" r:id="rId6"/>
+    <p:sldId id="257" r:id="rId7"/>
   </p:sldIdLst>
-  <p:sldSz cx="12192000" cy="6858000"/>
+  <p:sldSz cx="12192000" cy="6858000" type="custom"/>
   <p:notesSz cx="6858000" cy="9144000"/>
   <p:defaultTextStyle>
     <a:defPPr defTabSz="914400">
       <a:defRPr lang="en-US" dirty="0"/>
     </a:defPPr>
-    <a:lvl1pPr marL="0" algn="l" defTabSz="914400" rtl="0">
+    <a:lvl1pPr marL="0" rtl="0" algn="l" defTabSz="914400">
       <a:defRPr sz="1800" kern="1200" dirty="0">
         <a:solidFill>
           <a:schemeClr val="tx1"/>
@@ -24,7 +24,7 @@
         <a:cs typeface="+mn-cs"/>
       </a:defRPr>
     </a:lvl1pPr>
-    <a:lvl2pPr marL="457200" algn="l" defTabSz="914400" rtl="0">
+    <a:lvl2pPr marL="457200" rtl="0" algn="l" defTabSz="914400">
       <a:defRPr sz="1800" kern="1200" dirty="0">
         <a:solidFill>
           <a:schemeClr val="tx1"/>
@@ -34,7 +34,7 @@
         <a:cs typeface="+mn-cs"/>
       </a:defRPr>
     </a:lvl2pPr>
-    <a:lvl3pPr marL="914400" algn="l" defTabSz="914400" rtl="0">
+    <a:lvl3pPr marL="914400" rtl="0" algn="l" defTabSz="914400">
       <a:defRPr sz="1800" kern="1200" dirty="0">
         <a:solidFill>
           <a:schemeClr val="tx1"/>
@@ -44,7 +44,7 @@
         <a:cs typeface="+mn-cs"/>
       </a:defRPr>
     </a:lvl3pPr>
-    <a:lvl4pPr marL="1371600" algn="l" defTabSz="914400" rtl="0">
+    <a:lvl4pPr marL="1371600" rtl="0" algn="l" defTabSz="914400">
       <a:defRPr sz="1800" kern="1200" dirty="0">
         <a:solidFill>
           <a:schemeClr val="tx1"/>
@@ -54,7 +54,7 @@
         <a:cs typeface="+mn-cs"/>
       </a:defRPr>
     </a:lvl4pPr>
-    <a:lvl5pPr marL="1828800" algn="l" defTabSz="914400" rtl="0">
+    <a:lvl5pPr marL="1828800" rtl="0" algn="l" defTabSz="914400">
       <a:defRPr sz="1800" kern="1200" dirty="0">
         <a:solidFill>
           <a:schemeClr val="tx1"/>
@@ -64,7 +64,7 @@
         <a:cs typeface="+mn-cs"/>
       </a:defRPr>
     </a:lvl5pPr>
-    <a:lvl6pPr marL="2286000" algn="l" defTabSz="914400" rtl="0">
+    <a:lvl6pPr marL="2286000" rtl="0" algn="l" defTabSz="914400">
       <a:defRPr sz="1800" kern="1200" dirty="0">
         <a:solidFill>
           <a:schemeClr val="tx1"/>
@@ -74,7 +74,7 @@
         <a:cs typeface="+mn-cs"/>
       </a:defRPr>
     </a:lvl6pPr>
-    <a:lvl7pPr marL="2743200" algn="l" defTabSz="914400" rtl="0">
+    <a:lvl7pPr marL="2743200" rtl="0" algn="l" defTabSz="914400">
       <a:defRPr sz="1800" kern="1200" dirty="0">
         <a:solidFill>
           <a:schemeClr val="tx1"/>
@@ -84,7 +84,7 @@
         <a:cs typeface="+mn-cs"/>
       </a:defRPr>
     </a:lvl7pPr>
-    <a:lvl8pPr marL="3200400" algn="l" defTabSz="914400" rtl="0">
+    <a:lvl8pPr marL="3200400" rtl="0" algn="l" defTabSz="914400">
       <a:defRPr sz="1800" kern="1200" dirty="0">
         <a:solidFill>
           <a:schemeClr val="tx1"/>
@@ -94,7 +94,7 @@
         <a:cs typeface="+mn-cs"/>
       </a:defRPr>
     </a:lvl8pPr>
-    <a:lvl9pPr marL="3657600" algn="l" defTabSz="914400" rtl="0">
+    <a:lvl9pPr marL="3657600" rtl="0" algn="l" defTabSz="914400">
       <a:defRPr sz="1800" kern="1200" dirty="0">
         <a:solidFill>
           <a:schemeClr val="tx1"/>
@@ -105,12 +105,11 @@
       </a:defRPr>
     </a:lvl9pPr>
   </p:defaultTextStyle>
-  <p:extLst>
-    <p:ext uri="{EFAFB233-063F-42B5-8137-9DF3F51BA10A}">
-      <p15:sldGuideLst xmlns:p15="http://schemas.microsoft.com/office/powerpoint/2012/main"/>
-    </p:ext>
-  </p:extLst>
 </p:presentation>
+</file>
+
+<file path=ppt/commentAuthors.xml><?xml version="1.0" encoding="utf-8"?>
+<p:cmAuthorLst xmlns:a="http://schemas.openxmlformats.org/drawingml/2006/main" xmlns:r="http://schemas.openxmlformats.org/officeDocument/2006/relationships" xmlns:p="http://schemas.openxmlformats.org/presentationml/2006/main"/>
 </file>
 
 <file path=ppt/slideLayouts/slideLayout1.xml><?xml version="1.0" encoding="utf-8"?>
@@ -151,17 +150,19 @@
           </a:ln>
         </p:spPr>
         <p:txBody>
-          <a:bodyPr wrap="square" anchor="b"/>
+          <a:bodyPr anchor="b" wrap="square"/>
           <a:lstStyle>
             <a:lvl1pPr algn="ctr">
               <a:defRPr sz="6000" dirty="0"/>
             </a:lvl1pPr>
           </a:lstStyle>
           <a:p>
+            <a:pPr/>
             <a:r>
               <a:rPr lang="en-US" dirty="0"/>
               <a:t>Click to edit Master title style</a:t>
             </a:r>
+            <a:endParaRPr lang="en-US" dirty="0"/>
           </a:p>
         </p:txBody>
       </p:sp>
@@ -226,10 +227,12 @@
             </a:lvl9pPr>
           </a:lstStyle>
           <a:p>
+            <a:pPr/>
             <a:r>
               <a:rPr lang="en-US" dirty="0"/>
               <a:t>Click to edit Master subtitle style</a:t>
             </a:r>
+            <a:endParaRPr lang="en-US" dirty="0"/>
           </a:p>
         </p:txBody>
       </p:sp>
@@ -253,9 +256,10 @@
           <a:bodyPr wrap="square"/>
           <a:lstStyle/>
           <a:p>
+            <a:pPr/>
             <a:fld id="{D4630D1D-EC81-4D12-BBAE-7AD5C46FE905}" type="datetimeFigureOut">
               <a:rPr lang="en-US" dirty="0"/>
-              <a:t>10/16/2024</a:t>
+              <a:t>7/8/2015</a:t>
             </a:fld>
             <a:endParaRPr lang="en-US" dirty="0"/>
           </a:p>
@@ -281,6 +285,7 @@
           <a:bodyPr wrap="square"/>
           <a:lstStyle/>
           <a:p>
+            <a:pPr/>
             <a:endParaRPr lang="en-US" dirty="0"/>
           </a:p>
         </p:txBody>
@@ -305,6 +310,7 @@
           <a:bodyPr wrap="square"/>
           <a:lstStyle/>
           <a:p>
+            <a:pPr/>
             <a:fld id="{E1CC4C9C-B29E-4E68-9F89-CA7A1621DE94}" type="slidenum">
               <a:rPr lang="en-US" dirty="0"/>
               <a:t>‹#›</a:t>
@@ -358,10 +364,12 @@
           <a:bodyPr wrap="square"/>
           <a:lstStyle/>
           <a:p>
+            <a:pPr/>
             <a:r>
               <a:rPr lang="en-US" dirty="0"/>
               <a:t>Click to edit Master title style</a:t>
             </a:r>
+            <a:endParaRPr lang="en-US" dirty="0"/>
           </a:p>
         </p:txBody>
       </p:sp>
@@ -385,6 +393,7 @@
           <a:bodyPr vert="eaVert" wrap="square"/>
           <a:lstStyle/>
           <a:p>
+            <a:pPr/>
             <a:r>
               <a:rPr lang="en-US" dirty="0"/>
               <a:t>Click to edit Master text styles</a:t>
@@ -417,6 +426,7 @@
               <a:rPr lang="en-US" dirty="0"/>
               <a:t>Fifth level</a:t>
             </a:r>
+            <a:endParaRPr lang="en-US" dirty="0"/>
           </a:p>
         </p:txBody>
       </p:sp>
@@ -440,9 +450,10 @@
           <a:bodyPr wrap="square"/>
           <a:lstStyle/>
           <a:p>
+            <a:pPr/>
             <a:fld id="{D4630D1D-EC81-4D12-BBAE-7AD5C46FE905}" type="datetimeFigureOut">
               <a:rPr lang="en-US" dirty="0"/>
-              <a:t>10/16/2024</a:t>
+              <a:t>7/8/2015</a:t>
             </a:fld>
             <a:endParaRPr lang="en-US" dirty="0"/>
           </a:p>
@@ -468,6 +479,7 @@
           <a:bodyPr wrap="square"/>
           <a:lstStyle/>
           <a:p>
+            <a:pPr/>
             <a:endParaRPr lang="en-US" dirty="0"/>
           </a:p>
         </p:txBody>
@@ -492,6 +504,7 @@
           <a:bodyPr wrap="square"/>
           <a:lstStyle/>
           <a:p>
+            <a:pPr/>
             <a:fld id="{E1CC4C9C-B29E-4E68-9F89-CA7A1621DE94}" type="slidenum">
               <a:rPr lang="en-US" dirty="0"/>
               <a:t>‹#›</a:t>
@@ -549,10 +562,12 @@
           <a:bodyPr vert="eaVert" wrap="square"/>
           <a:lstStyle/>
           <a:p>
+            <a:pPr/>
             <a:r>
               <a:rPr lang="en-US" dirty="0"/>
               <a:t>Click to edit Master title style</a:t>
             </a:r>
+            <a:endParaRPr lang="en-US" dirty="0"/>
           </a:p>
         </p:txBody>
       </p:sp>
@@ -580,6 +595,7 @@
           <a:bodyPr vert="eaVert" wrap="square"/>
           <a:lstStyle/>
           <a:p>
+            <a:pPr/>
             <a:r>
               <a:rPr lang="en-US" dirty="0"/>
               <a:t>Click to edit Master text styles</a:t>
@@ -612,6 +628,7 @@
               <a:rPr lang="en-US" dirty="0"/>
               <a:t>Fifth level</a:t>
             </a:r>
+            <a:endParaRPr lang="en-US" dirty="0"/>
           </a:p>
         </p:txBody>
       </p:sp>
@@ -635,9 +652,10 @@
           <a:bodyPr wrap="square"/>
           <a:lstStyle/>
           <a:p>
+            <a:pPr/>
             <a:fld id="{D4630D1D-EC81-4D12-BBAE-7AD5C46FE905}" type="datetimeFigureOut">
               <a:rPr lang="en-US" dirty="0"/>
-              <a:t>10/16/2024</a:t>
+              <a:t>7/8/2015</a:t>
             </a:fld>
             <a:endParaRPr lang="en-US" dirty="0"/>
           </a:p>
@@ -663,6 +681,7 @@
           <a:bodyPr wrap="square"/>
           <a:lstStyle/>
           <a:p>
+            <a:pPr/>
             <a:endParaRPr lang="en-US" dirty="0"/>
           </a:p>
         </p:txBody>
@@ -687,6 +706,7 @@
           <a:bodyPr wrap="square"/>
           <a:lstStyle/>
           <a:p>
+            <a:pPr/>
             <a:fld id="{E1CC4C9C-B29E-4E68-9F89-CA7A1621DE94}" type="slidenum">
               <a:rPr lang="en-US" dirty="0"/>
               <a:t>‹#›</a:t>
@@ -740,10 +760,12 @@
           <a:bodyPr wrap="square"/>
           <a:lstStyle/>
           <a:p>
+            <a:pPr/>
             <a:r>
               <a:rPr lang="en-US" dirty="0"/>
               <a:t>Click to edit Master title style</a:t>
             </a:r>
+            <a:endParaRPr lang="en-US" dirty="0"/>
           </a:p>
         </p:txBody>
       </p:sp>
@@ -767,6 +789,7 @@
           <a:bodyPr wrap="square"/>
           <a:lstStyle/>
           <a:p>
+            <a:pPr/>
             <a:r>
               <a:rPr lang="en-US" dirty="0"/>
               <a:t>Click to edit Master text styles</a:t>
@@ -799,6 +822,7 @@
               <a:rPr lang="en-US" dirty="0"/>
               <a:t>Fifth level</a:t>
             </a:r>
+            <a:endParaRPr lang="en-US" dirty="0"/>
           </a:p>
         </p:txBody>
       </p:sp>
@@ -822,9 +846,10 @@
           <a:bodyPr wrap="square"/>
           <a:lstStyle/>
           <a:p>
+            <a:pPr/>
             <a:fld id="{D4630D1D-EC81-4D12-BBAE-7AD5C46FE905}" type="datetimeFigureOut">
               <a:rPr lang="en-US" dirty="0"/>
-              <a:t>10/16/2024</a:t>
+              <a:t>7/8/2015</a:t>
             </a:fld>
             <a:endParaRPr lang="en-US" dirty="0"/>
           </a:p>
@@ -850,6 +875,7 @@
           <a:bodyPr wrap="square"/>
           <a:lstStyle/>
           <a:p>
+            <a:pPr/>
             <a:endParaRPr lang="en-US" dirty="0"/>
           </a:p>
         </p:txBody>
@@ -874,6 +900,7 @@
           <a:bodyPr wrap="square"/>
           <a:lstStyle/>
           <a:p>
+            <a:pPr/>
             <a:fld id="{E1CC4C9C-B29E-4E68-9F89-CA7A1621DE94}" type="slidenum">
               <a:rPr lang="en-US" dirty="0"/>
               <a:t>‹#›</a:t>
@@ -928,17 +955,19 @@
           </a:ln>
         </p:spPr>
         <p:txBody>
-          <a:bodyPr wrap="square" anchor="b"/>
+          <a:bodyPr anchor="b" wrap="square"/>
           <a:lstStyle>
             <a:lvl1pPr>
               <a:defRPr sz="6000" dirty="0"/>
             </a:lvl1pPr>
           </a:lstStyle>
           <a:p>
+            <a:pPr/>
             <a:r>
               <a:rPr lang="en-US" dirty="0"/>
               <a:t>Click to edit Master title style</a:t>
             </a:r>
+            <a:endParaRPr lang="en-US" dirty="0"/>
           </a:p>
         </p:txBody>
       </p:sp>
@@ -1057,6 +1086,7 @@
             </a:lvl9pPr>
           </a:lstStyle>
           <a:p>
+            <a:pPr/>
             <a:r>
               <a:rPr lang="en-US" dirty="0"/>
               <a:t>Click to edit Master text styles</a:t>
@@ -1084,9 +1114,10 @@
           <a:bodyPr wrap="square"/>
           <a:lstStyle/>
           <a:p>
+            <a:pPr/>
             <a:fld id="{D4630D1D-EC81-4D12-BBAE-7AD5C46FE905}" type="datetimeFigureOut">
               <a:rPr lang="en-US" dirty="0"/>
-              <a:t>10/16/2024</a:t>
+              <a:t>7/8/2015</a:t>
             </a:fld>
             <a:endParaRPr lang="en-US" dirty="0"/>
           </a:p>
@@ -1112,6 +1143,7 @@
           <a:bodyPr wrap="square"/>
           <a:lstStyle/>
           <a:p>
+            <a:pPr/>
             <a:endParaRPr lang="en-US" dirty="0"/>
           </a:p>
         </p:txBody>
@@ -1136,6 +1168,7 @@
           <a:bodyPr wrap="square"/>
           <a:lstStyle/>
           <a:p>
+            <a:pPr/>
             <a:fld id="{E1CC4C9C-B29E-4E68-9F89-CA7A1621DE94}" type="slidenum">
               <a:rPr lang="en-US" dirty="0"/>
               <a:t>‹#›</a:t>
@@ -1189,10 +1222,12 @@
           <a:bodyPr wrap="square"/>
           <a:lstStyle/>
           <a:p>
+            <a:pPr/>
             <a:r>
               <a:rPr lang="en-US" dirty="0"/>
               <a:t>Click to edit Master title style</a:t>
             </a:r>
+            <a:endParaRPr lang="en-US" dirty="0"/>
           </a:p>
         </p:txBody>
       </p:sp>
@@ -1220,6 +1255,7 @@
           <a:bodyPr wrap="square"/>
           <a:lstStyle/>
           <a:p>
+            <a:pPr/>
             <a:r>
               <a:rPr lang="en-US" dirty="0"/>
               <a:t>Click to edit Master text styles</a:t>
@@ -1252,6 +1288,7 @@
               <a:rPr lang="en-US" dirty="0"/>
               <a:t>Fifth level</a:t>
             </a:r>
+            <a:endParaRPr lang="en-US" dirty="0"/>
           </a:p>
         </p:txBody>
       </p:sp>
@@ -1279,6 +1316,7 @@
           <a:bodyPr wrap="square"/>
           <a:lstStyle/>
           <a:p>
+            <a:pPr/>
             <a:r>
               <a:rPr lang="en-US" dirty="0"/>
               <a:t>Click to edit Master text styles</a:t>
@@ -1311,6 +1349,7 @@
               <a:rPr lang="en-US" dirty="0"/>
               <a:t>Fifth level</a:t>
             </a:r>
+            <a:endParaRPr lang="en-US" dirty="0"/>
           </a:p>
         </p:txBody>
       </p:sp>
@@ -1334,9 +1373,10 @@
           <a:bodyPr wrap="square"/>
           <a:lstStyle/>
           <a:p>
+            <a:pPr/>
             <a:fld id="{D4630D1D-EC81-4D12-BBAE-7AD5C46FE905}" type="datetimeFigureOut">
               <a:rPr lang="en-US" dirty="0"/>
-              <a:t>10/16/2024</a:t>
+              <a:t>7/8/2015</a:t>
             </a:fld>
             <a:endParaRPr lang="en-US" dirty="0"/>
           </a:p>
@@ -1362,6 +1402,7 @@
           <a:bodyPr wrap="square"/>
           <a:lstStyle/>
           <a:p>
+            <a:pPr/>
             <a:endParaRPr lang="en-US" dirty="0"/>
           </a:p>
         </p:txBody>
@@ -1386,6 +1427,7 @@
           <a:bodyPr wrap="square"/>
           <a:lstStyle/>
           <a:p>
+            <a:pPr/>
             <a:fld id="{E1CC4C9C-B29E-4E68-9F89-CA7A1621DE94}" type="slidenum">
               <a:rPr lang="en-US" dirty="0"/>
               <a:t>‹#›</a:t>
@@ -1443,10 +1485,12 @@
           <a:bodyPr wrap="square"/>
           <a:lstStyle/>
           <a:p>
+            <a:pPr/>
             <a:r>
               <a:rPr lang="en-US" dirty="0"/>
               <a:t>Click to edit Master title style</a:t>
             </a:r>
+            <a:endParaRPr lang="en-US" dirty="0"/>
           </a:p>
         </p:txBody>
       </p:sp>
@@ -1471,7 +1515,7 @@
           </a:ln>
         </p:spPr>
         <p:txBody>
-          <a:bodyPr wrap="square" anchor="b"/>
+          <a:bodyPr anchor="b" wrap="square"/>
           <a:lstStyle>
             <a:lvl1pPr marL="0" indent="0">
               <a:buNone/>
@@ -1511,6 +1555,7 @@
             </a:lvl9pPr>
           </a:lstStyle>
           <a:p>
+            <a:pPr/>
             <a:r>
               <a:rPr lang="en-US" dirty="0"/>
               <a:t>Click to edit Master text styles</a:t>
@@ -1542,6 +1587,7 @@
           <a:bodyPr wrap="square"/>
           <a:lstStyle/>
           <a:p>
+            <a:pPr/>
             <a:r>
               <a:rPr lang="en-US" dirty="0"/>
               <a:t>Click to edit Master text styles</a:t>
@@ -1574,6 +1620,7 @@
               <a:rPr lang="en-US" dirty="0"/>
               <a:t>Fifth level</a:t>
             </a:r>
+            <a:endParaRPr lang="en-US" dirty="0"/>
           </a:p>
         </p:txBody>
       </p:sp>
@@ -1598,7 +1645,7 @@
           </a:ln>
         </p:spPr>
         <p:txBody>
-          <a:bodyPr wrap="square" anchor="b"/>
+          <a:bodyPr anchor="b" wrap="square"/>
           <a:lstStyle>
             <a:lvl1pPr marL="0" indent="0">
               <a:buNone/>
@@ -1638,6 +1685,7 @@
             </a:lvl9pPr>
           </a:lstStyle>
           <a:p>
+            <a:pPr/>
             <a:r>
               <a:rPr lang="en-US" dirty="0"/>
               <a:t>Click to edit Master text styles</a:t>
@@ -1669,6 +1717,7 @@
           <a:bodyPr wrap="square"/>
           <a:lstStyle/>
           <a:p>
+            <a:pPr/>
             <a:r>
               <a:rPr lang="en-US" dirty="0"/>
               <a:t>Click to edit Master text styles</a:t>
@@ -1701,6 +1750,7 @@
               <a:rPr lang="en-US" dirty="0"/>
               <a:t>Fifth level</a:t>
             </a:r>
+            <a:endParaRPr lang="en-US" dirty="0"/>
           </a:p>
         </p:txBody>
       </p:sp>
@@ -1724,9 +1774,10 @@
           <a:bodyPr wrap="square"/>
           <a:lstStyle/>
           <a:p>
+            <a:pPr/>
             <a:fld id="{D4630D1D-EC81-4D12-BBAE-7AD5C46FE905}" type="datetimeFigureOut">
               <a:rPr lang="en-US" dirty="0"/>
-              <a:t>10/16/2024</a:t>
+              <a:t>7/8/2015</a:t>
             </a:fld>
             <a:endParaRPr lang="en-US" dirty="0"/>
           </a:p>
@@ -1752,6 +1803,7 @@
           <a:bodyPr wrap="square"/>
           <a:lstStyle/>
           <a:p>
+            <a:pPr/>
             <a:endParaRPr lang="en-US" dirty="0"/>
           </a:p>
         </p:txBody>
@@ -1776,6 +1828,7 @@
           <a:bodyPr wrap="square"/>
           <a:lstStyle/>
           <a:p>
+            <a:pPr/>
             <a:fld id="{E1CC4C9C-B29E-4E68-9F89-CA7A1621DE94}" type="slidenum">
               <a:rPr lang="en-US" dirty="0"/>
               <a:t>‹#›</a:t>
@@ -1829,10 +1882,12 @@
           <a:bodyPr wrap="square"/>
           <a:lstStyle/>
           <a:p>
+            <a:pPr/>
             <a:r>
               <a:rPr lang="en-US" dirty="0"/>
               <a:t>Click to edit Master title style</a:t>
             </a:r>
+            <a:endParaRPr lang="en-US" dirty="0"/>
           </a:p>
         </p:txBody>
       </p:sp>
@@ -1856,9 +1911,10 @@
           <a:bodyPr wrap="square"/>
           <a:lstStyle/>
           <a:p>
+            <a:pPr/>
             <a:fld id="{D4630D1D-EC81-4D12-BBAE-7AD5C46FE905}" type="datetimeFigureOut">
               <a:rPr lang="en-US" dirty="0"/>
-              <a:t>10/16/2024</a:t>
+              <a:t>7/8/2015</a:t>
             </a:fld>
             <a:endParaRPr lang="en-US" dirty="0"/>
           </a:p>
@@ -1884,6 +1940,7 @@
           <a:bodyPr wrap="square"/>
           <a:lstStyle/>
           <a:p>
+            <a:pPr/>
             <a:endParaRPr lang="en-US" dirty="0"/>
           </a:p>
         </p:txBody>
@@ -1908,6 +1965,7 @@
           <a:bodyPr wrap="square"/>
           <a:lstStyle/>
           <a:p>
+            <a:pPr/>
             <a:fld id="{E1CC4C9C-B29E-4E68-9F89-CA7A1621DE94}" type="slidenum">
               <a:rPr lang="en-US" dirty="0"/>
               <a:t>‹#›</a:t>
@@ -1961,9 +2019,10 @@
           <a:bodyPr wrap="square"/>
           <a:lstStyle/>
           <a:p>
+            <a:pPr/>
             <a:fld id="{D4630D1D-EC81-4D12-BBAE-7AD5C46FE905}" type="datetimeFigureOut">
               <a:rPr lang="en-US" dirty="0"/>
-              <a:t>10/16/2024</a:t>
+              <a:t>7/8/2015</a:t>
             </a:fld>
             <a:endParaRPr lang="en-US" dirty="0"/>
           </a:p>
@@ -1989,6 +2048,7 @@
           <a:bodyPr wrap="square"/>
           <a:lstStyle/>
           <a:p>
+            <a:pPr/>
             <a:endParaRPr lang="en-US" dirty="0"/>
           </a:p>
         </p:txBody>
@@ -2013,6 +2073,7 @@
           <a:bodyPr wrap="square"/>
           <a:lstStyle/>
           <a:p>
+            <a:pPr/>
             <a:fld id="{E1CC4C9C-B29E-4E68-9F89-CA7A1621DE94}" type="slidenum">
               <a:rPr lang="en-US" dirty="0"/>
               <a:t>‹#›</a:t>
@@ -2067,17 +2128,19 @@
           </a:ln>
         </p:spPr>
         <p:txBody>
-          <a:bodyPr wrap="square" anchor="b"/>
+          <a:bodyPr anchor="b" wrap="square"/>
           <a:lstStyle>
             <a:lvl1pPr>
               <a:defRPr sz="3200" dirty="0"/>
             </a:lvl1pPr>
           </a:lstStyle>
           <a:p>
+            <a:pPr/>
             <a:r>
               <a:rPr lang="en-US" dirty="0"/>
               <a:t>Click to edit Master title style</a:t>
             </a:r>
+            <a:endParaRPr lang="en-US" dirty="0"/>
           </a:p>
         </p:txBody>
       </p:sp>
@@ -2133,6 +2196,7 @@
             </a:lvl9pPr>
           </a:lstStyle>
           <a:p>
+            <a:pPr/>
             <a:r>
               <a:rPr lang="en-US" dirty="0"/>
               <a:t>Click to edit Master text styles</a:t>
@@ -2165,6 +2229,7 @@
               <a:rPr lang="en-US" dirty="0"/>
               <a:t>Fifth level</a:t>
             </a:r>
+            <a:endParaRPr lang="en-US" dirty="0"/>
           </a:p>
         </p:txBody>
       </p:sp>
@@ -2229,6 +2294,7 @@
             </a:lvl9pPr>
           </a:lstStyle>
           <a:p>
+            <a:pPr/>
             <a:r>
               <a:rPr lang="en-US" dirty="0"/>
               <a:t>Click to edit Master text styles</a:t>
@@ -2256,9 +2322,10 @@
           <a:bodyPr wrap="square"/>
           <a:lstStyle/>
           <a:p>
+            <a:pPr/>
             <a:fld id="{D4630D1D-EC81-4D12-BBAE-7AD5C46FE905}" type="datetimeFigureOut">
               <a:rPr lang="en-US" dirty="0"/>
-              <a:t>10/16/2024</a:t>
+              <a:t>7/8/2015</a:t>
             </a:fld>
             <a:endParaRPr lang="en-US" dirty="0"/>
           </a:p>
@@ -2284,6 +2351,7 @@
           <a:bodyPr wrap="square"/>
           <a:lstStyle/>
           <a:p>
+            <a:pPr/>
             <a:endParaRPr lang="en-US" dirty="0"/>
           </a:p>
         </p:txBody>
@@ -2308,6 +2376,7 @@
           <a:bodyPr wrap="square"/>
           <a:lstStyle/>
           <a:p>
+            <a:pPr/>
             <a:fld id="{E1CC4C9C-B29E-4E68-9F89-CA7A1621DE94}" type="slidenum">
               <a:rPr lang="en-US" dirty="0"/>
               <a:t>‹#›</a:t>
@@ -2362,17 +2431,19 @@
           </a:ln>
         </p:spPr>
         <p:txBody>
-          <a:bodyPr wrap="square" anchor="b"/>
+          <a:bodyPr anchor="b" wrap="square"/>
           <a:lstStyle>
             <a:lvl1pPr>
               <a:defRPr sz="3200" dirty="0"/>
             </a:lvl1pPr>
           </a:lstStyle>
           <a:p>
+            <a:pPr/>
             <a:r>
               <a:rPr lang="en-US" dirty="0"/>
               <a:t>Click to edit Master title style</a:t>
             </a:r>
+            <a:endParaRPr lang="en-US" dirty="0"/>
           </a:p>
         </p:txBody>
       </p:sp>
@@ -2437,6 +2508,7 @@
             </a:lvl9pPr>
           </a:lstStyle>
           <a:p>
+            <a:pPr/>
             <a:endParaRPr lang="en-US" dirty="0"/>
           </a:p>
         </p:txBody>
@@ -2502,6 +2574,7 @@
             </a:lvl9pPr>
           </a:lstStyle>
           <a:p>
+            <a:pPr/>
             <a:r>
               <a:rPr lang="en-US" dirty="0"/>
               <a:t>Click to edit Master text styles</a:t>
@@ -2529,9 +2602,10 @@
           <a:bodyPr wrap="square"/>
           <a:lstStyle/>
           <a:p>
+            <a:pPr/>
             <a:fld id="{D4630D1D-EC81-4D12-BBAE-7AD5C46FE905}" type="datetimeFigureOut">
               <a:rPr lang="en-US" dirty="0"/>
-              <a:t>10/16/2024</a:t>
+              <a:t>7/8/2015</a:t>
             </a:fld>
             <a:endParaRPr lang="en-US" dirty="0"/>
           </a:p>
@@ -2557,6 +2631,7 @@
           <a:bodyPr wrap="square"/>
           <a:lstStyle/>
           <a:p>
+            <a:pPr/>
             <a:endParaRPr lang="en-US" dirty="0"/>
           </a:p>
         </p:txBody>
@@ -2581,6 +2656,7 @@
           <a:bodyPr wrap="square"/>
           <a:lstStyle/>
           <a:p>
+            <a:pPr/>
             <a:fld id="{E1CC4C9C-B29E-4E68-9F89-CA7A1621DE94}" type="slidenum">
               <a:rPr lang="en-US" dirty="0"/>
               <a:t>‹#›</a:t>
@@ -2605,7 +2681,6 @@
         <a:solidFill>
           <a:schemeClr val="bg1"/>
         </a:solidFill>
-        <a:effectLst/>
       </p:bgPr>
     </p:bg>
     <p:spTree>
@@ -2646,15 +2721,17 @@
           </a:ln>
         </p:spPr>
         <p:txBody>
-          <a:bodyPr wrap="square" lIns="91440" tIns="45720" rIns="91440" bIns="45720" anchor="ctr">
+          <a:bodyPr lIns="91440" tIns="45720" rIns="91440" bIns="45720" anchor="ctr" wrap="square">
             <a:normAutofit/>
           </a:bodyPr>
           <a:lstStyle/>
           <a:p>
+            <a:pPr/>
             <a:r>
               <a:rPr lang="en-US" dirty="0"/>
               <a:t>Click to edit Master title style</a:t>
             </a:r>
+            <a:endParaRPr lang="en-US" dirty="0"/>
           </a:p>
         </p:txBody>
       </p:sp>
@@ -2682,11 +2759,12 @@
           </a:ln>
         </p:spPr>
         <p:txBody>
-          <a:bodyPr wrap="square" lIns="91440" tIns="45720" rIns="91440" bIns="45720">
+          <a:bodyPr lIns="91440" tIns="45720" rIns="91440" bIns="45720" wrap="square">
             <a:normAutofit/>
           </a:bodyPr>
           <a:lstStyle/>
           <a:p>
+            <a:pPr/>
             <a:r>
               <a:rPr lang="en-US" dirty="0"/>
               <a:t>Click to edit Master text styles</a:t>
@@ -2719,6 +2797,7 @@
               <a:rPr lang="en-US" dirty="0"/>
               <a:t>Fifth level</a:t>
             </a:r>
+            <a:endParaRPr lang="en-US" dirty="0"/>
           </a:p>
         </p:txBody>
       </p:sp>
@@ -2746,7 +2825,7 @@
           </a:ln>
         </p:spPr>
         <p:txBody>
-          <a:bodyPr wrap="square" lIns="91440" tIns="45720" rIns="91440" bIns="45720" anchor="ctr"/>
+          <a:bodyPr lIns="91440" tIns="45720" rIns="91440" bIns="45720" anchor="ctr" wrap="square"/>
           <a:lstStyle>
             <a:lvl1pPr algn="l">
               <a:defRPr sz="1200" dirty="0">
@@ -2759,9 +2838,10 @@
             </a:lvl1pPr>
           </a:lstStyle>
           <a:p>
+            <a:pPr/>
             <a:fld id="{D4630D1D-EC81-4D12-BBAE-7AD5C46FE905}" type="datetimeFigureOut">
               <a:rPr lang="en-US" dirty="0"/>
-              <a:t>10/16/2024</a:t>
+              <a:t>7/8/2015</a:t>
             </a:fld>
             <a:endParaRPr lang="en-US" dirty="0"/>
           </a:p>
@@ -2791,7 +2871,7 @@
           </a:ln>
         </p:spPr>
         <p:txBody>
-          <a:bodyPr wrap="square" lIns="91440" tIns="45720" rIns="91440" bIns="45720" anchor="ctr"/>
+          <a:bodyPr lIns="91440" tIns="45720" rIns="91440" bIns="45720" anchor="ctr" wrap="square"/>
           <a:lstStyle>
             <a:lvl1pPr algn="ctr">
               <a:defRPr sz="1200" dirty="0">
@@ -2804,6 +2884,7 @@
             </a:lvl1pPr>
           </a:lstStyle>
           <a:p>
+            <a:pPr/>
             <a:endParaRPr lang="en-US" dirty="0"/>
           </a:p>
         </p:txBody>
@@ -2832,7 +2913,7 @@
           </a:ln>
         </p:spPr>
         <p:txBody>
-          <a:bodyPr wrap="square" lIns="91440" tIns="45720" rIns="91440" bIns="45720" anchor="ctr"/>
+          <a:bodyPr lIns="91440" tIns="45720" rIns="91440" bIns="45720" anchor="ctr" wrap="square"/>
           <a:lstStyle>
             <a:lvl1pPr algn="r">
               <a:defRPr sz="1200" dirty="0">
@@ -2845,6 +2926,7 @@
             </a:lvl1pPr>
           </a:lstStyle>
           <a:p>
+            <a:pPr/>
             <a:fld id="{E1CC4C9C-B29E-4E68-9F89-CA7A1621DE94}" type="slidenum">
               <a:rPr lang="en-US" dirty="0"/>
               <a:t>‹#›</a:t>
@@ -2871,7 +2953,7 @@
   </p:sldLayoutIdLst>
   <p:txStyles>
     <p:titleStyle>
-      <a:lvl1pPr algn="l" defTabSz="914400" rtl="0">
+      <a:lvl1pPr rtl="0" algn="l" defTabSz="914400">
         <a:lnSpc>
           <a:spcPct val="90000"/>
         </a:lnSpc>
@@ -2890,7 +2972,7 @@
       </a:lvl1pPr>
     </p:titleStyle>
     <p:bodyStyle>
-      <a:lvl1pPr marL="228600" indent="-228600" algn="l" defTabSz="914400" rtl="0">
+      <a:lvl1pPr marL="228600" indent="-228600" rtl="0" algn="l" defTabSz="914400">
         <a:lnSpc>
           <a:spcPct val="90000"/>
         </a:lnSpc>
@@ -2908,7 +2990,7 @@
           <a:cs typeface="+mn-cs"/>
         </a:defRPr>
       </a:lvl1pPr>
-      <a:lvl2pPr marL="685800" indent="-228600" algn="l" defTabSz="914400" rtl="0">
+      <a:lvl2pPr marL="685800" indent="-228600" rtl="0" algn="l" defTabSz="914400">
         <a:lnSpc>
           <a:spcPct val="90000"/>
         </a:lnSpc>
@@ -2926,7 +3008,7 @@
           <a:cs typeface="+mn-cs"/>
         </a:defRPr>
       </a:lvl2pPr>
-      <a:lvl3pPr marL="1143000" indent="-228600" algn="l" defTabSz="914400" rtl="0">
+      <a:lvl3pPr marL="1143000" indent="-228600" rtl="0" algn="l" defTabSz="914400">
         <a:lnSpc>
           <a:spcPct val="90000"/>
         </a:lnSpc>
@@ -2944,7 +3026,7 @@
           <a:cs typeface="+mn-cs"/>
         </a:defRPr>
       </a:lvl3pPr>
-      <a:lvl4pPr marL="1600200" indent="-228600" algn="l" defTabSz="914400" rtl="0">
+      <a:lvl4pPr marL="1600200" indent="-228600" rtl="0" algn="l" defTabSz="914400">
         <a:lnSpc>
           <a:spcPct val="90000"/>
         </a:lnSpc>
@@ -2962,7 +3044,7 @@
           <a:cs typeface="+mn-cs"/>
         </a:defRPr>
       </a:lvl4pPr>
-      <a:lvl5pPr marL="2057400" indent="-228600" algn="l" defTabSz="914400" rtl="0">
+      <a:lvl5pPr marL="2057400" indent="-228600" rtl="0" algn="l" defTabSz="914400">
         <a:lnSpc>
           <a:spcPct val="90000"/>
         </a:lnSpc>
@@ -2980,7 +3062,7 @@
           <a:cs typeface="+mn-cs"/>
         </a:defRPr>
       </a:lvl5pPr>
-      <a:lvl6pPr marL="2514600" indent="-228600" algn="l" defTabSz="914400" rtl="0">
+      <a:lvl6pPr marL="2514600" indent="-228600" rtl="0" algn="l" defTabSz="914400">
         <a:lnSpc>
           <a:spcPct val="90000"/>
         </a:lnSpc>
@@ -2998,7 +3080,7 @@
           <a:cs typeface="+mn-cs"/>
         </a:defRPr>
       </a:lvl6pPr>
-      <a:lvl7pPr marL="2971800" indent="-228600" algn="l" defTabSz="914400" rtl="0">
+      <a:lvl7pPr marL="2971800" indent="-228600" rtl="0" algn="l" defTabSz="914400">
         <a:lnSpc>
           <a:spcPct val="90000"/>
         </a:lnSpc>
@@ -3016,7 +3098,7 @@
           <a:cs typeface="+mn-cs"/>
         </a:defRPr>
       </a:lvl7pPr>
-      <a:lvl8pPr marL="3429000" indent="-228600" algn="l" defTabSz="914400" rtl="0">
+      <a:lvl8pPr marL="3429000" indent="-228600" rtl="0" algn="l" defTabSz="914400">
         <a:lnSpc>
           <a:spcPct val="90000"/>
         </a:lnSpc>
@@ -3034,7 +3116,7 @@
           <a:cs typeface="+mn-cs"/>
         </a:defRPr>
       </a:lvl8pPr>
-      <a:lvl9pPr marL="3886200" indent="-228600" algn="l" defTabSz="914400" rtl="0">
+      <a:lvl9pPr marL="3886200" indent="-228600" rtl="0" algn="l" defTabSz="914400">
         <a:lnSpc>
           <a:spcPct val="90000"/>
         </a:lnSpc>
@@ -3057,7 +3139,7 @@
       <a:defPPr defTabSz="914400">
         <a:defRPr lang="en-US" dirty="0"/>
       </a:defPPr>
-      <a:lvl1pPr marL="0" algn="l" defTabSz="914400" rtl="0">
+      <a:lvl1pPr marL="0" rtl="0" algn="l" defTabSz="914400">
         <a:defRPr sz="1800" kern="1200" dirty="0">
           <a:solidFill>
             <a:schemeClr val="tx1"/>
@@ -3067,7 +3149,7 @@
           <a:cs typeface="+mn-cs"/>
         </a:defRPr>
       </a:lvl1pPr>
-      <a:lvl2pPr marL="457200" algn="l" defTabSz="914400" rtl="0">
+      <a:lvl2pPr marL="457200" rtl="0" algn="l" defTabSz="914400">
         <a:defRPr sz="1800" kern="1200" dirty="0">
           <a:solidFill>
             <a:schemeClr val="tx1"/>
@@ -3077,7 +3159,7 @@
           <a:cs typeface="+mn-cs"/>
         </a:defRPr>
       </a:lvl2pPr>
-      <a:lvl3pPr marL="914400" algn="l" defTabSz="914400" rtl="0">
+      <a:lvl3pPr marL="914400" rtl="0" algn="l" defTabSz="914400">
         <a:defRPr sz="1800" kern="1200" dirty="0">
           <a:solidFill>
             <a:schemeClr val="tx1"/>
@@ -3087,7 +3169,7 @@
           <a:cs typeface="+mn-cs"/>
         </a:defRPr>
       </a:lvl3pPr>
-      <a:lvl4pPr marL="1371600" algn="l" defTabSz="914400" rtl="0">
+      <a:lvl4pPr marL="1371600" rtl="0" algn="l" defTabSz="914400">
         <a:defRPr sz="1800" kern="1200" dirty="0">
           <a:solidFill>
             <a:schemeClr val="tx1"/>
@@ -3097,7 +3179,7 @@
           <a:cs typeface="+mn-cs"/>
         </a:defRPr>
       </a:lvl4pPr>
-      <a:lvl5pPr marL="1828800" algn="l" defTabSz="914400" rtl="0">
+      <a:lvl5pPr marL="1828800" rtl="0" algn="l" defTabSz="914400">
         <a:defRPr sz="1800" kern="1200" dirty="0">
           <a:solidFill>
             <a:schemeClr val="tx1"/>
@@ -3107,7 +3189,7 @@
           <a:cs typeface="+mn-cs"/>
         </a:defRPr>
       </a:lvl5pPr>
-      <a:lvl6pPr marL="2286000" algn="l" defTabSz="914400" rtl="0">
+      <a:lvl6pPr marL="2286000" rtl="0" algn="l" defTabSz="914400">
         <a:defRPr sz="1800" kern="1200" dirty="0">
           <a:solidFill>
             <a:schemeClr val="tx1"/>
@@ -3117,7 +3199,7 @@
           <a:cs typeface="+mn-cs"/>
         </a:defRPr>
       </a:lvl6pPr>
-      <a:lvl7pPr marL="2743200" algn="l" defTabSz="914400" rtl="0">
+      <a:lvl7pPr marL="2743200" rtl="0" algn="l" defTabSz="914400">
         <a:defRPr sz="1800" kern="1200" dirty="0">
           <a:solidFill>
             <a:schemeClr val="tx1"/>
@@ -3127,7 +3209,7 @@
           <a:cs typeface="+mn-cs"/>
         </a:defRPr>
       </a:lvl7pPr>
-      <a:lvl8pPr marL="3200400" algn="l" defTabSz="914400" rtl="0">
+      <a:lvl8pPr marL="3200400" rtl="0" algn="l" defTabSz="914400">
         <a:defRPr sz="1800" kern="1200" dirty="0">
           <a:solidFill>
             <a:schemeClr val="tx1"/>
@@ -3137,7 +3219,7 @@
           <a:cs typeface="+mn-cs"/>
         </a:defRPr>
       </a:lvl8pPr>
-      <a:lvl9pPr marL="3657600" algn="l" defTabSz="914400" rtl="0">
+      <a:lvl9pPr marL="3657600" rtl="0" algn="l" defTabSz="914400">
         <a:defRPr sz="1800" kern="1200" dirty="0">
           <a:solidFill>
             <a:schemeClr val="tx1"/>
@@ -3178,9 +3260,9 @@
           <p:nvPr/>
         </p:nvSpPr>
         <p:spPr>
-          <a:xfrm>
+          <a:xfrm rot="0">
             <a:off x="635000" y="635000"/>
-            <a:ext cx="6350000" cy="635000"/>
+            <a:ext cx="12700000" cy="635000"/>
           </a:xfrm>
           <a:prstGeom prst="rect">
             <a:avLst/>
@@ -3219,9 +3301,9 @@
           <p:nvPr/>
         </p:nvSpPr>
         <p:spPr>
-          <a:xfrm>
+          <a:xfrm rot="0">
             <a:off x="635000" y="1270000"/>
-            <a:ext cx="6350000" cy="635000"/>
+            <a:ext cx="12700000" cy="635000"/>
           </a:xfrm>
           <a:prstGeom prst="rect">
             <a:avLst/>
@@ -3241,12 +3323,12 @@
             <a:r>
               <a:rPr sz="1800" b="0" i="0" dirty="0">
                 <a:solidFill>
-                  <a:srgbClr val="DD49EB">
+                  <a:srgbClr val="91F544">
                     <a:alpha val="100000"/>
                   </a:srgbClr>
                 </a:solidFill>
               </a:rPr>
-              <a:t>Id: 237</a:t>
+              <a:t>Id: 261</a:t>
             </a:r>
           </a:p>
         </p:txBody>
@@ -3260,9 +3342,9 @@
           <p:nvPr/>
         </p:nvSpPr>
         <p:spPr>
-          <a:xfrm>
+          <a:xfrm rot="0">
             <a:off x="635000" y="1905000"/>
-            <a:ext cx="6350000" cy="461665"/>
+            <a:ext cx="12700000" cy="635000"/>
           </a:xfrm>
           <a:prstGeom prst="rect">
             <a:avLst/>
@@ -3287,17 +3369,7 @@
                   </a:srgbClr>
                 </a:solidFill>
               </a:rPr>
-              <a:t>Title: Dragon prince</a:t>
-            </a:r>
-            <a:r>
-              <a:rPr lang="en-US" sz="2400" b="1" i="0" dirty="0">
-                <a:solidFill>
-                  <a:srgbClr val="000000">
-                    <a:alpha val="100000"/>
-                  </a:srgbClr>
-                </a:solidFill>
-              </a:rPr>
-              <a:t>123123</a:t>
+              <a:t>Title: King In Black</a:t>
             </a:r>
           </a:p>
         </p:txBody>
@@ -3311,9 +3383,9 @@
           <p:nvPr/>
         </p:nvSpPr>
         <p:spPr>
-          <a:xfrm>
+          <a:xfrm rot="0">
             <a:off x="635000" y="2540000"/>
-            <a:ext cx="6350000" cy="635000"/>
+            <a:ext cx="12700000" cy="635000"/>
           </a:xfrm>
           <a:prstGeom prst="rect">
             <a:avLst/>
@@ -3338,7 +3410,7 @@
                   </a:srgbClr>
                 </a:solidFill>
               </a:rPr>
-              <a:t>Description: lkasd;alksdasdasd</a:t>
+              <a:t>Description: This is King In Black.</a:t>
             </a:r>
           </a:p>
         </p:txBody>
@@ -3352,9 +3424,9 @@
           <p:nvPr/>
         </p:nvSpPr>
         <p:spPr>
-          <a:xfrm>
+          <a:xfrm rot="0">
             <a:off x="635000" y="3175000"/>
-            <a:ext cx="6350000" cy="635000"/>
+            <a:ext cx="12700000" cy="635000"/>
           </a:xfrm>
           <a:prstGeom prst="rect">
             <a:avLst/>
@@ -3419,9 +3491,9 @@
           <p:nvPr/>
         </p:nvSpPr>
         <p:spPr>
-          <a:xfrm>
+          <a:xfrm rot="0">
             <a:off x="635000" y="635000"/>
-            <a:ext cx="6350000" cy="635000"/>
+            <a:ext cx="12700000" cy="635000"/>
           </a:xfrm>
           <a:prstGeom prst="rect">
             <a:avLst/>
@@ -3460,9 +3532,9 @@
           <p:nvPr/>
         </p:nvSpPr>
         <p:spPr>
-          <a:xfrm>
+          <a:xfrm rot="0">
             <a:off x="635000" y="1270000"/>
-            <a:ext cx="6350000" cy="635000"/>
+            <a:ext cx="12700000" cy="635000"/>
           </a:xfrm>
           <a:prstGeom prst="rect">
             <a:avLst/>
@@ -3482,12 +3554,12 @@
             <a:r>
               <a:rPr sz="1800" b="0" i="0" dirty="0">
                 <a:solidFill>
-                  <a:srgbClr val="DD49EB">
+                  <a:srgbClr val="91F544">
                     <a:alpha val="100000"/>
                   </a:srgbClr>
                 </a:solidFill>
               </a:rPr>
-              <a:t>Book Id: 237</a:t>
+              <a:t>Book Id: 261</a:t>
             </a:r>
           </a:p>
         </p:txBody>
@@ -3501,9 +3573,9 @@
           <p:nvPr/>
         </p:nvSpPr>
         <p:spPr>
-          <a:xfrm>
+          <a:xfrm rot="0">
             <a:off x="635000" y="1905000"/>
-            <a:ext cx="6350000" cy="635000"/>
+            <a:ext cx="12700000" cy="635000"/>
           </a:xfrm>
           <a:prstGeom prst="rect">
             <a:avLst/>
@@ -3528,7 +3600,7 @@
                   </a:srgbClr>
                 </a:solidFill>
               </a:rPr>
-              <a:t>Title: chapter1</a:t>
+              <a:t>Title: This is first chapter</a:t>
             </a:r>
           </a:p>
         </p:txBody>
@@ -3542,9 +3614,9 @@
           <p:nvPr/>
         </p:nvSpPr>
         <p:spPr>
-          <a:xfrm>
+          <a:xfrm rot="0">
             <a:off x="635000" y="2540000"/>
-            <a:ext cx="6350000" cy="635000"/>
+            <a:ext cx="12700000" cy="635000"/>
           </a:xfrm>
           <a:prstGeom prst="rect">
             <a:avLst/>
@@ -3569,7 +3641,7 @@
                   </a:srgbClr>
                 </a:solidFill>
               </a:rPr>
-              <a:t>Content: laskda;lkdasdasdasd</a:t>
+              <a:t>Content: HELLO WORLD</a:t>
             </a:r>
           </a:p>
         </p:txBody>
@@ -3590,7 +3662,7 @@
         <a:srgbClr val="000000"/>
       </a:dk1>
       <a:lt1>
-        <a:srgbClr val="FFFFFF"/>
+        <a:srgbClr val="ffffff"/>
       </a:lt1>
       <a:dk2>
         <a:srgbClr val="44546A"/>
@@ -3839,7 +3911,5 @@
       </a:bgFillStyleLst>
     </a:fmtScheme>
   </a:themeElements>
-  <a:objectDefaults/>
-  <a:extraClrSchemeLst/>
 </a:theme>
 </file>
--- a/Storage/App_Data/Books/Solace.pptx
+++ b/Storage/App_Data/Books/Solace.pptx
@@ -3262,7 +3262,7 @@
         <p:spPr>
           <a:xfrm rot="0">
             <a:off x="635000" y="635000"/>
-            <a:ext cx="12700000" cy="635000"/>
+            <a:ext cx="7620000" cy="635000"/>
           </a:xfrm>
           <a:prstGeom prst="rect">
             <a:avLst/>
@@ -3303,7 +3303,7 @@
         <p:spPr>
           <a:xfrm rot="0">
             <a:off x="635000" y="1270000"/>
-            <a:ext cx="12700000" cy="635000"/>
+            <a:ext cx="7620000" cy="635000"/>
           </a:xfrm>
           <a:prstGeom prst="rect">
             <a:avLst/>
@@ -3344,7 +3344,7 @@
         <p:spPr>
           <a:xfrm rot="0">
             <a:off x="635000" y="1905000"/>
-            <a:ext cx="12700000" cy="635000"/>
+            <a:ext cx="7620000" cy="635000"/>
           </a:xfrm>
           <a:prstGeom prst="rect">
             <a:avLst/>
@@ -3385,7 +3385,7 @@
         <p:spPr>
           <a:xfrm rot="0">
             <a:off x="635000" y="2540000"/>
-            <a:ext cx="12700000" cy="635000"/>
+            <a:ext cx="7620000" cy="635000"/>
           </a:xfrm>
           <a:prstGeom prst="rect">
             <a:avLst/>
@@ -3426,7 +3426,7 @@
         <p:spPr>
           <a:xfrm rot="0">
             <a:off x="635000" y="3175000"/>
-            <a:ext cx="12700000" cy="635000"/>
+            <a:ext cx="7620000" cy="635000"/>
           </a:xfrm>
           <a:prstGeom prst="rect">
             <a:avLst/>
@@ -3493,7 +3493,7 @@
         <p:spPr>
           <a:xfrm rot="0">
             <a:off x="635000" y="635000"/>
-            <a:ext cx="12700000" cy="635000"/>
+            <a:ext cx="7620000" cy="635000"/>
           </a:xfrm>
           <a:prstGeom prst="rect">
             <a:avLst/>
@@ -3534,7 +3534,7 @@
         <p:spPr>
           <a:xfrm rot="0">
             <a:off x="635000" y="1270000"/>
-            <a:ext cx="12700000" cy="635000"/>
+            <a:ext cx="7620000" cy="635000"/>
           </a:xfrm>
           <a:prstGeom prst="rect">
             <a:avLst/>
@@ -3575,7 +3575,7 @@
         <p:spPr>
           <a:xfrm rot="0">
             <a:off x="635000" y="1905000"/>
-            <a:ext cx="12700000" cy="635000"/>
+            <a:ext cx="7620000" cy="635000"/>
           </a:xfrm>
           <a:prstGeom prst="rect">
             <a:avLst/>
@@ -3616,7 +3616,7 @@
         <p:spPr>
           <a:xfrm rot="0">
             <a:off x="635000" y="2540000"/>
-            <a:ext cx="12700000" cy="635000"/>
+            <a:ext cx="7620000" cy="635000"/>
           </a:xfrm>
           <a:prstGeom prst="rect">
             <a:avLst/>

--- a/Storage/App_Data/Books/Solace.pptx
+++ b/Storage/App_Data/Books/Solace.pptx
@@ -4,10 +4,6 @@
   <p:sldMasterIdLst>
     <p:sldMasterId id="2147483648" r:id="rId1"/>
   </p:sldMasterIdLst>
-  <p:sldIdLst>
-    <p:sldId id="256" r:id="rId6"/>
-    <p:sldId id="257" r:id="rId7"/>
-  </p:sldIdLst>
   <p:sldSz cx="12192000" cy="6858000" type="custom"/>
   <p:notesSz cx="6858000" cy="9144000"/>
   <p:defaultTextStyle>
@@ -3234,426 +3230,6 @@
 </p:sldMaster>
 </file>
 
-<file path=ppt/slides/slide1.xml><?xml version="1.0" encoding="utf-8"?>
-<p:sld xmlns:a="http://schemas.openxmlformats.org/drawingml/2006/main" xmlns:r="http://schemas.openxmlformats.org/officeDocument/2006/relationships" xmlns:p="http://schemas.openxmlformats.org/presentationml/2006/main">
-  <p:cSld>
-    <p:spTree>
-      <p:nvGrpSpPr>
-        <p:cNvPr id="1" name=""/>
-        <p:cNvGrpSpPr/>
-        <p:nvPr/>
-      </p:nvGrpSpPr>
-      <p:grpSpPr>
-        <a:xfrm>
-          <a:off x="0" y="0"/>
-          <a:ext cx="0" cy="0"/>
-          <a:chOff x="0" y="0"/>
-          <a:chExt cx="0" cy="0"/>
-        </a:xfrm>
-      </p:grpSpPr>
-      <p:sp>
-        <p:nvSpPr>
-          <p:cNvPr id="2" name="TextBox2"/>
-          <p:cNvSpPr txBox="1">
-            <a:spLocks noChangeArrowheads="1"/>
-          </p:cNvSpPr>
-          <p:nvPr/>
-        </p:nvSpPr>
-        <p:spPr>
-          <a:xfrm rot="0">
-            <a:off x="635000" y="635000"/>
-            <a:ext cx="7620000" cy="635000"/>
-          </a:xfrm>
-          <a:prstGeom prst="rect">
-            <a:avLst/>
-          </a:prstGeom>
-          <a:ln>
-            <a:headEnd type="none"/>
-            <a:tailEnd type="none"/>
-          </a:ln>
-        </p:spPr>
-        <p:txBody>
-          <a:bodyPr wrap="square">
-            <a:spAutoFit/>
-          </a:bodyPr>
-          <a:lstStyle/>
-          <a:p>
-            <a:pPr defTabSz="914400"/>
-            <a:r>
-              <a:rPr sz="2800" b="1" i="0" dirty="0">
-                <a:solidFill>
-                  <a:srgbClr val="000000">
-                    <a:alpha val="100000"/>
-                  </a:srgbClr>
-                </a:solidFill>
-              </a:rPr>
-              <a:t>Book</a:t>
-            </a:r>
-          </a:p>
-        </p:txBody>
-      </p:sp>
-      <p:sp>
-        <p:nvSpPr>
-          <p:cNvPr id="3" name="TextBox3"/>
-          <p:cNvSpPr txBox="1">
-            <a:spLocks noChangeArrowheads="1"/>
-          </p:cNvSpPr>
-          <p:nvPr/>
-        </p:nvSpPr>
-        <p:spPr>
-          <a:xfrm rot="0">
-            <a:off x="635000" y="1270000"/>
-            <a:ext cx="7620000" cy="635000"/>
-          </a:xfrm>
-          <a:prstGeom prst="rect">
-            <a:avLst/>
-          </a:prstGeom>
-          <a:ln>
-            <a:headEnd type="none"/>
-            <a:tailEnd type="none"/>
-          </a:ln>
-        </p:spPr>
-        <p:txBody>
-          <a:bodyPr wrap="square">
-            <a:spAutoFit/>
-          </a:bodyPr>
-          <a:lstStyle/>
-          <a:p>
-            <a:pPr defTabSz="914400"/>
-            <a:r>
-              <a:rPr sz="1800" b="0" i="0" dirty="0">
-                <a:solidFill>
-                  <a:srgbClr val="91F544">
-                    <a:alpha val="100000"/>
-                  </a:srgbClr>
-                </a:solidFill>
-              </a:rPr>
-              <a:t>Id: 261</a:t>
-            </a:r>
-          </a:p>
-        </p:txBody>
-      </p:sp>
-      <p:sp>
-        <p:nvSpPr>
-          <p:cNvPr id="4" name="TextBox4"/>
-          <p:cNvSpPr txBox="1">
-            <a:spLocks noChangeArrowheads="1"/>
-          </p:cNvSpPr>
-          <p:nvPr/>
-        </p:nvSpPr>
-        <p:spPr>
-          <a:xfrm rot="0">
-            <a:off x="635000" y="1905000"/>
-            <a:ext cx="7620000" cy="635000"/>
-          </a:xfrm>
-          <a:prstGeom prst="rect">
-            <a:avLst/>
-          </a:prstGeom>
-          <a:ln>
-            <a:headEnd type="none"/>
-            <a:tailEnd type="none"/>
-          </a:ln>
-        </p:spPr>
-        <p:txBody>
-          <a:bodyPr wrap="square">
-            <a:spAutoFit/>
-          </a:bodyPr>
-          <a:lstStyle/>
-          <a:p>
-            <a:pPr defTabSz="914400"/>
-            <a:r>
-              <a:rPr sz="2400" b="1" i="0" dirty="0">
-                <a:solidFill>
-                  <a:srgbClr val="000000">
-                    <a:alpha val="100000"/>
-                  </a:srgbClr>
-                </a:solidFill>
-              </a:rPr>
-              <a:t>Title: King In Black</a:t>
-            </a:r>
-          </a:p>
-        </p:txBody>
-      </p:sp>
-      <p:sp>
-        <p:nvSpPr>
-          <p:cNvPr id="5" name="TextBox5"/>
-          <p:cNvSpPr txBox="1">
-            <a:spLocks noChangeArrowheads="1"/>
-          </p:cNvSpPr>
-          <p:nvPr/>
-        </p:nvSpPr>
-        <p:spPr>
-          <a:xfrm rot="0">
-            <a:off x="635000" y="2540000"/>
-            <a:ext cx="7620000" cy="635000"/>
-          </a:xfrm>
-          <a:prstGeom prst="rect">
-            <a:avLst/>
-          </a:prstGeom>
-          <a:ln>
-            <a:headEnd type="none"/>
-            <a:tailEnd type="none"/>
-          </a:ln>
-        </p:spPr>
-        <p:txBody>
-          <a:bodyPr wrap="square">
-            <a:spAutoFit/>
-          </a:bodyPr>
-          <a:lstStyle/>
-          <a:p>
-            <a:pPr defTabSz="914400"/>
-            <a:r>
-              <a:rPr sz="1800" b="0" i="0" dirty="0">
-                <a:solidFill>
-                  <a:srgbClr val="000000">
-                    <a:alpha val="100000"/>
-                  </a:srgbClr>
-                </a:solidFill>
-              </a:rPr>
-              <a:t>Description: This is King In Black.</a:t>
-            </a:r>
-          </a:p>
-        </p:txBody>
-      </p:sp>
-      <p:sp>
-        <p:nvSpPr>
-          <p:cNvPr id="6" name="TextBox6"/>
-          <p:cNvSpPr txBox="1">
-            <a:spLocks noChangeArrowheads="1"/>
-          </p:cNvSpPr>
-          <p:nvPr/>
-        </p:nvSpPr>
-        <p:spPr>
-          <a:xfrm rot="0">
-            <a:off x="635000" y="3175000"/>
-            <a:ext cx="7620000" cy="635000"/>
-          </a:xfrm>
-          <a:prstGeom prst="rect">
-            <a:avLst/>
-          </a:prstGeom>
-          <a:ln>
-            <a:headEnd type="none"/>
-            <a:tailEnd type="none"/>
-          </a:ln>
-        </p:spPr>
-        <p:txBody>
-          <a:bodyPr wrap="square">
-            <a:spAutoFit/>
-          </a:bodyPr>
-          <a:lstStyle/>
-          <a:p>
-            <a:pPr defTabSz="914400"/>
-            <a:r>
-              <a:rPr sz="1800" b="0" i="0" dirty="0">
-                <a:solidFill>
-                  <a:srgbClr val="000000">
-                    <a:alpha val="100000"/>
-                  </a:srgbClr>
-                </a:solidFill>
-                <a:hlinkClick r:id="rId2" action="ppaction://hlinkfile"/>
-              </a:rPr>
-              <a:t>ImageUrl: https://birkhauser.com/product-not-found.png</a:t>
-            </a:r>
-          </a:p>
-        </p:txBody>
-      </p:sp>
-    </p:spTree>
-  </p:cSld>
-  <p:clrMapOvr>
-    <a:masterClrMapping/>
-  </p:clrMapOvr>
-</p:sld>
-</file>
-
-<file path=ppt/slides/slide2.xml><?xml version="1.0" encoding="utf-8"?>
-<p:sld xmlns:a="http://schemas.openxmlformats.org/drawingml/2006/main" xmlns:r="http://schemas.openxmlformats.org/officeDocument/2006/relationships" xmlns:p="http://schemas.openxmlformats.org/presentationml/2006/main">
-  <p:cSld>
-    <p:spTree>
-      <p:nvGrpSpPr>
-        <p:cNvPr id="1" name=""/>
-        <p:cNvGrpSpPr/>
-        <p:nvPr/>
-      </p:nvGrpSpPr>
-      <p:grpSpPr>
-        <a:xfrm>
-          <a:off x="0" y="0"/>
-          <a:ext cx="0" cy="0"/>
-          <a:chOff x="0" y="0"/>
-          <a:chExt cx="0" cy="0"/>
-        </a:xfrm>
-      </p:grpSpPr>
-      <p:sp>
-        <p:nvSpPr>
-          <p:cNvPr id="2" name="TextBox2"/>
-          <p:cNvSpPr txBox="1">
-            <a:spLocks noChangeArrowheads="1"/>
-          </p:cNvSpPr>
-          <p:nvPr/>
-        </p:nvSpPr>
-        <p:spPr>
-          <a:xfrm rot="0">
-            <a:off x="635000" y="635000"/>
-            <a:ext cx="7620000" cy="635000"/>
-          </a:xfrm>
-          <a:prstGeom prst="rect">
-            <a:avLst/>
-          </a:prstGeom>
-          <a:ln>
-            <a:headEnd type="none"/>
-            <a:tailEnd type="none"/>
-          </a:ln>
-        </p:spPr>
-        <p:txBody>
-          <a:bodyPr wrap="square">
-            <a:spAutoFit/>
-          </a:bodyPr>
-          <a:lstStyle/>
-          <a:p>
-            <a:pPr defTabSz="914400"/>
-            <a:r>
-              <a:rPr sz="2800" b="1" i="0" dirty="0">
-                <a:solidFill>
-                  <a:srgbClr val="000000">
-                    <a:alpha val="100000"/>
-                  </a:srgbClr>
-                </a:solidFill>
-              </a:rPr>
-              <a:t>Chapter: 0</a:t>
-            </a:r>
-          </a:p>
-        </p:txBody>
-      </p:sp>
-      <p:sp>
-        <p:nvSpPr>
-          <p:cNvPr id="3" name="TextBox3"/>
-          <p:cNvSpPr txBox="1">
-            <a:spLocks noChangeArrowheads="1"/>
-          </p:cNvSpPr>
-          <p:nvPr/>
-        </p:nvSpPr>
-        <p:spPr>
-          <a:xfrm rot="0">
-            <a:off x="635000" y="1270000"/>
-            <a:ext cx="7620000" cy="635000"/>
-          </a:xfrm>
-          <a:prstGeom prst="rect">
-            <a:avLst/>
-          </a:prstGeom>
-          <a:ln>
-            <a:headEnd type="none"/>
-            <a:tailEnd type="none"/>
-          </a:ln>
-        </p:spPr>
-        <p:txBody>
-          <a:bodyPr wrap="square">
-            <a:spAutoFit/>
-          </a:bodyPr>
-          <a:lstStyle/>
-          <a:p>
-            <a:pPr defTabSz="914400"/>
-            <a:r>
-              <a:rPr sz="1800" b="0" i="0" dirty="0">
-                <a:solidFill>
-                  <a:srgbClr val="91F544">
-                    <a:alpha val="100000"/>
-                  </a:srgbClr>
-                </a:solidFill>
-              </a:rPr>
-              <a:t>Book Id: 261</a:t>
-            </a:r>
-          </a:p>
-        </p:txBody>
-      </p:sp>
-      <p:sp>
-        <p:nvSpPr>
-          <p:cNvPr id="4" name="TextBox4"/>
-          <p:cNvSpPr txBox="1">
-            <a:spLocks noChangeArrowheads="1"/>
-          </p:cNvSpPr>
-          <p:nvPr/>
-        </p:nvSpPr>
-        <p:spPr>
-          <a:xfrm rot="0">
-            <a:off x="635000" y="1905000"/>
-            <a:ext cx="7620000" cy="635000"/>
-          </a:xfrm>
-          <a:prstGeom prst="rect">
-            <a:avLst/>
-          </a:prstGeom>
-          <a:ln>
-            <a:headEnd type="none"/>
-            <a:tailEnd type="none"/>
-          </a:ln>
-        </p:spPr>
-        <p:txBody>
-          <a:bodyPr wrap="square">
-            <a:spAutoFit/>
-          </a:bodyPr>
-          <a:lstStyle/>
-          <a:p>
-            <a:pPr defTabSz="914400"/>
-            <a:r>
-              <a:rPr sz="2400" b="1" i="0" dirty="0">
-                <a:solidFill>
-                  <a:srgbClr val="000000">
-                    <a:alpha val="100000"/>
-                  </a:srgbClr>
-                </a:solidFill>
-              </a:rPr>
-              <a:t>Title: This is first chapter</a:t>
-            </a:r>
-          </a:p>
-        </p:txBody>
-      </p:sp>
-      <p:sp>
-        <p:nvSpPr>
-          <p:cNvPr id="5" name="TextBox5"/>
-          <p:cNvSpPr txBox="1">
-            <a:spLocks noChangeArrowheads="1"/>
-          </p:cNvSpPr>
-          <p:nvPr/>
-        </p:nvSpPr>
-        <p:spPr>
-          <a:xfrm rot="0">
-            <a:off x="635000" y="2540000"/>
-            <a:ext cx="7620000" cy="635000"/>
-          </a:xfrm>
-          <a:prstGeom prst="rect">
-            <a:avLst/>
-          </a:prstGeom>
-          <a:ln>
-            <a:headEnd type="none"/>
-            <a:tailEnd type="none"/>
-          </a:ln>
-        </p:spPr>
-        <p:txBody>
-          <a:bodyPr wrap="square">
-            <a:spAutoFit/>
-          </a:bodyPr>
-          <a:lstStyle/>
-          <a:p>
-            <a:pPr defTabSz="914400"/>
-            <a:r>
-              <a:rPr sz="1800" b="0" i="0" dirty="0">
-                <a:solidFill>
-                  <a:srgbClr val="000000">
-                    <a:alpha val="100000"/>
-                  </a:srgbClr>
-                </a:solidFill>
-              </a:rPr>
-              <a:t>Content: HELLO WORLD</a:t>
-            </a:r>
-          </a:p>
-        </p:txBody>
-      </p:sp>
-    </p:spTree>
-  </p:cSld>
-  <p:clrMapOvr>
-    <a:masterClrMapping/>
-  </p:clrMapOvr>
-</p:sld>
-</file>
-
 <file path=ppt/theme/theme1.xml><?xml version="1.0" encoding="utf-8"?>
 <a:theme xmlns:a="http://schemas.openxmlformats.org/drawingml/2006/main" name="Office Theme">
   <a:themeElements>

--- a/Storage/App_Data/Books/Solace.pptx
+++ b/Storage/App_Data/Books/Solace.pptx
@@ -4,6 +4,10 @@
   <p:sldMasterIdLst>
     <p:sldMasterId id="2147483648" r:id="rId1"/>
   </p:sldMasterIdLst>
+  <p:sldIdLst>
+    <p:sldId id="256" r:id="rId6"/>
+    <p:sldId id="257" r:id="rId7"/>
+  </p:sldIdLst>
   <p:sldSz cx="12192000" cy="6858000" type="custom"/>
   <p:notesSz cx="6858000" cy="9144000"/>
   <p:defaultTextStyle>
@@ -3230,6 +3234,426 @@
 </p:sldMaster>
 </file>
 
+<file path=ppt/slides/slide1.xml><?xml version="1.0" encoding="utf-8"?>
+<p:sld xmlns:a="http://schemas.openxmlformats.org/drawingml/2006/main" xmlns:r="http://schemas.openxmlformats.org/officeDocument/2006/relationships" xmlns:p="http://schemas.openxmlformats.org/presentationml/2006/main">
+  <p:cSld>
+    <p:spTree>
+      <p:nvGrpSpPr>
+        <p:cNvPr id="1" name=""/>
+        <p:cNvGrpSpPr/>
+        <p:nvPr/>
+      </p:nvGrpSpPr>
+      <p:grpSpPr>
+        <a:xfrm>
+          <a:off x="0" y="0"/>
+          <a:ext cx="0" cy="0"/>
+          <a:chOff x="0" y="0"/>
+          <a:chExt cx="0" cy="0"/>
+        </a:xfrm>
+      </p:grpSpPr>
+      <p:sp>
+        <p:nvSpPr>
+          <p:cNvPr id="2" name="TextBox2"/>
+          <p:cNvSpPr txBox="1">
+            <a:spLocks noChangeArrowheads="1"/>
+          </p:cNvSpPr>
+          <p:nvPr/>
+        </p:nvSpPr>
+        <p:spPr>
+          <a:xfrm rot="0">
+            <a:off x="635000" y="635000"/>
+            <a:ext cx="7620000" cy="635000"/>
+          </a:xfrm>
+          <a:prstGeom prst="rect">
+            <a:avLst/>
+          </a:prstGeom>
+          <a:ln>
+            <a:headEnd type="none"/>
+            <a:tailEnd type="none"/>
+          </a:ln>
+        </p:spPr>
+        <p:txBody>
+          <a:bodyPr wrap="square">
+            <a:spAutoFit/>
+          </a:bodyPr>
+          <a:lstStyle/>
+          <a:p>
+            <a:pPr defTabSz="914400"/>
+            <a:r>
+              <a:rPr sz="2800" b="1" i="0" dirty="0">
+                <a:solidFill>
+                  <a:srgbClr val="000000">
+                    <a:alpha val="100000"/>
+                  </a:srgbClr>
+                </a:solidFill>
+              </a:rPr>
+              <a:t>Book</a:t>
+            </a:r>
+          </a:p>
+        </p:txBody>
+      </p:sp>
+      <p:sp>
+        <p:nvSpPr>
+          <p:cNvPr id="3" name="TextBox3"/>
+          <p:cNvSpPr txBox="1">
+            <a:spLocks noChangeArrowheads="1"/>
+          </p:cNvSpPr>
+          <p:nvPr/>
+        </p:nvSpPr>
+        <p:spPr>
+          <a:xfrm rot="0">
+            <a:off x="635000" y="1270000"/>
+            <a:ext cx="7620000" cy="635000"/>
+          </a:xfrm>
+          <a:prstGeom prst="rect">
+            <a:avLst/>
+          </a:prstGeom>
+          <a:ln>
+            <a:headEnd type="none"/>
+            <a:tailEnd type="none"/>
+          </a:ln>
+        </p:spPr>
+        <p:txBody>
+          <a:bodyPr wrap="square">
+            <a:spAutoFit/>
+          </a:bodyPr>
+          <a:lstStyle/>
+          <a:p>
+            <a:pPr defTabSz="914400"/>
+            <a:r>
+              <a:rPr sz="1800" b="0" i="0" dirty="0">
+                <a:solidFill>
+                  <a:srgbClr val="F45805">
+                    <a:alpha val="100000"/>
+                  </a:srgbClr>
+                </a:solidFill>
+              </a:rPr>
+              <a:t>Id: 368</a:t>
+            </a:r>
+          </a:p>
+        </p:txBody>
+      </p:sp>
+      <p:sp>
+        <p:nvSpPr>
+          <p:cNvPr id="4" name="TextBox4"/>
+          <p:cNvSpPr txBox="1">
+            <a:spLocks noChangeArrowheads="1"/>
+          </p:cNvSpPr>
+          <p:nvPr/>
+        </p:nvSpPr>
+        <p:spPr>
+          <a:xfrm rot="0">
+            <a:off x="635000" y="1905000"/>
+            <a:ext cx="7620000" cy="635000"/>
+          </a:xfrm>
+          <a:prstGeom prst="rect">
+            <a:avLst/>
+          </a:prstGeom>
+          <a:ln>
+            <a:headEnd type="none"/>
+            <a:tailEnd type="none"/>
+          </a:ln>
+        </p:spPr>
+        <p:txBody>
+          <a:bodyPr wrap="square">
+            <a:spAutoFit/>
+          </a:bodyPr>
+          <a:lstStyle/>
+          <a:p>
+            <a:pPr defTabSz="914400"/>
+            <a:r>
+              <a:rPr sz="2400" b="1" i="0" dirty="0">
+                <a:solidFill>
+                  <a:srgbClr val="000000">
+                    <a:alpha val="100000"/>
+                  </a:srgbClr>
+                </a:solidFill>
+              </a:rPr>
+              <a:t>Title: King In Black</a:t>
+            </a:r>
+          </a:p>
+        </p:txBody>
+      </p:sp>
+      <p:sp>
+        <p:nvSpPr>
+          <p:cNvPr id="5" name="TextBox5"/>
+          <p:cNvSpPr txBox="1">
+            <a:spLocks noChangeArrowheads="1"/>
+          </p:cNvSpPr>
+          <p:nvPr/>
+        </p:nvSpPr>
+        <p:spPr>
+          <a:xfrm rot="0">
+            <a:off x="635000" y="2540000"/>
+            <a:ext cx="7620000" cy="635000"/>
+          </a:xfrm>
+          <a:prstGeom prst="rect">
+            <a:avLst/>
+          </a:prstGeom>
+          <a:ln>
+            <a:headEnd type="none"/>
+            <a:tailEnd type="none"/>
+          </a:ln>
+        </p:spPr>
+        <p:txBody>
+          <a:bodyPr wrap="square">
+            <a:spAutoFit/>
+          </a:bodyPr>
+          <a:lstStyle/>
+          <a:p>
+            <a:pPr defTabSz="914400"/>
+            <a:r>
+              <a:rPr sz="1800" b="0" i="0" dirty="0">
+                <a:solidFill>
+                  <a:srgbClr val="000000">
+                    <a:alpha val="100000"/>
+                  </a:srgbClr>
+                </a:solidFill>
+              </a:rPr>
+              <a:t>Description: This is the King in black comic</a:t>
+            </a:r>
+          </a:p>
+        </p:txBody>
+      </p:sp>
+      <p:sp>
+        <p:nvSpPr>
+          <p:cNvPr id="6" name="TextBox6"/>
+          <p:cNvSpPr txBox="1">
+            <a:spLocks noChangeArrowheads="1"/>
+          </p:cNvSpPr>
+          <p:nvPr/>
+        </p:nvSpPr>
+        <p:spPr>
+          <a:xfrm rot="0">
+            <a:off x="635000" y="3175000"/>
+            <a:ext cx="7620000" cy="635000"/>
+          </a:xfrm>
+          <a:prstGeom prst="rect">
+            <a:avLst/>
+          </a:prstGeom>
+          <a:ln>
+            <a:headEnd type="none"/>
+            <a:tailEnd type="none"/>
+          </a:ln>
+        </p:spPr>
+        <p:txBody>
+          <a:bodyPr wrap="square">
+            <a:spAutoFit/>
+          </a:bodyPr>
+          <a:lstStyle/>
+          <a:p>
+            <a:pPr defTabSz="914400"/>
+            <a:r>
+              <a:rPr sz="1800" b="0" i="0" dirty="0">
+                <a:solidFill>
+                  <a:srgbClr val="000000">
+                    <a:alpha val="100000"/>
+                  </a:srgbClr>
+                </a:solidFill>
+                <a:hlinkClick r:id="rId2" action="ppaction://hlinkfile"/>
+              </a:rPr>
+              <a:t>ImageUrl: https://birkhauser.com/product-not-found.png</a:t>
+            </a:r>
+          </a:p>
+        </p:txBody>
+      </p:sp>
+    </p:spTree>
+  </p:cSld>
+  <p:clrMapOvr>
+    <a:masterClrMapping/>
+  </p:clrMapOvr>
+</p:sld>
+</file>
+
+<file path=ppt/slides/slide2.xml><?xml version="1.0" encoding="utf-8"?>
+<p:sld xmlns:a="http://schemas.openxmlformats.org/drawingml/2006/main" xmlns:r="http://schemas.openxmlformats.org/officeDocument/2006/relationships" xmlns:p="http://schemas.openxmlformats.org/presentationml/2006/main">
+  <p:cSld>
+    <p:spTree>
+      <p:nvGrpSpPr>
+        <p:cNvPr id="1" name=""/>
+        <p:cNvGrpSpPr/>
+        <p:nvPr/>
+      </p:nvGrpSpPr>
+      <p:grpSpPr>
+        <a:xfrm>
+          <a:off x="0" y="0"/>
+          <a:ext cx="0" cy="0"/>
+          <a:chOff x="0" y="0"/>
+          <a:chExt cx="0" cy="0"/>
+        </a:xfrm>
+      </p:grpSpPr>
+      <p:sp>
+        <p:nvSpPr>
+          <p:cNvPr id="2" name="TextBox2"/>
+          <p:cNvSpPr txBox="1">
+            <a:spLocks noChangeArrowheads="1"/>
+          </p:cNvSpPr>
+          <p:nvPr/>
+        </p:nvSpPr>
+        <p:spPr>
+          <a:xfrm rot="0">
+            <a:off x="635000" y="635000"/>
+            <a:ext cx="7620000" cy="635000"/>
+          </a:xfrm>
+          <a:prstGeom prst="rect">
+            <a:avLst/>
+          </a:prstGeom>
+          <a:ln>
+            <a:headEnd type="none"/>
+            <a:tailEnd type="none"/>
+          </a:ln>
+        </p:spPr>
+        <p:txBody>
+          <a:bodyPr wrap="square">
+            <a:spAutoFit/>
+          </a:bodyPr>
+          <a:lstStyle/>
+          <a:p>
+            <a:pPr defTabSz="914400"/>
+            <a:r>
+              <a:rPr sz="2800" b="1" i="0" dirty="0">
+                <a:solidFill>
+                  <a:srgbClr val="000000">
+                    <a:alpha val="100000"/>
+                  </a:srgbClr>
+                </a:solidFill>
+              </a:rPr>
+              <a:t>Chapter: 0</a:t>
+            </a:r>
+          </a:p>
+        </p:txBody>
+      </p:sp>
+      <p:sp>
+        <p:nvSpPr>
+          <p:cNvPr id="3" name="TextBox3"/>
+          <p:cNvSpPr txBox="1">
+            <a:spLocks noChangeArrowheads="1"/>
+          </p:cNvSpPr>
+          <p:nvPr/>
+        </p:nvSpPr>
+        <p:spPr>
+          <a:xfrm rot="0">
+            <a:off x="635000" y="1270000"/>
+            <a:ext cx="7620000" cy="635000"/>
+          </a:xfrm>
+          <a:prstGeom prst="rect">
+            <a:avLst/>
+          </a:prstGeom>
+          <a:ln>
+            <a:headEnd type="none"/>
+            <a:tailEnd type="none"/>
+          </a:ln>
+        </p:spPr>
+        <p:txBody>
+          <a:bodyPr wrap="square">
+            <a:spAutoFit/>
+          </a:bodyPr>
+          <a:lstStyle/>
+          <a:p>
+            <a:pPr defTabSz="914400"/>
+            <a:r>
+              <a:rPr sz="1800" b="0" i="0" dirty="0">
+                <a:solidFill>
+                  <a:srgbClr val="F45805">
+                    <a:alpha val="100000"/>
+                  </a:srgbClr>
+                </a:solidFill>
+              </a:rPr>
+              <a:t>Book Id: 368</a:t>
+            </a:r>
+          </a:p>
+        </p:txBody>
+      </p:sp>
+      <p:sp>
+        <p:nvSpPr>
+          <p:cNvPr id="4" name="TextBox4"/>
+          <p:cNvSpPr txBox="1">
+            <a:spLocks noChangeArrowheads="1"/>
+          </p:cNvSpPr>
+          <p:nvPr/>
+        </p:nvSpPr>
+        <p:spPr>
+          <a:xfrm rot="0">
+            <a:off x="635000" y="1905000"/>
+            <a:ext cx="7620000" cy="635000"/>
+          </a:xfrm>
+          <a:prstGeom prst="rect">
+            <a:avLst/>
+          </a:prstGeom>
+          <a:ln>
+            <a:headEnd type="none"/>
+            <a:tailEnd type="none"/>
+          </a:ln>
+        </p:spPr>
+        <p:txBody>
+          <a:bodyPr wrap="square">
+            <a:spAutoFit/>
+          </a:bodyPr>
+          <a:lstStyle/>
+          <a:p>
+            <a:pPr defTabSz="914400"/>
+            <a:r>
+              <a:rPr sz="2400" b="1" i="0" dirty="0">
+                <a:solidFill>
+                  <a:srgbClr val="000000">
+                    <a:alpha val="100000"/>
+                  </a:srgbClr>
+                </a:solidFill>
+              </a:rPr>
+              <a:t>Title: varius sollicitudin</a:t>
+            </a:r>
+          </a:p>
+        </p:txBody>
+      </p:sp>
+      <p:sp>
+        <p:nvSpPr>
+          <p:cNvPr id="5" name="TextBox5"/>
+          <p:cNvSpPr txBox="1">
+            <a:spLocks noChangeArrowheads="1"/>
+          </p:cNvSpPr>
+          <p:nvPr/>
+        </p:nvSpPr>
+        <p:spPr>
+          <a:xfrm rot="0">
+            <a:off x="635000" y="2540000"/>
+            <a:ext cx="7620000" cy="635000"/>
+          </a:xfrm>
+          <a:prstGeom prst="rect">
+            <a:avLst/>
+          </a:prstGeom>
+          <a:ln>
+            <a:headEnd type="none"/>
+            <a:tailEnd type="none"/>
+          </a:ln>
+        </p:spPr>
+        <p:txBody>
+          <a:bodyPr wrap="square">
+            <a:spAutoFit/>
+          </a:bodyPr>
+          <a:lstStyle/>
+          <a:p>
+            <a:pPr defTabSz="914400"/>
+            <a:r>
+              <a:rPr sz="1800" b="0" i="0" dirty="0">
+                <a:solidFill>
+                  <a:srgbClr val="000000">
+                    <a:alpha val="100000"/>
+                  </a:srgbClr>
+                </a:solidFill>
+              </a:rPr>
+              <a:t>Content: Donec vel augue felis</a:t>
+            </a:r>
+          </a:p>
+        </p:txBody>
+      </p:sp>
+    </p:spTree>
+  </p:cSld>
+  <p:clrMapOvr>
+    <a:masterClrMapping/>
+  </p:clrMapOvr>
+</p:sld>
+</file>
+
 <file path=ppt/theme/theme1.xml><?xml version="1.0" encoding="utf-8"?>
 <a:theme xmlns:a="http://schemas.openxmlformats.org/drawingml/2006/main" name="Office Theme">
   <a:themeElements>

--- a/Storage/App_Data/Books/Solace.pptx
+++ b/Storage/App_Data/Books/Solace.pptx
@@ -7,6 +7,7 @@
   <p:sldIdLst>
     <p:sldId id="256" r:id="rId6"/>
     <p:sldId id="257" r:id="rId7"/>
+    <p:sldId id="258" r:id="rId8"/>
   </p:sldIdLst>
   <p:sldSz cx="12192000" cy="6858000" type="custom"/>
   <p:notesSz cx="6858000" cy="9144000"/>
@@ -3323,12 +3324,12 @@
             <a:r>
               <a:rPr sz="1800" b="0" i="0" dirty="0">
                 <a:solidFill>
-                  <a:srgbClr val="F45805">
+                  <a:srgbClr val="D07886">
                     <a:alpha val="100000"/>
                   </a:srgbClr>
                 </a:solidFill>
               </a:rPr>
-              <a:t>Id: 368</a:t>
+              <a:t>Id: 412</a:t>
             </a:r>
           </a:p>
         </p:txBody>
@@ -3410,7 +3411,7 @@
                   </a:srgbClr>
                 </a:solidFill>
               </a:rPr>
-              <a:t>Description: This is the King in black comic</a:t>
+              <a:t>Description: This is King In Black</a:t>
             </a:r>
           </a:p>
         </p:txBody>
@@ -3452,7 +3453,7 @@
                 </a:solidFill>
                 <a:hlinkClick r:id="rId2" action="ppaction://hlinkfile"/>
               </a:rPr>
-              <a:t>ImageUrl: https://birkhauser.com/product-not-found.png</a:t>
+              <a:t>ImageUrl: https://colorless-shrimp-958.convex.cloud/api/storage/bc963ec4-0ad1-4ef3-8ed2-20c670e2359f</a:t>
             </a:r>
           </a:p>
         </p:txBody>
@@ -3554,12 +3555,12 @@
             <a:r>
               <a:rPr sz="1800" b="0" i="0" dirty="0">
                 <a:solidFill>
-                  <a:srgbClr val="F45805">
+                  <a:srgbClr val="D07886">
                     <a:alpha val="100000"/>
                   </a:srgbClr>
                 </a:solidFill>
               </a:rPr>
-              <a:t>Book Id: 368</a:t>
+              <a:t>Book Id: 412</a:t>
             </a:r>
           </a:p>
         </p:txBody>
@@ -3600,7 +3601,7 @@
                   </a:srgbClr>
                 </a:solidFill>
               </a:rPr>
-              <a:t>Title: varius sollicitudin</a:t>
+              <a:t>Title: First chapter of king in black</a:t>
             </a:r>
           </a:p>
         </p:txBody>
@@ -3641,7 +3642,196 @@
                   </a:srgbClr>
                 </a:solidFill>
               </a:rPr>
-              <a:t>Content: Donec vel augue felis</a:t>
+              <a:t>Content: THIS IS KING IN BLACK</a:t>
+            </a:r>
+          </a:p>
+        </p:txBody>
+      </p:sp>
+    </p:spTree>
+  </p:cSld>
+  <p:clrMapOvr>
+    <a:masterClrMapping/>
+  </p:clrMapOvr>
+</p:sld>
+</file>
+
+<file path=ppt/slides/slide3.xml><?xml version="1.0" encoding="utf-8"?>
+<p:sld xmlns:a="http://schemas.openxmlformats.org/drawingml/2006/main" xmlns:r="http://schemas.openxmlformats.org/officeDocument/2006/relationships" xmlns:p="http://schemas.openxmlformats.org/presentationml/2006/main">
+  <p:cSld>
+    <p:spTree>
+      <p:nvGrpSpPr>
+        <p:cNvPr id="1" name=""/>
+        <p:cNvGrpSpPr/>
+        <p:nvPr/>
+      </p:nvGrpSpPr>
+      <p:grpSpPr>
+        <a:xfrm>
+          <a:off x="0" y="0"/>
+          <a:ext cx="0" cy="0"/>
+          <a:chOff x="0" y="0"/>
+          <a:chExt cx="0" cy="0"/>
+        </a:xfrm>
+      </p:grpSpPr>
+      <p:sp>
+        <p:nvSpPr>
+          <p:cNvPr id="2" name="TextBox2"/>
+          <p:cNvSpPr txBox="1">
+            <a:spLocks noChangeArrowheads="1"/>
+          </p:cNvSpPr>
+          <p:nvPr/>
+        </p:nvSpPr>
+        <p:spPr>
+          <a:xfrm rot="0">
+            <a:off x="635000" y="635000"/>
+            <a:ext cx="7620000" cy="635000"/>
+          </a:xfrm>
+          <a:prstGeom prst="rect">
+            <a:avLst/>
+          </a:prstGeom>
+          <a:ln>
+            <a:headEnd type="none"/>
+            <a:tailEnd type="none"/>
+          </a:ln>
+        </p:spPr>
+        <p:txBody>
+          <a:bodyPr wrap="square">
+            <a:spAutoFit/>
+          </a:bodyPr>
+          <a:lstStyle/>
+          <a:p>
+            <a:pPr defTabSz="914400"/>
+            <a:r>
+              <a:rPr sz="2800" b="1" i="0" dirty="0">
+                <a:solidFill>
+                  <a:srgbClr val="000000">
+                    <a:alpha val="100000"/>
+                  </a:srgbClr>
+                </a:solidFill>
+              </a:rPr>
+              <a:t>Chapter: 0</a:t>
+            </a:r>
+          </a:p>
+        </p:txBody>
+      </p:sp>
+      <p:sp>
+        <p:nvSpPr>
+          <p:cNvPr id="3" name="TextBox3"/>
+          <p:cNvSpPr txBox="1">
+            <a:spLocks noChangeArrowheads="1"/>
+          </p:cNvSpPr>
+          <p:nvPr/>
+        </p:nvSpPr>
+        <p:spPr>
+          <a:xfrm rot="0">
+            <a:off x="635000" y="1270000"/>
+            <a:ext cx="7620000" cy="635000"/>
+          </a:xfrm>
+          <a:prstGeom prst="rect">
+            <a:avLst/>
+          </a:prstGeom>
+          <a:ln>
+            <a:headEnd type="none"/>
+            <a:tailEnd type="none"/>
+          </a:ln>
+        </p:spPr>
+        <p:txBody>
+          <a:bodyPr wrap="square">
+            <a:spAutoFit/>
+          </a:bodyPr>
+          <a:lstStyle/>
+          <a:p>
+            <a:pPr defTabSz="914400"/>
+            <a:r>
+              <a:rPr sz="1800" b="0" i="0" dirty="0">
+                <a:solidFill>
+                  <a:srgbClr val="D07886">
+                    <a:alpha val="100000"/>
+                  </a:srgbClr>
+                </a:solidFill>
+              </a:rPr>
+              <a:t>Book Id: 412</a:t>
+            </a:r>
+          </a:p>
+        </p:txBody>
+      </p:sp>
+      <p:sp>
+        <p:nvSpPr>
+          <p:cNvPr id="4" name="TextBox4"/>
+          <p:cNvSpPr txBox="1">
+            <a:spLocks noChangeArrowheads="1"/>
+          </p:cNvSpPr>
+          <p:nvPr/>
+        </p:nvSpPr>
+        <p:spPr>
+          <a:xfrm rot="0">
+            <a:off x="635000" y="1905000"/>
+            <a:ext cx="7620000" cy="635000"/>
+          </a:xfrm>
+          <a:prstGeom prst="rect">
+            <a:avLst/>
+          </a:prstGeom>
+          <a:ln>
+            <a:headEnd type="none"/>
+            <a:tailEnd type="none"/>
+          </a:ln>
+        </p:spPr>
+        <p:txBody>
+          <a:bodyPr wrap="square">
+            <a:spAutoFit/>
+          </a:bodyPr>
+          <a:lstStyle/>
+          <a:p>
+            <a:pPr defTabSz="914400"/>
+            <a:r>
+              <a:rPr sz="2400" b="1" i="0" dirty="0">
+                <a:solidFill>
+                  <a:srgbClr val="000000">
+                    <a:alpha val="100000"/>
+                  </a:srgbClr>
+                </a:solidFill>
+              </a:rPr>
+              <a:t>Title: Second chapter of king in black</a:t>
+            </a:r>
+          </a:p>
+        </p:txBody>
+      </p:sp>
+      <p:sp>
+        <p:nvSpPr>
+          <p:cNvPr id="5" name="TextBox5"/>
+          <p:cNvSpPr txBox="1">
+            <a:spLocks noChangeArrowheads="1"/>
+          </p:cNvSpPr>
+          <p:nvPr/>
+        </p:nvSpPr>
+        <p:spPr>
+          <a:xfrm rot="0">
+            <a:off x="635000" y="2540000"/>
+            <a:ext cx="7620000" cy="635000"/>
+          </a:xfrm>
+          <a:prstGeom prst="rect">
+            <a:avLst/>
+          </a:prstGeom>
+          <a:ln>
+            <a:headEnd type="none"/>
+            <a:tailEnd type="none"/>
+          </a:ln>
+        </p:spPr>
+        <p:txBody>
+          <a:bodyPr wrap="square">
+            <a:spAutoFit/>
+          </a:bodyPr>
+          <a:lstStyle/>
+          <a:p>
+            <a:pPr defTabSz="914400"/>
+            <a:r>
+              <a:rPr sz="1800" b="0" i="0" dirty="0">
+                <a:solidFill>
+                  <a:srgbClr val="000000">
+                    <a:alpha val="100000"/>
+                  </a:srgbClr>
+                </a:solidFill>
+              </a:rPr>
+              <a:t>Content: THIS IS KING IN BLACK</a:t>
             </a:r>
           </a:p>
         </p:txBody>

--- a/Storage/App_Data/Books/Solace.pptx
+++ b/Storage/App_Data/Books/Solace.pptx
@@ -5,17 +5,17 @@
     <p:sldMasterId id="2147483648" r:id="rId1"/>
   </p:sldMasterIdLst>
   <p:sldIdLst>
-    <p:sldId id="256" r:id="rId6"/>
-    <p:sldId id="257" r:id="rId7"/>
-    <p:sldId id="258" r:id="rId8"/>
+    <p:sldId id="256" r:id="rId2"/>
+    <p:sldId id="257" r:id="rId3"/>
+    <p:sldId id="258" r:id="rId4"/>
   </p:sldIdLst>
-  <p:sldSz cx="12192000" cy="6858000" type="custom"/>
+  <p:sldSz cx="12192000" cy="6858000"/>
   <p:notesSz cx="6858000" cy="9144000"/>
   <p:defaultTextStyle>
     <a:defPPr defTabSz="914400">
       <a:defRPr lang="en-US" dirty="0"/>
     </a:defPPr>
-    <a:lvl1pPr marL="0" rtl="0" algn="l" defTabSz="914400">
+    <a:lvl1pPr marL="0" algn="l" defTabSz="914400" rtl="0">
       <a:defRPr sz="1800" kern="1200" dirty="0">
         <a:solidFill>
           <a:schemeClr val="tx1"/>
@@ -25,7 +25,7 @@
         <a:cs typeface="+mn-cs"/>
       </a:defRPr>
     </a:lvl1pPr>
-    <a:lvl2pPr marL="457200" rtl="0" algn="l" defTabSz="914400">
+    <a:lvl2pPr marL="457200" algn="l" defTabSz="914400" rtl="0">
       <a:defRPr sz="1800" kern="1200" dirty="0">
         <a:solidFill>
           <a:schemeClr val="tx1"/>
@@ -35,7 +35,7 @@
         <a:cs typeface="+mn-cs"/>
       </a:defRPr>
     </a:lvl2pPr>
-    <a:lvl3pPr marL="914400" rtl="0" algn="l" defTabSz="914400">
+    <a:lvl3pPr marL="914400" algn="l" defTabSz="914400" rtl="0">
       <a:defRPr sz="1800" kern="1200" dirty="0">
         <a:solidFill>
           <a:schemeClr val="tx1"/>
@@ -45,7 +45,7 @@
         <a:cs typeface="+mn-cs"/>
       </a:defRPr>
     </a:lvl3pPr>
-    <a:lvl4pPr marL="1371600" rtl="0" algn="l" defTabSz="914400">
+    <a:lvl4pPr marL="1371600" algn="l" defTabSz="914400" rtl="0">
       <a:defRPr sz="1800" kern="1200" dirty="0">
         <a:solidFill>
           <a:schemeClr val="tx1"/>
@@ -55,7 +55,7 @@
         <a:cs typeface="+mn-cs"/>
       </a:defRPr>
     </a:lvl4pPr>
-    <a:lvl5pPr marL="1828800" rtl="0" algn="l" defTabSz="914400">
+    <a:lvl5pPr marL="1828800" algn="l" defTabSz="914400" rtl="0">
       <a:defRPr sz="1800" kern="1200" dirty="0">
         <a:solidFill>
           <a:schemeClr val="tx1"/>
@@ -65,7 +65,7 @@
         <a:cs typeface="+mn-cs"/>
       </a:defRPr>
     </a:lvl5pPr>
-    <a:lvl6pPr marL="2286000" rtl="0" algn="l" defTabSz="914400">
+    <a:lvl6pPr marL="2286000" algn="l" defTabSz="914400" rtl="0">
       <a:defRPr sz="1800" kern="1200" dirty="0">
         <a:solidFill>
           <a:schemeClr val="tx1"/>
@@ -75,7 +75,7 @@
         <a:cs typeface="+mn-cs"/>
       </a:defRPr>
     </a:lvl6pPr>
-    <a:lvl7pPr marL="2743200" rtl="0" algn="l" defTabSz="914400">
+    <a:lvl7pPr marL="2743200" algn="l" defTabSz="914400" rtl="0">
       <a:defRPr sz="1800" kern="1200" dirty="0">
         <a:solidFill>
           <a:schemeClr val="tx1"/>
@@ -85,7 +85,7 @@
         <a:cs typeface="+mn-cs"/>
       </a:defRPr>
     </a:lvl7pPr>
-    <a:lvl8pPr marL="3200400" rtl="0" algn="l" defTabSz="914400">
+    <a:lvl8pPr marL="3200400" algn="l" defTabSz="914400" rtl="0">
       <a:defRPr sz="1800" kern="1200" dirty="0">
         <a:solidFill>
           <a:schemeClr val="tx1"/>
@@ -95,7 +95,7 @@
         <a:cs typeface="+mn-cs"/>
       </a:defRPr>
     </a:lvl8pPr>
-    <a:lvl9pPr marL="3657600" rtl="0" algn="l" defTabSz="914400">
+    <a:lvl9pPr marL="3657600" algn="l" defTabSz="914400" rtl="0">
       <a:defRPr sz="1800" kern="1200" dirty="0">
         <a:solidFill>
           <a:schemeClr val="tx1"/>
@@ -106,11 +106,12 @@
       </a:defRPr>
     </a:lvl9pPr>
   </p:defaultTextStyle>
+  <p:extLst>
+    <p:ext uri="{EFAFB233-063F-42B5-8137-9DF3F51BA10A}">
+      <p15:sldGuideLst xmlns:p15="http://schemas.microsoft.com/office/powerpoint/2012/main"/>
+    </p:ext>
+  </p:extLst>
 </p:presentation>
-</file>
-
-<file path=ppt/commentAuthors.xml><?xml version="1.0" encoding="utf-8"?>
-<p:cmAuthorLst xmlns:a="http://schemas.openxmlformats.org/drawingml/2006/main" xmlns:r="http://schemas.openxmlformats.org/officeDocument/2006/relationships" xmlns:p="http://schemas.openxmlformats.org/presentationml/2006/main"/>
 </file>
 
 <file path=ppt/slideLayouts/slideLayout1.xml><?xml version="1.0" encoding="utf-8"?>
@@ -151,19 +152,17 @@
           </a:ln>
         </p:spPr>
         <p:txBody>
-          <a:bodyPr anchor="b" wrap="square"/>
+          <a:bodyPr wrap="square" anchor="b"/>
           <a:lstStyle>
             <a:lvl1pPr algn="ctr">
               <a:defRPr sz="6000" dirty="0"/>
             </a:lvl1pPr>
           </a:lstStyle>
           <a:p>
-            <a:pPr/>
             <a:r>
               <a:rPr lang="en-US" dirty="0"/>
               <a:t>Click to edit Master title style</a:t>
             </a:r>
-            <a:endParaRPr lang="en-US" dirty="0"/>
           </a:p>
         </p:txBody>
       </p:sp>
@@ -228,12 +227,10 @@
             </a:lvl9pPr>
           </a:lstStyle>
           <a:p>
-            <a:pPr/>
             <a:r>
               <a:rPr lang="en-US" dirty="0"/>
               <a:t>Click to edit Master subtitle style</a:t>
             </a:r>
-            <a:endParaRPr lang="en-US" dirty="0"/>
           </a:p>
         </p:txBody>
       </p:sp>
@@ -257,10 +254,9 @@
           <a:bodyPr wrap="square"/>
           <a:lstStyle/>
           <a:p>
-            <a:pPr/>
             <a:fld id="{D4630D1D-EC81-4D12-BBAE-7AD5C46FE905}" type="datetimeFigureOut">
               <a:rPr lang="en-US" dirty="0"/>
-              <a:t>7/8/2015</a:t>
+              <a:t>11/1/2024</a:t>
             </a:fld>
             <a:endParaRPr lang="en-US" dirty="0"/>
           </a:p>
@@ -286,7 +282,6 @@
           <a:bodyPr wrap="square"/>
           <a:lstStyle/>
           <a:p>
-            <a:pPr/>
             <a:endParaRPr lang="en-US" dirty="0"/>
           </a:p>
         </p:txBody>
@@ -311,7 +306,6 @@
           <a:bodyPr wrap="square"/>
           <a:lstStyle/>
           <a:p>
-            <a:pPr/>
             <a:fld id="{E1CC4C9C-B29E-4E68-9F89-CA7A1621DE94}" type="slidenum">
               <a:rPr lang="en-US" dirty="0"/>
               <a:t>‹#›</a:t>
@@ -365,12 +359,10 @@
           <a:bodyPr wrap="square"/>
           <a:lstStyle/>
           <a:p>
-            <a:pPr/>
             <a:r>
               <a:rPr lang="en-US" dirty="0"/>
               <a:t>Click to edit Master title style</a:t>
             </a:r>
-            <a:endParaRPr lang="en-US" dirty="0"/>
           </a:p>
         </p:txBody>
       </p:sp>
@@ -394,7 +386,6 @@
           <a:bodyPr vert="eaVert" wrap="square"/>
           <a:lstStyle/>
           <a:p>
-            <a:pPr/>
             <a:r>
               <a:rPr lang="en-US" dirty="0"/>
               <a:t>Click to edit Master text styles</a:t>
@@ -427,7 +418,6 @@
               <a:rPr lang="en-US" dirty="0"/>
               <a:t>Fifth level</a:t>
             </a:r>
-            <a:endParaRPr lang="en-US" dirty="0"/>
           </a:p>
         </p:txBody>
       </p:sp>
@@ -451,10 +441,9 @@
           <a:bodyPr wrap="square"/>
           <a:lstStyle/>
           <a:p>
-            <a:pPr/>
             <a:fld id="{D4630D1D-EC81-4D12-BBAE-7AD5C46FE905}" type="datetimeFigureOut">
               <a:rPr lang="en-US" dirty="0"/>
-              <a:t>7/8/2015</a:t>
+              <a:t>11/1/2024</a:t>
             </a:fld>
             <a:endParaRPr lang="en-US" dirty="0"/>
           </a:p>
@@ -480,7 +469,6 @@
           <a:bodyPr wrap="square"/>
           <a:lstStyle/>
           <a:p>
-            <a:pPr/>
             <a:endParaRPr lang="en-US" dirty="0"/>
           </a:p>
         </p:txBody>
@@ -505,7 +493,6 @@
           <a:bodyPr wrap="square"/>
           <a:lstStyle/>
           <a:p>
-            <a:pPr/>
             <a:fld id="{E1CC4C9C-B29E-4E68-9F89-CA7A1621DE94}" type="slidenum">
               <a:rPr lang="en-US" dirty="0"/>
               <a:t>‹#›</a:t>
@@ -563,12 +550,10 @@
           <a:bodyPr vert="eaVert" wrap="square"/>
           <a:lstStyle/>
           <a:p>
-            <a:pPr/>
             <a:r>
               <a:rPr lang="en-US" dirty="0"/>
               <a:t>Click to edit Master title style</a:t>
             </a:r>
-            <a:endParaRPr lang="en-US" dirty="0"/>
           </a:p>
         </p:txBody>
       </p:sp>
@@ -596,7 +581,6 @@
           <a:bodyPr vert="eaVert" wrap="square"/>
           <a:lstStyle/>
           <a:p>
-            <a:pPr/>
             <a:r>
               <a:rPr lang="en-US" dirty="0"/>
               <a:t>Click to edit Master text styles</a:t>
@@ -629,7 +613,6 @@
               <a:rPr lang="en-US" dirty="0"/>
               <a:t>Fifth level</a:t>
             </a:r>
-            <a:endParaRPr lang="en-US" dirty="0"/>
           </a:p>
         </p:txBody>
       </p:sp>
@@ -653,10 +636,9 @@
           <a:bodyPr wrap="square"/>
           <a:lstStyle/>
           <a:p>
-            <a:pPr/>
             <a:fld id="{D4630D1D-EC81-4D12-BBAE-7AD5C46FE905}" type="datetimeFigureOut">
               <a:rPr lang="en-US" dirty="0"/>
-              <a:t>7/8/2015</a:t>
+              <a:t>11/1/2024</a:t>
             </a:fld>
             <a:endParaRPr lang="en-US" dirty="0"/>
           </a:p>
@@ -682,7 +664,6 @@
           <a:bodyPr wrap="square"/>
           <a:lstStyle/>
           <a:p>
-            <a:pPr/>
             <a:endParaRPr lang="en-US" dirty="0"/>
           </a:p>
         </p:txBody>
@@ -707,7 +688,6 @@
           <a:bodyPr wrap="square"/>
           <a:lstStyle/>
           <a:p>
-            <a:pPr/>
             <a:fld id="{E1CC4C9C-B29E-4E68-9F89-CA7A1621DE94}" type="slidenum">
               <a:rPr lang="en-US" dirty="0"/>
               <a:t>‹#›</a:t>
@@ -761,12 +741,10 @@
           <a:bodyPr wrap="square"/>
           <a:lstStyle/>
           <a:p>
-            <a:pPr/>
             <a:r>
               <a:rPr lang="en-US" dirty="0"/>
               <a:t>Click to edit Master title style</a:t>
             </a:r>
-            <a:endParaRPr lang="en-US" dirty="0"/>
           </a:p>
         </p:txBody>
       </p:sp>
@@ -790,7 +768,6 @@
           <a:bodyPr wrap="square"/>
           <a:lstStyle/>
           <a:p>
-            <a:pPr/>
             <a:r>
               <a:rPr lang="en-US" dirty="0"/>
               <a:t>Click to edit Master text styles</a:t>
@@ -823,7 +800,6 @@
               <a:rPr lang="en-US" dirty="0"/>
               <a:t>Fifth level</a:t>
             </a:r>
-            <a:endParaRPr lang="en-US" dirty="0"/>
           </a:p>
         </p:txBody>
       </p:sp>
@@ -847,10 +823,9 @@
           <a:bodyPr wrap="square"/>
           <a:lstStyle/>
           <a:p>
-            <a:pPr/>
             <a:fld id="{D4630D1D-EC81-4D12-BBAE-7AD5C46FE905}" type="datetimeFigureOut">
               <a:rPr lang="en-US" dirty="0"/>
-              <a:t>7/8/2015</a:t>
+              <a:t>11/1/2024</a:t>
             </a:fld>
             <a:endParaRPr lang="en-US" dirty="0"/>
           </a:p>
@@ -876,7 +851,6 @@
           <a:bodyPr wrap="square"/>
           <a:lstStyle/>
           <a:p>
-            <a:pPr/>
             <a:endParaRPr lang="en-US" dirty="0"/>
           </a:p>
         </p:txBody>
@@ -901,7 +875,6 @@
           <a:bodyPr wrap="square"/>
           <a:lstStyle/>
           <a:p>
-            <a:pPr/>
             <a:fld id="{E1CC4C9C-B29E-4E68-9F89-CA7A1621DE94}" type="slidenum">
               <a:rPr lang="en-US" dirty="0"/>
               <a:t>‹#›</a:t>
@@ -956,19 +929,17 @@
           </a:ln>
         </p:spPr>
         <p:txBody>
-          <a:bodyPr anchor="b" wrap="square"/>
+          <a:bodyPr wrap="square" anchor="b"/>
           <a:lstStyle>
             <a:lvl1pPr>
               <a:defRPr sz="6000" dirty="0"/>
             </a:lvl1pPr>
           </a:lstStyle>
           <a:p>
-            <a:pPr/>
             <a:r>
               <a:rPr lang="en-US" dirty="0"/>
               <a:t>Click to edit Master title style</a:t>
             </a:r>
-            <a:endParaRPr lang="en-US" dirty="0"/>
           </a:p>
         </p:txBody>
       </p:sp>
@@ -1087,7 +1058,6 @@
             </a:lvl9pPr>
           </a:lstStyle>
           <a:p>
-            <a:pPr/>
             <a:r>
               <a:rPr lang="en-US" dirty="0"/>
               <a:t>Click to edit Master text styles</a:t>
@@ -1115,10 +1085,9 @@
           <a:bodyPr wrap="square"/>
           <a:lstStyle/>
           <a:p>
-            <a:pPr/>
             <a:fld id="{D4630D1D-EC81-4D12-BBAE-7AD5C46FE905}" type="datetimeFigureOut">
               <a:rPr lang="en-US" dirty="0"/>
-              <a:t>7/8/2015</a:t>
+              <a:t>11/1/2024</a:t>
             </a:fld>
             <a:endParaRPr lang="en-US" dirty="0"/>
           </a:p>
@@ -1144,7 +1113,6 @@
           <a:bodyPr wrap="square"/>
           <a:lstStyle/>
           <a:p>
-            <a:pPr/>
             <a:endParaRPr lang="en-US" dirty="0"/>
           </a:p>
         </p:txBody>
@@ -1169,7 +1137,6 @@
           <a:bodyPr wrap="square"/>
           <a:lstStyle/>
           <a:p>
-            <a:pPr/>
             <a:fld id="{E1CC4C9C-B29E-4E68-9F89-CA7A1621DE94}" type="slidenum">
               <a:rPr lang="en-US" dirty="0"/>
               <a:t>‹#›</a:t>
@@ -1223,12 +1190,10 @@
           <a:bodyPr wrap="square"/>
           <a:lstStyle/>
           <a:p>
-            <a:pPr/>
             <a:r>
               <a:rPr lang="en-US" dirty="0"/>
               <a:t>Click to edit Master title style</a:t>
             </a:r>
-            <a:endParaRPr lang="en-US" dirty="0"/>
           </a:p>
         </p:txBody>
       </p:sp>
@@ -1256,7 +1221,6 @@
           <a:bodyPr wrap="square"/>
           <a:lstStyle/>
           <a:p>
-            <a:pPr/>
             <a:r>
               <a:rPr lang="en-US" dirty="0"/>
               <a:t>Click to edit Master text styles</a:t>
@@ -1289,7 +1253,6 @@
               <a:rPr lang="en-US" dirty="0"/>
               <a:t>Fifth level</a:t>
             </a:r>
-            <a:endParaRPr lang="en-US" dirty="0"/>
           </a:p>
         </p:txBody>
       </p:sp>
@@ -1317,7 +1280,6 @@
           <a:bodyPr wrap="square"/>
           <a:lstStyle/>
           <a:p>
-            <a:pPr/>
             <a:r>
               <a:rPr lang="en-US" dirty="0"/>
               <a:t>Click to edit Master text styles</a:t>
@@ -1350,7 +1312,6 @@
               <a:rPr lang="en-US" dirty="0"/>
               <a:t>Fifth level</a:t>
             </a:r>
-            <a:endParaRPr lang="en-US" dirty="0"/>
           </a:p>
         </p:txBody>
       </p:sp>
@@ -1374,10 +1335,9 @@
           <a:bodyPr wrap="square"/>
           <a:lstStyle/>
           <a:p>
-            <a:pPr/>
             <a:fld id="{D4630D1D-EC81-4D12-BBAE-7AD5C46FE905}" type="datetimeFigureOut">
               <a:rPr lang="en-US" dirty="0"/>
-              <a:t>7/8/2015</a:t>
+              <a:t>11/1/2024</a:t>
             </a:fld>
             <a:endParaRPr lang="en-US" dirty="0"/>
           </a:p>
@@ -1403,7 +1363,6 @@
           <a:bodyPr wrap="square"/>
           <a:lstStyle/>
           <a:p>
-            <a:pPr/>
             <a:endParaRPr lang="en-US" dirty="0"/>
           </a:p>
         </p:txBody>
@@ -1428,7 +1387,6 @@
           <a:bodyPr wrap="square"/>
           <a:lstStyle/>
           <a:p>
-            <a:pPr/>
             <a:fld id="{E1CC4C9C-B29E-4E68-9F89-CA7A1621DE94}" type="slidenum">
               <a:rPr lang="en-US" dirty="0"/>
               <a:t>‹#›</a:t>
@@ -1486,12 +1444,10 @@
           <a:bodyPr wrap="square"/>
           <a:lstStyle/>
           <a:p>
-            <a:pPr/>
             <a:r>
               <a:rPr lang="en-US" dirty="0"/>
               <a:t>Click to edit Master title style</a:t>
             </a:r>
-            <a:endParaRPr lang="en-US" dirty="0"/>
           </a:p>
         </p:txBody>
       </p:sp>
@@ -1516,7 +1472,7 @@
           </a:ln>
         </p:spPr>
         <p:txBody>
-          <a:bodyPr anchor="b" wrap="square"/>
+          <a:bodyPr wrap="square" anchor="b"/>
           <a:lstStyle>
             <a:lvl1pPr marL="0" indent="0">
               <a:buNone/>
@@ -1556,7 +1512,6 @@
             </a:lvl9pPr>
           </a:lstStyle>
           <a:p>
-            <a:pPr/>
             <a:r>
               <a:rPr lang="en-US" dirty="0"/>
               <a:t>Click to edit Master text styles</a:t>
@@ -1588,7 +1543,6 @@
           <a:bodyPr wrap="square"/>
           <a:lstStyle/>
           <a:p>
-            <a:pPr/>
             <a:r>
               <a:rPr lang="en-US" dirty="0"/>
               <a:t>Click to edit Master text styles</a:t>
@@ -1621,7 +1575,6 @@
               <a:rPr lang="en-US" dirty="0"/>
               <a:t>Fifth level</a:t>
             </a:r>
-            <a:endParaRPr lang="en-US" dirty="0"/>
           </a:p>
         </p:txBody>
       </p:sp>
@@ -1646,7 +1599,7 @@
           </a:ln>
         </p:spPr>
         <p:txBody>
-          <a:bodyPr anchor="b" wrap="square"/>
+          <a:bodyPr wrap="square" anchor="b"/>
           <a:lstStyle>
             <a:lvl1pPr marL="0" indent="0">
               <a:buNone/>
@@ -1686,7 +1639,6 @@
             </a:lvl9pPr>
           </a:lstStyle>
           <a:p>
-            <a:pPr/>
             <a:r>
               <a:rPr lang="en-US" dirty="0"/>
               <a:t>Click to edit Master text styles</a:t>
@@ -1718,7 +1670,6 @@
           <a:bodyPr wrap="square"/>
           <a:lstStyle/>
           <a:p>
-            <a:pPr/>
             <a:r>
               <a:rPr lang="en-US" dirty="0"/>
               <a:t>Click to edit Master text styles</a:t>
@@ -1751,7 +1702,6 @@
               <a:rPr lang="en-US" dirty="0"/>
               <a:t>Fifth level</a:t>
             </a:r>
-            <a:endParaRPr lang="en-US" dirty="0"/>
           </a:p>
         </p:txBody>
       </p:sp>
@@ -1775,10 +1725,9 @@
           <a:bodyPr wrap="square"/>
           <a:lstStyle/>
           <a:p>
-            <a:pPr/>
             <a:fld id="{D4630D1D-EC81-4D12-BBAE-7AD5C46FE905}" type="datetimeFigureOut">
               <a:rPr lang="en-US" dirty="0"/>
-              <a:t>7/8/2015</a:t>
+              <a:t>11/1/2024</a:t>
             </a:fld>
             <a:endParaRPr lang="en-US" dirty="0"/>
           </a:p>
@@ -1804,7 +1753,6 @@
           <a:bodyPr wrap="square"/>
           <a:lstStyle/>
           <a:p>
-            <a:pPr/>
             <a:endParaRPr lang="en-US" dirty="0"/>
           </a:p>
         </p:txBody>
@@ -1829,7 +1777,6 @@
           <a:bodyPr wrap="square"/>
           <a:lstStyle/>
           <a:p>
-            <a:pPr/>
             <a:fld id="{E1CC4C9C-B29E-4E68-9F89-CA7A1621DE94}" type="slidenum">
               <a:rPr lang="en-US" dirty="0"/>
               <a:t>‹#›</a:t>
@@ -1883,12 +1830,10 @@
           <a:bodyPr wrap="square"/>
           <a:lstStyle/>
           <a:p>
-            <a:pPr/>
             <a:r>
               <a:rPr lang="en-US" dirty="0"/>
               <a:t>Click to edit Master title style</a:t>
             </a:r>
-            <a:endParaRPr lang="en-US" dirty="0"/>
           </a:p>
         </p:txBody>
       </p:sp>
@@ -1912,10 +1857,9 @@
           <a:bodyPr wrap="square"/>
           <a:lstStyle/>
           <a:p>
-            <a:pPr/>
             <a:fld id="{D4630D1D-EC81-4D12-BBAE-7AD5C46FE905}" type="datetimeFigureOut">
               <a:rPr lang="en-US" dirty="0"/>
-              <a:t>7/8/2015</a:t>
+              <a:t>11/1/2024</a:t>
             </a:fld>
             <a:endParaRPr lang="en-US" dirty="0"/>
           </a:p>
@@ -1941,7 +1885,6 @@
           <a:bodyPr wrap="square"/>
           <a:lstStyle/>
           <a:p>
-            <a:pPr/>
             <a:endParaRPr lang="en-US" dirty="0"/>
           </a:p>
         </p:txBody>
@@ -1966,7 +1909,6 @@
           <a:bodyPr wrap="square"/>
           <a:lstStyle/>
           <a:p>
-            <a:pPr/>
             <a:fld id="{E1CC4C9C-B29E-4E68-9F89-CA7A1621DE94}" type="slidenum">
               <a:rPr lang="en-US" dirty="0"/>
               <a:t>‹#›</a:t>
@@ -2020,10 +1962,9 @@
           <a:bodyPr wrap="square"/>
           <a:lstStyle/>
           <a:p>
-            <a:pPr/>
             <a:fld id="{D4630D1D-EC81-4D12-BBAE-7AD5C46FE905}" type="datetimeFigureOut">
               <a:rPr lang="en-US" dirty="0"/>
-              <a:t>7/8/2015</a:t>
+              <a:t>11/1/2024</a:t>
             </a:fld>
             <a:endParaRPr lang="en-US" dirty="0"/>
           </a:p>
@@ -2049,7 +1990,6 @@
           <a:bodyPr wrap="square"/>
           <a:lstStyle/>
           <a:p>
-            <a:pPr/>
             <a:endParaRPr lang="en-US" dirty="0"/>
           </a:p>
         </p:txBody>
@@ -2074,7 +2014,6 @@
           <a:bodyPr wrap="square"/>
           <a:lstStyle/>
           <a:p>
-            <a:pPr/>
             <a:fld id="{E1CC4C9C-B29E-4E68-9F89-CA7A1621DE94}" type="slidenum">
               <a:rPr lang="en-US" dirty="0"/>
               <a:t>‹#›</a:t>
@@ -2129,19 +2068,17 @@
           </a:ln>
         </p:spPr>
         <p:txBody>
-          <a:bodyPr anchor="b" wrap="square"/>
+          <a:bodyPr wrap="square" anchor="b"/>
           <a:lstStyle>
             <a:lvl1pPr>
               <a:defRPr sz="3200" dirty="0"/>
             </a:lvl1pPr>
           </a:lstStyle>
           <a:p>
-            <a:pPr/>
             <a:r>
               <a:rPr lang="en-US" dirty="0"/>
               <a:t>Click to edit Master title style</a:t>
             </a:r>
-            <a:endParaRPr lang="en-US" dirty="0"/>
           </a:p>
         </p:txBody>
       </p:sp>
@@ -2197,7 +2134,6 @@
             </a:lvl9pPr>
           </a:lstStyle>
           <a:p>
-            <a:pPr/>
             <a:r>
               <a:rPr lang="en-US" dirty="0"/>
               <a:t>Click to edit Master text styles</a:t>
@@ -2230,7 +2166,6 @@
               <a:rPr lang="en-US" dirty="0"/>
               <a:t>Fifth level</a:t>
             </a:r>
-            <a:endParaRPr lang="en-US" dirty="0"/>
           </a:p>
         </p:txBody>
       </p:sp>
@@ -2295,7 +2230,6 @@
             </a:lvl9pPr>
           </a:lstStyle>
           <a:p>
-            <a:pPr/>
             <a:r>
               <a:rPr lang="en-US" dirty="0"/>
               <a:t>Click to edit Master text styles</a:t>
@@ -2323,10 +2257,9 @@
           <a:bodyPr wrap="square"/>
           <a:lstStyle/>
           <a:p>
-            <a:pPr/>
             <a:fld id="{D4630D1D-EC81-4D12-BBAE-7AD5C46FE905}" type="datetimeFigureOut">
               <a:rPr lang="en-US" dirty="0"/>
-              <a:t>7/8/2015</a:t>
+              <a:t>11/1/2024</a:t>
             </a:fld>
             <a:endParaRPr lang="en-US" dirty="0"/>
           </a:p>
@@ -2352,7 +2285,6 @@
           <a:bodyPr wrap="square"/>
           <a:lstStyle/>
           <a:p>
-            <a:pPr/>
             <a:endParaRPr lang="en-US" dirty="0"/>
           </a:p>
         </p:txBody>
@@ -2377,7 +2309,6 @@
           <a:bodyPr wrap="square"/>
           <a:lstStyle/>
           <a:p>
-            <a:pPr/>
             <a:fld id="{E1CC4C9C-B29E-4E68-9F89-CA7A1621DE94}" type="slidenum">
               <a:rPr lang="en-US" dirty="0"/>
               <a:t>‹#›</a:t>
@@ -2432,19 +2363,17 @@
           </a:ln>
         </p:spPr>
         <p:txBody>
-          <a:bodyPr anchor="b" wrap="square"/>
+          <a:bodyPr wrap="square" anchor="b"/>
           <a:lstStyle>
             <a:lvl1pPr>
               <a:defRPr sz="3200" dirty="0"/>
             </a:lvl1pPr>
           </a:lstStyle>
           <a:p>
-            <a:pPr/>
             <a:r>
               <a:rPr lang="en-US" dirty="0"/>
               <a:t>Click to edit Master title style</a:t>
             </a:r>
-            <a:endParaRPr lang="en-US" dirty="0"/>
           </a:p>
         </p:txBody>
       </p:sp>
@@ -2509,7 +2438,6 @@
             </a:lvl9pPr>
           </a:lstStyle>
           <a:p>
-            <a:pPr/>
             <a:endParaRPr lang="en-US" dirty="0"/>
           </a:p>
         </p:txBody>
@@ -2575,7 +2503,6 @@
             </a:lvl9pPr>
           </a:lstStyle>
           <a:p>
-            <a:pPr/>
             <a:r>
               <a:rPr lang="en-US" dirty="0"/>
               <a:t>Click to edit Master text styles</a:t>
@@ -2603,10 +2530,9 @@
           <a:bodyPr wrap="square"/>
           <a:lstStyle/>
           <a:p>
-            <a:pPr/>
             <a:fld id="{D4630D1D-EC81-4D12-BBAE-7AD5C46FE905}" type="datetimeFigureOut">
               <a:rPr lang="en-US" dirty="0"/>
-              <a:t>7/8/2015</a:t>
+              <a:t>11/1/2024</a:t>
             </a:fld>
             <a:endParaRPr lang="en-US" dirty="0"/>
           </a:p>
@@ -2632,7 +2558,6 @@
           <a:bodyPr wrap="square"/>
           <a:lstStyle/>
           <a:p>
-            <a:pPr/>
             <a:endParaRPr lang="en-US" dirty="0"/>
           </a:p>
         </p:txBody>
@@ -2657,7 +2582,6 @@
           <a:bodyPr wrap="square"/>
           <a:lstStyle/>
           <a:p>
-            <a:pPr/>
             <a:fld id="{E1CC4C9C-B29E-4E68-9F89-CA7A1621DE94}" type="slidenum">
               <a:rPr lang="en-US" dirty="0"/>
               <a:t>‹#›</a:t>
@@ -2682,6 +2606,7 @@
         <a:solidFill>
           <a:schemeClr val="bg1"/>
         </a:solidFill>
+        <a:effectLst/>
       </p:bgPr>
     </p:bg>
     <p:spTree>
@@ -2722,17 +2647,15 @@
           </a:ln>
         </p:spPr>
         <p:txBody>
-          <a:bodyPr lIns="91440" tIns="45720" rIns="91440" bIns="45720" anchor="ctr" wrap="square">
+          <a:bodyPr wrap="square" lIns="91440" tIns="45720" rIns="91440" bIns="45720" anchor="ctr">
             <a:normAutofit/>
           </a:bodyPr>
           <a:lstStyle/>
           <a:p>
-            <a:pPr/>
             <a:r>
               <a:rPr lang="en-US" dirty="0"/>
               <a:t>Click to edit Master title style</a:t>
             </a:r>
-            <a:endParaRPr lang="en-US" dirty="0"/>
           </a:p>
         </p:txBody>
       </p:sp>
@@ -2760,12 +2683,11 @@
           </a:ln>
         </p:spPr>
         <p:txBody>
-          <a:bodyPr lIns="91440" tIns="45720" rIns="91440" bIns="45720" wrap="square">
+          <a:bodyPr wrap="square" lIns="91440" tIns="45720" rIns="91440" bIns="45720">
             <a:normAutofit/>
           </a:bodyPr>
           <a:lstStyle/>
           <a:p>
-            <a:pPr/>
             <a:r>
               <a:rPr lang="en-US" dirty="0"/>
               <a:t>Click to edit Master text styles</a:t>
@@ -2798,7 +2720,6 @@
               <a:rPr lang="en-US" dirty="0"/>
               <a:t>Fifth level</a:t>
             </a:r>
-            <a:endParaRPr lang="en-US" dirty="0"/>
           </a:p>
         </p:txBody>
       </p:sp>
@@ -2826,7 +2747,7 @@
           </a:ln>
         </p:spPr>
         <p:txBody>
-          <a:bodyPr lIns="91440" tIns="45720" rIns="91440" bIns="45720" anchor="ctr" wrap="square"/>
+          <a:bodyPr wrap="square" lIns="91440" tIns="45720" rIns="91440" bIns="45720" anchor="ctr"/>
           <a:lstStyle>
             <a:lvl1pPr algn="l">
               <a:defRPr sz="1200" dirty="0">
@@ -2839,10 +2760,9 @@
             </a:lvl1pPr>
           </a:lstStyle>
           <a:p>
-            <a:pPr/>
             <a:fld id="{D4630D1D-EC81-4D12-BBAE-7AD5C46FE905}" type="datetimeFigureOut">
               <a:rPr lang="en-US" dirty="0"/>
-              <a:t>7/8/2015</a:t>
+              <a:t>11/1/2024</a:t>
             </a:fld>
             <a:endParaRPr lang="en-US" dirty="0"/>
           </a:p>
@@ -2872,7 +2792,7 @@
           </a:ln>
         </p:spPr>
         <p:txBody>
-          <a:bodyPr lIns="91440" tIns="45720" rIns="91440" bIns="45720" anchor="ctr" wrap="square"/>
+          <a:bodyPr wrap="square" lIns="91440" tIns="45720" rIns="91440" bIns="45720" anchor="ctr"/>
           <a:lstStyle>
             <a:lvl1pPr algn="ctr">
               <a:defRPr sz="1200" dirty="0">
@@ -2885,7 +2805,6 @@
             </a:lvl1pPr>
           </a:lstStyle>
           <a:p>
-            <a:pPr/>
             <a:endParaRPr lang="en-US" dirty="0"/>
           </a:p>
         </p:txBody>
@@ -2914,7 +2833,7 @@
           </a:ln>
         </p:spPr>
         <p:txBody>
-          <a:bodyPr lIns="91440" tIns="45720" rIns="91440" bIns="45720" anchor="ctr" wrap="square"/>
+          <a:bodyPr wrap="square" lIns="91440" tIns="45720" rIns="91440" bIns="45720" anchor="ctr"/>
           <a:lstStyle>
             <a:lvl1pPr algn="r">
               <a:defRPr sz="1200" dirty="0">
@@ -2927,7 +2846,6 @@
             </a:lvl1pPr>
           </a:lstStyle>
           <a:p>
-            <a:pPr/>
             <a:fld id="{E1CC4C9C-B29E-4E68-9F89-CA7A1621DE94}" type="slidenum">
               <a:rPr lang="en-US" dirty="0"/>
               <a:t>‹#›</a:t>
@@ -2954,7 +2872,7 @@
   </p:sldLayoutIdLst>
   <p:txStyles>
     <p:titleStyle>
-      <a:lvl1pPr rtl="0" algn="l" defTabSz="914400">
+      <a:lvl1pPr algn="l" defTabSz="914400" rtl="0">
         <a:lnSpc>
           <a:spcPct val="90000"/>
         </a:lnSpc>
@@ -2973,7 +2891,7 @@
       </a:lvl1pPr>
     </p:titleStyle>
     <p:bodyStyle>
-      <a:lvl1pPr marL="228600" indent="-228600" rtl="0" algn="l" defTabSz="914400">
+      <a:lvl1pPr marL="228600" indent="-228600" algn="l" defTabSz="914400" rtl="0">
         <a:lnSpc>
           <a:spcPct val="90000"/>
         </a:lnSpc>
@@ -2991,7 +2909,7 @@
           <a:cs typeface="+mn-cs"/>
         </a:defRPr>
       </a:lvl1pPr>
-      <a:lvl2pPr marL="685800" indent="-228600" rtl="0" algn="l" defTabSz="914400">
+      <a:lvl2pPr marL="685800" indent="-228600" algn="l" defTabSz="914400" rtl="0">
         <a:lnSpc>
           <a:spcPct val="90000"/>
         </a:lnSpc>
@@ -3009,7 +2927,7 @@
           <a:cs typeface="+mn-cs"/>
         </a:defRPr>
       </a:lvl2pPr>
-      <a:lvl3pPr marL="1143000" indent="-228600" rtl="0" algn="l" defTabSz="914400">
+      <a:lvl3pPr marL="1143000" indent="-228600" algn="l" defTabSz="914400" rtl="0">
         <a:lnSpc>
           <a:spcPct val="90000"/>
         </a:lnSpc>
@@ -3027,7 +2945,7 @@
           <a:cs typeface="+mn-cs"/>
         </a:defRPr>
       </a:lvl3pPr>
-      <a:lvl4pPr marL="1600200" indent="-228600" rtl="0" algn="l" defTabSz="914400">
+      <a:lvl4pPr marL="1600200" indent="-228600" algn="l" defTabSz="914400" rtl="0">
         <a:lnSpc>
           <a:spcPct val="90000"/>
         </a:lnSpc>
@@ -3045,7 +2963,7 @@
           <a:cs typeface="+mn-cs"/>
         </a:defRPr>
       </a:lvl4pPr>
-      <a:lvl5pPr marL="2057400" indent="-228600" rtl="0" algn="l" defTabSz="914400">
+      <a:lvl5pPr marL="2057400" indent="-228600" algn="l" defTabSz="914400" rtl="0">
         <a:lnSpc>
           <a:spcPct val="90000"/>
         </a:lnSpc>
@@ -3063,7 +2981,7 @@
           <a:cs typeface="+mn-cs"/>
         </a:defRPr>
       </a:lvl5pPr>
-      <a:lvl6pPr marL="2514600" indent="-228600" rtl="0" algn="l" defTabSz="914400">
+      <a:lvl6pPr marL="2514600" indent="-228600" algn="l" defTabSz="914400" rtl="0">
         <a:lnSpc>
           <a:spcPct val="90000"/>
         </a:lnSpc>
@@ -3081,7 +2999,7 @@
           <a:cs typeface="+mn-cs"/>
         </a:defRPr>
       </a:lvl6pPr>
-      <a:lvl7pPr marL="2971800" indent="-228600" rtl="0" algn="l" defTabSz="914400">
+      <a:lvl7pPr marL="2971800" indent="-228600" algn="l" defTabSz="914400" rtl="0">
         <a:lnSpc>
           <a:spcPct val="90000"/>
         </a:lnSpc>
@@ -3099,7 +3017,7 @@
           <a:cs typeface="+mn-cs"/>
         </a:defRPr>
       </a:lvl7pPr>
-      <a:lvl8pPr marL="3429000" indent="-228600" rtl="0" algn="l" defTabSz="914400">
+      <a:lvl8pPr marL="3429000" indent="-228600" algn="l" defTabSz="914400" rtl="0">
         <a:lnSpc>
           <a:spcPct val="90000"/>
         </a:lnSpc>
@@ -3117,7 +3035,7 @@
           <a:cs typeface="+mn-cs"/>
         </a:defRPr>
       </a:lvl8pPr>
-      <a:lvl9pPr marL="3886200" indent="-228600" rtl="0" algn="l" defTabSz="914400">
+      <a:lvl9pPr marL="3886200" indent="-228600" algn="l" defTabSz="914400" rtl="0">
         <a:lnSpc>
           <a:spcPct val="90000"/>
         </a:lnSpc>
@@ -3140,7 +3058,7 @@
       <a:defPPr defTabSz="914400">
         <a:defRPr lang="en-US" dirty="0"/>
       </a:defPPr>
-      <a:lvl1pPr marL="0" rtl="0" algn="l" defTabSz="914400">
+      <a:lvl1pPr marL="0" algn="l" defTabSz="914400" rtl="0">
         <a:defRPr sz="1800" kern="1200" dirty="0">
           <a:solidFill>
             <a:schemeClr val="tx1"/>
@@ -3150,7 +3068,7 @@
           <a:cs typeface="+mn-cs"/>
         </a:defRPr>
       </a:lvl1pPr>
-      <a:lvl2pPr marL="457200" rtl="0" algn="l" defTabSz="914400">
+      <a:lvl2pPr marL="457200" algn="l" defTabSz="914400" rtl="0">
         <a:defRPr sz="1800" kern="1200" dirty="0">
           <a:solidFill>
             <a:schemeClr val="tx1"/>
@@ -3160,7 +3078,7 @@
           <a:cs typeface="+mn-cs"/>
         </a:defRPr>
       </a:lvl2pPr>
-      <a:lvl3pPr marL="914400" rtl="0" algn="l" defTabSz="914400">
+      <a:lvl3pPr marL="914400" algn="l" defTabSz="914400" rtl="0">
         <a:defRPr sz="1800" kern="1200" dirty="0">
           <a:solidFill>
             <a:schemeClr val="tx1"/>
@@ -3170,7 +3088,7 @@
           <a:cs typeface="+mn-cs"/>
         </a:defRPr>
       </a:lvl3pPr>
-      <a:lvl4pPr marL="1371600" rtl="0" algn="l" defTabSz="914400">
+      <a:lvl4pPr marL="1371600" algn="l" defTabSz="914400" rtl="0">
         <a:defRPr sz="1800" kern="1200" dirty="0">
           <a:solidFill>
             <a:schemeClr val="tx1"/>
@@ -3180,7 +3098,7 @@
           <a:cs typeface="+mn-cs"/>
         </a:defRPr>
       </a:lvl4pPr>
-      <a:lvl5pPr marL="1828800" rtl="0" algn="l" defTabSz="914400">
+      <a:lvl5pPr marL="1828800" algn="l" defTabSz="914400" rtl="0">
         <a:defRPr sz="1800" kern="1200" dirty="0">
           <a:solidFill>
             <a:schemeClr val="tx1"/>
@@ -3190,7 +3108,7 @@
           <a:cs typeface="+mn-cs"/>
         </a:defRPr>
       </a:lvl5pPr>
-      <a:lvl6pPr marL="2286000" rtl="0" algn="l" defTabSz="914400">
+      <a:lvl6pPr marL="2286000" algn="l" defTabSz="914400" rtl="0">
         <a:defRPr sz="1800" kern="1200" dirty="0">
           <a:solidFill>
             <a:schemeClr val="tx1"/>
@@ -3200,7 +3118,7 @@
           <a:cs typeface="+mn-cs"/>
         </a:defRPr>
       </a:lvl6pPr>
-      <a:lvl7pPr marL="2743200" rtl="0" algn="l" defTabSz="914400">
+      <a:lvl7pPr marL="2743200" algn="l" defTabSz="914400" rtl="0">
         <a:defRPr sz="1800" kern="1200" dirty="0">
           <a:solidFill>
             <a:schemeClr val="tx1"/>
@@ -3210,7 +3128,7 @@
           <a:cs typeface="+mn-cs"/>
         </a:defRPr>
       </a:lvl7pPr>
-      <a:lvl8pPr marL="3200400" rtl="0" algn="l" defTabSz="914400">
+      <a:lvl8pPr marL="3200400" algn="l" defTabSz="914400" rtl="0">
         <a:defRPr sz="1800" kern="1200" dirty="0">
           <a:solidFill>
             <a:schemeClr val="tx1"/>
@@ -3220,7 +3138,7 @@
           <a:cs typeface="+mn-cs"/>
         </a:defRPr>
       </a:lvl8pPr>
-      <a:lvl9pPr marL="3657600" rtl="0" algn="l" defTabSz="914400">
+      <a:lvl9pPr marL="3657600" algn="l" defTabSz="914400" rtl="0">
         <a:defRPr sz="1800" kern="1200" dirty="0">
           <a:solidFill>
             <a:schemeClr val="tx1"/>
@@ -3261,7 +3179,7 @@
           <p:nvPr/>
         </p:nvSpPr>
         <p:spPr>
-          <a:xfrm rot="0">
+          <a:xfrm>
             <a:off x="635000" y="635000"/>
             <a:ext cx="7620000" cy="635000"/>
           </a:xfrm>
@@ -3302,7 +3220,7 @@
           <p:nvPr/>
         </p:nvSpPr>
         <p:spPr>
-          <a:xfrm rot="0">
+          <a:xfrm>
             <a:off x="635000" y="1270000"/>
             <a:ext cx="7620000" cy="635000"/>
           </a:xfrm>
@@ -3343,7 +3261,7 @@
           <p:nvPr/>
         </p:nvSpPr>
         <p:spPr>
-          <a:xfrm rot="0">
+          <a:xfrm>
             <a:off x="635000" y="1905000"/>
             <a:ext cx="7620000" cy="635000"/>
           </a:xfrm>
@@ -3384,7 +3302,7 @@
           <p:nvPr/>
         </p:nvSpPr>
         <p:spPr>
-          <a:xfrm rot="0">
+          <a:xfrm>
             <a:off x="635000" y="2540000"/>
             <a:ext cx="7620000" cy="635000"/>
           </a:xfrm>
@@ -3425,7 +3343,7 @@
           <p:nvPr/>
         </p:nvSpPr>
         <p:spPr>
-          <a:xfrm rot="0">
+          <a:xfrm>
             <a:off x="635000" y="3175000"/>
             <a:ext cx="7620000" cy="635000"/>
           </a:xfrm>
@@ -3492,7 +3410,7 @@
           <p:nvPr/>
         </p:nvSpPr>
         <p:spPr>
-          <a:xfrm rot="0">
+          <a:xfrm>
             <a:off x="635000" y="635000"/>
             <a:ext cx="7620000" cy="635000"/>
           </a:xfrm>
@@ -3533,7 +3451,7 @@
           <p:nvPr/>
         </p:nvSpPr>
         <p:spPr>
-          <a:xfrm rot="0">
+          <a:xfrm>
             <a:off x="635000" y="1270000"/>
             <a:ext cx="7620000" cy="635000"/>
           </a:xfrm>
@@ -3574,7 +3492,7 @@
           <p:nvPr/>
         </p:nvSpPr>
         <p:spPr>
-          <a:xfrm rot="0">
+          <a:xfrm>
             <a:off x="635000" y="1905000"/>
             <a:ext cx="7620000" cy="635000"/>
           </a:xfrm>
@@ -3615,7 +3533,7 @@
           <p:nvPr/>
         </p:nvSpPr>
         <p:spPr>
-          <a:xfrm rot="0">
+          <a:xfrm>
             <a:off x="635000" y="2540000"/>
             <a:ext cx="7620000" cy="635000"/>
           </a:xfrm>
@@ -3642,7 +3560,7 @@
                   </a:srgbClr>
                 </a:solidFill>
               </a:rPr>
-              <a:t>Content: THIS IS KING IN BLACK</a:t>
+              <a:t>Content: THIS IS KING IN BLACK1</a:t>
             </a:r>
           </a:p>
         </p:txBody>
@@ -3681,9 +3599,9 @@
           <p:nvPr/>
         </p:nvSpPr>
         <p:spPr>
-          <a:xfrm rot="0">
+          <a:xfrm>
             <a:off x="635000" y="635000"/>
-            <a:ext cx="7620000" cy="635000"/>
+            <a:ext cx="7620000" cy="523220"/>
           </a:xfrm>
           <a:prstGeom prst="rect">
             <a:avLst/>
@@ -3708,8 +3626,25 @@
                   </a:srgbClr>
                 </a:solidFill>
               </a:rPr>
-              <a:t>Chapter: 0</a:t>
-            </a:r>
+              <a:t>Chapter: </a:t>
+            </a:r>
+            <a:r>
+              <a:rPr lang="en-US" sz="2800" b="1" i="0" dirty="0">
+                <a:solidFill>
+                  <a:srgbClr val="000000">
+                    <a:alpha val="100000"/>
+                  </a:srgbClr>
+                </a:solidFill>
+              </a:rPr>
+              <a:t>1</a:t>
+            </a:r>
+            <a:endParaRPr sz="2800" b="1" i="0" dirty="0">
+              <a:solidFill>
+                <a:srgbClr val="000000">
+                  <a:alpha val="100000"/>
+                </a:srgbClr>
+              </a:solidFill>
+            </a:endParaRPr>
           </a:p>
         </p:txBody>
       </p:sp>
@@ -3722,7 +3657,7 @@
           <p:nvPr/>
         </p:nvSpPr>
         <p:spPr>
-          <a:xfrm rot="0">
+          <a:xfrm>
             <a:off x="635000" y="1270000"/>
             <a:ext cx="7620000" cy="635000"/>
           </a:xfrm>
@@ -3763,7 +3698,7 @@
           <p:nvPr/>
         </p:nvSpPr>
         <p:spPr>
-          <a:xfrm rot="0">
+          <a:xfrm>
             <a:off x="635000" y="1905000"/>
             <a:ext cx="7620000" cy="635000"/>
           </a:xfrm>
@@ -3804,7 +3739,7 @@
           <p:nvPr/>
         </p:nvSpPr>
         <p:spPr>
-          <a:xfrm rot="0">
+          <a:xfrm>
             <a:off x="635000" y="2540000"/>
             <a:ext cx="7620000" cy="635000"/>
           </a:xfrm>
@@ -3831,7 +3766,7 @@
                   </a:srgbClr>
                 </a:solidFill>
               </a:rPr>
-              <a:t>Content: THIS IS KING IN BLACK</a:t>
+              <a:t>Content: THIS IS KING IN BLACK2</a:t>
             </a:r>
           </a:p>
         </p:txBody>
@@ -3852,7 +3787,7 @@
         <a:srgbClr val="000000"/>
       </a:dk1>
       <a:lt1>
-        <a:srgbClr val="ffffff"/>
+        <a:srgbClr val="FFFFFF"/>
       </a:lt1>
       <a:dk2>
         <a:srgbClr val="44546A"/>
@@ -4101,5 +4036,7 @@
       </a:bgFillStyleLst>
     </a:fmtScheme>
   </a:themeElements>
+  <a:objectDefaults/>
+  <a:extraClrSchemeLst/>
 </a:theme>
 </file>
--- a/Storage/App_Data/Books/Solace.pptx
+++ b/Storage/App_Data/Books/Solace.pptx
@@ -5,17 +5,16 @@
     <p:sldMasterId id="2147483648" r:id="rId1"/>
   </p:sldMasterIdLst>
   <p:sldIdLst>
-    <p:sldId id="256" r:id="rId2"/>
-    <p:sldId id="257" r:id="rId3"/>
-    <p:sldId id="258" r:id="rId4"/>
+    <p:sldId id="256" r:id="rId6"/>
+    <p:sldId id="257" r:id="rId7"/>
   </p:sldIdLst>
-  <p:sldSz cx="12192000" cy="6858000"/>
+  <p:sldSz cx="12192000" cy="6858000" type="custom"/>
   <p:notesSz cx="6858000" cy="9144000"/>
   <p:defaultTextStyle>
     <a:defPPr defTabSz="914400">
       <a:defRPr lang="en-US" dirty="0"/>
     </a:defPPr>
-    <a:lvl1pPr marL="0" algn="l" defTabSz="914400" rtl="0">
+    <a:lvl1pPr marL="0" rtl="0" algn="l" defTabSz="914400">
       <a:defRPr sz="1800" kern="1200" dirty="0">
         <a:solidFill>
           <a:schemeClr val="tx1"/>
@@ -25,7 +24,7 @@
         <a:cs typeface="+mn-cs"/>
       </a:defRPr>
     </a:lvl1pPr>
-    <a:lvl2pPr marL="457200" algn="l" defTabSz="914400" rtl="0">
+    <a:lvl2pPr marL="457200" rtl="0" algn="l" defTabSz="914400">
       <a:defRPr sz="1800" kern="1200" dirty="0">
         <a:solidFill>
           <a:schemeClr val="tx1"/>
@@ -35,7 +34,7 @@
         <a:cs typeface="+mn-cs"/>
       </a:defRPr>
     </a:lvl2pPr>
-    <a:lvl3pPr marL="914400" algn="l" defTabSz="914400" rtl="0">
+    <a:lvl3pPr marL="914400" rtl="0" algn="l" defTabSz="914400">
       <a:defRPr sz="1800" kern="1200" dirty="0">
         <a:solidFill>
           <a:schemeClr val="tx1"/>
@@ -45,7 +44,7 @@
         <a:cs typeface="+mn-cs"/>
       </a:defRPr>
     </a:lvl3pPr>
-    <a:lvl4pPr marL="1371600" algn="l" defTabSz="914400" rtl="0">
+    <a:lvl4pPr marL="1371600" rtl="0" algn="l" defTabSz="914400">
       <a:defRPr sz="1800" kern="1200" dirty="0">
         <a:solidFill>
           <a:schemeClr val="tx1"/>
@@ -55,7 +54,7 @@
         <a:cs typeface="+mn-cs"/>
       </a:defRPr>
     </a:lvl4pPr>
-    <a:lvl5pPr marL="1828800" algn="l" defTabSz="914400" rtl="0">
+    <a:lvl5pPr marL="1828800" rtl="0" algn="l" defTabSz="914400">
       <a:defRPr sz="1800" kern="1200" dirty="0">
         <a:solidFill>
           <a:schemeClr val="tx1"/>
@@ -65,7 +64,7 @@
         <a:cs typeface="+mn-cs"/>
       </a:defRPr>
     </a:lvl5pPr>
-    <a:lvl6pPr marL="2286000" algn="l" defTabSz="914400" rtl="0">
+    <a:lvl6pPr marL="2286000" rtl="0" algn="l" defTabSz="914400">
       <a:defRPr sz="1800" kern="1200" dirty="0">
         <a:solidFill>
           <a:schemeClr val="tx1"/>
@@ -75,7 +74,7 @@
         <a:cs typeface="+mn-cs"/>
       </a:defRPr>
     </a:lvl6pPr>
-    <a:lvl7pPr marL="2743200" algn="l" defTabSz="914400" rtl="0">
+    <a:lvl7pPr marL="2743200" rtl="0" algn="l" defTabSz="914400">
       <a:defRPr sz="1800" kern="1200" dirty="0">
         <a:solidFill>
           <a:schemeClr val="tx1"/>
@@ -85,7 +84,7 @@
         <a:cs typeface="+mn-cs"/>
       </a:defRPr>
     </a:lvl7pPr>
-    <a:lvl8pPr marL="3200400" algn="l" defTabSz="914400" rtl="0">
+    <a:lvl8pPr marL="3200400" rtl="0" algn="l" defTabSz="914400">
       <a:defRPr sz="1800" kern="1200" dirty="0">
         <a:solidFill>
           <a:schemeClr val="tx1"/>
@@ -95,7 +94,7 @@
         <a:cs typeface="+mn-cs"/>
       </a:defRPr>
     </a:lvl8pPr>
-    <a:lvl9pPr marL="3657600" algn="l" defTabSz="914400" rtl="0">
+    <a:lvl9pPr marL="3657600" rtl="0" algn="l" defTabSz="914400">
       <a:defRPr sz="1800" kern="1200" dirty="0">
         <a:solidFill>
           <a:schemeClr val="tx1"/>
@@ -106,12 +105,11 @@
       </a:defRPr>
     </a:lvl9pPr>
   </p:defaultTextStyle>
-  <p:extLst>
-    <p:ext uri="{EFAFB233-063F-42B5-8137-9DF3F51BA10A}">
-      <p15:sldGuideLst xmlns:p15="http://schemas.microsoft.com/office/powerpoint/2012/main"/>
-    </p:ext>
-  </p:extLst>
 </p:presentation>
+</file>
+
+<file path=ppt/commentAuthors.xml><?xml version="1.0" encoding="utf-8"?>
+<p:cmAuthorLst xmlns:a="http://schemas.openxmlformats.org/drawingml/2006/main" xmlns:r="http://schemas.openxmlformats.org/officeDocument/2006/relationships" xmlns:p="http://schemas.openxmlformats.org/presentationml/2006/main"/>
 </file>
 
 <file path=ppt/slideLayouts/slideLayout1.xml><?xml version="1.0" encoding="utf-8"?>
@@ -152,17 +150,19 @@
           </a:ln>
         </p:spPr>
         <p:txBody>
-          <a:bodyPr wrap="square" anchor="b"/>
+          <a:bodyPr anchor="b" wrap="square"/>
           <a:lstStyle>
             <a:lvl1pPr algn="ctr">
               <a:defRPr sz="6000" dirty="0"/>
             </a:lvl1pPr>
           </a:lstStyle>
           <a:p>
+            <a:pPr/>
             <a:r>
               <a:rPr lang="en-US" dirty="0"/>
               <a:t>Click to edit Master title style</a:t>
             </a:r>
+            <a:endParaRPr lang="en-US" dirty="0"/>
           </a:p>
         </p:txBody>
       </p:sp>
@@ -227,10 +227,12 @@
             </a:lvl9pPr>
           </a:lstStyle>
           <a:p>
+            <a:pPr/>
             <a:r>
               <a:rPr lang="en-US" dirty="0"/>
               <a:t>Click to edit Master subtitle style</a:t>
             </a:r>
+            <a:endParaRPr lang="en-US" dirty="0"/>
           </a:p>
         </p:txBody>
       </p:sp>
@@ -254,9 +256,10 @@
           <a:bodyPr wrap="square"/>
           <a:lstStyle/>
           <a:p>
+            <a:pPr/>
             <a:fld id="{D4630D1D-EC81-4D12-BBAE-7AD5C46FE905}" type="datetimeFigureOut">
               <a:rPr lang="en-US" dirty="0"/>
-              <a:t>11/1/2024</a:t>
+              <a:t>7/8/2015</a:t>
             </a:fld>
             <a:endParaRPr lang="en-US" dirty="0"/>
           </a:p>
@@ -282,6 +285,7 @@
           <a:bodyPr wrap="square"/>
           <a:lstStyle/>
           <a:p>
+            <a:pPr/>
             <a:endParaRPr lang="en-US" dirty="0"/>
           </a:p>
         </p:txBody>
@@ -306,6 +310,7 @@
           <a:bodyPr wrap="square"/>
           <a:lstStyle/>
           <a:p>
+            <a:pPr/>
             <a:fld id="{E1CC4C9C-B29E-4E68-9F89-CA7A1621DE94}" type="slidenum">
               <a:rPr lang="en-US" dirty="0"/>
               <a:t>‹#›</a:t>
@@ -359,10 +364,12 @@
           <a:bodyPr wrap="square"/>
           <a:lstStyle/>
           <a:p>
+            <a:pPr/>
             <a:r>
               <a:rPr lang="en-US" dirty="0"/>
               <a:t>Click to edit Master title style</a:t>
             </a:r>
+            <a:endParaRPr lang="en-US" dirty="0"/>
           </a:p>
         </p:txBody>
       </p:sp>
@@ -386,6 +393,7 @@
           <a:bodyPr vert="eaVert" wrap="square"/>
           <a:lstStyle/>
           <a:p>
+            <a:pPr/>
             <a:r>
               <a:rPr lang="en-US" dirty="0"/>
               <a:t>Click to edit Master text styles</a:t>
@@ -418,6 +426,7 @@
               <a:rPr lang="en-US" dirty="0"/>
               <a:t>Fifth level</a:t>
             </a:r>
+            <a:endParaRPr lang="en-US" dirty="0"/>
           </a:p>
         </p:txBody>
       </p:sp>
@@ -441,9 +450,10 @@
           <a:bodyPr wrap="square"/>
           <a:lstStyle/>
           <a:p>
+            <a:pPr/>
             <a:fld id="{D4630D1D-EC81-4D12-BBAE-7AD5C46FE905}" type="datetimeFigureOut">
               <a:rPr lang="en-US" dirty="0"/>
-              <a:t>11/1/2024</a:t>
+              <a:t>7/8/2015</a:t>
             </a:fld>
             <a:endParaRPr lang="en-US" dirty="0"/>
           </a:p>
@@ -469,6 +479,7 @@
           <a:bodyPr wrap="square"/>
           <a:lstStyle/>
           <a:p>
+            <a:pPr/>
             <a:endParaRPr lang="en-US" dirty="0"/>
           </a:p>
         </p:txBody>
@@ -493,6 +504,7 @@
           <a:bodyPr wrap="square"/>
           <a:lstStyle/>
           <a:p>
+            <a:pPr/>
             <a:fld id="{E1CC4C9C-B29E-4E68-9F89-CA7A1621DE94}" type="slidenum">
               <a:rPr lang="en-US" dirty="0"/>
               <a:t>‹#›</a:t>
@@ -550,10 +562,12 @@
           <a:bodyPr vert="eaVert" wrap="square"/>
           <a:lstStyle/>
           <a:p>
+            <a:pPr/>
             <a:r>
               <a:rPr lang="en-US" dirty="0"/>
               <a:t>Click to edit Master title style</a:t>
             </a:r>
+            <a:endParaRPr lang="en-US" dirty="0"/>
           </a:p>
         </p:txBody>
       </p:sp>
@@ -581,6 +595,7 @@
           <a:bodyPr vert="eaVert" wrap="square"/>
           <a:lstStyle/>
           <a:p>
+            <a:pPr/>
             <a:r>
               <a:rPr lang="en-US" dirty="0"/>
               <a:t>Click to edit Master text styles</a:t>
@@ -613,6 +628,7 @@
               <a:rPr lang="en-US" dirty="0"/>
               <a:t>Fifth level</a:t>
             </a:r>
+            <a:endParaRPr lang="en-US" dirty="0"/>
           </a:p>
         </p:txBody>
       </p:sp>
@@ -636,9 +652,10 @@
           <a:bodyPr wrap="square"/>
           <a:lstStyle/>
           <a:p>
+            <a:pPr/>
             <a:fld id="{D4630D1D-EC81-4D12-BBAE-7AD5C46FE905}" type="datetimeFigureOut">
               <a:rPr lang="en-US" dirty="0"/>
-              <a:t>11/1/2024</a:t>
+              <a:t>7/8/2015</a:t>
             </a:fld>
             <a:endParaRPr lang="en-US" dirty="0"/>
           </a:p>
@@ -664,6 +681,7 @@
           <a:bodyPr wrap="square"/>
           <a:lstStyle/>
           <a:p>
+            <a:pPr/>
             <a:endParaRPr lang="en-US" dirty="0"/>
           </a:p>
         </p:txBody>
@@ -688,6 +706,7 @@
           <a:bodyPr wrap="square"/>
           <a:lstStyle/>
           <a:p>
+            <a:pPr/>
             <a:fld id="{E1CC4C9C-B29E-4E68-9F89-CA7A1621DE94}" type="slidenum">
               <a:rPr lang="en-US" dirty="0"/>
               <a:t>‹#›</a:t>
@@ -741,10 +760,12 @@
           <a:bodyPr wrap="square"/>
           <a:lstStyle/>
           <a:p>
+            <a:pPr/>
             <a:r>
               <a:rPr lang="en-US" dirty="0"/>
               <a:t>Click to edit Master title style</a:t>
             </a:r>
+            <a:endParaRPr lang="en-US" dirty="0"/>
           </a:p>
         </p:txBody>
       </p:sp>
@@ -768,6 +789,7 @@
           <a:bodyPr wrap="square"/>
           <a:lstStyle/>
           <a:p>
+            <a:pPr/>
             <a:r>
               <a:rPr lang="en-US" dirty="0"/>
               <a:t>Click to edit Master text styles</a:t>
@@ -800,6 +822,7 @@
               <a:rPr lang="en-US" dirty="0"/>
               <a:t>Fifth level</a:t>
             </a:r>
+            <a:endParaRPr lang="en-US" dirty="0"/>
           </a:p>
         </p:txBody>
       </p:sp>
@@ -823,9 +846,10 @@
           <a:bodyPr wrap="square"/>
           <a:lstStyle/>
           <a:p>
+            <a:pPr/>
             <a:fld id="{D4630D1D-EC81-4D12-BBAE-7AD5C46FE905}" type="datetimeFigureOut">
               <a:rPr lang="en-US" dirty="0"/>
-              <a:t>11/1/2024</a:t>
+              <a:t>7/8/2015</a:t>
             </a:fld>
             <a:endParaRPr lang="en-US" dirty="0"/>
           </a:p>
@@ -851,6 +875,7 @@
           <a:bodyPr wrap="square"/>
           <a:lstStyle/>
           <a:p>
+            <a:pPr/>
             <a:endParaRPr lang="en-US" dirty="0"/>
           </a:p>
         </p:txBody>
@@ -875,6 +900,7 @@
           <a:bodyPr wrap="square"/>
           <a:lstStyle/>
           <a:p>
+            <a:pPr/>
             <a:fld id="{E1CC4C9C-B29E-4E68-9F89-CA7A1621DE94}" type="slidenum">
               <a:rPr lang="en-US" dirty="0"/>
               <a:t>‹#›</a:t>
@@ -929,17 +955,19 @@
           </a:ln>
         </p:spPr>
         <p:txBody>
-          <a:bodyPr wrap="square" anchor="b"/>
+          <a:bodyPr anchor="b" wrap="square"/>
           <a:lstStyle>
             <a:lvl1pPr>
               <a:defRPr sz="6000" dirty="0"/>
             </a:lvl1pPr>
           </a:lstStyle>
           <a:p>
+            <a:pPr/>
             <a:r>
               <a:rPr lang="en-US" dirty="0"/>
               <a:t>Click to edit Master title style</a:t>
             </a:r>
+            <a:endParaRPr lang="en-US" dirty="0"/>
           </a:p>
         </p:txBody>
       </p:sp>
@@ -1058,6 +1086,7 @@
             </a:lvl9pPr>
           </a:lstStyle>
           <a:p>
+            <a:pPr/>
             <a:r>
               <a:rPr lang="en-US" dirty="0"/>
               <a:t>Click to edit Master text styles</a:t>
@@ -1085,9 +1114,10 @@
           <a:bodyPr wrap="square"/>
           <a:lstStyle/>
           <a:p>
+            <a:pPr/>
             <a:fld id="{D4630D1D-EC81-4D12-BBAE-7AD5C46FE905}" type="datetimeFigureOut">
               <a:rPr lang="en-US" dirty="0"/>
-              <a:t>11/1/2024</a:t>
+              <a:t>7/8/2015</a:t>
             </a:fld>
             <a:endParaRPr lang="en-US" dirty="0"/>
           </a:p>
@@ -1113,6 +1143,7 @@
           <a:bodyPr wrap="square"/>
           <a:lstStyle/>
           <a:p>
+            <a:pPr/>
             <a:endParaRPr lang="en-US" dirty="0"/>
           </a:p>
         </p:txBody>
@@ -1137,6 +1168,7 @@
           <a:bodyPr wrap="square"/>
           <a:lstStyle/>
           <a:p>
+            <a:pPr/>
             <a:fld id="{E1CC4C9C-B29E-4E68-9F89-CA7A1621DE94}" type="slidenum">
               <a:rPr lang="en-US" dirty="0"/>
               <a:t>‹#›</a:t>
@@ -1190,10 +1222,12 @@
           <a:bodyPr wrap="square"/>
           <a:lstStyle/>
           <a:p>
+            <a:pPr/>
             <a:r>
               <a:rPr lang="en-US" dirty="0"/>
               <a:t>Click to edit Master title style</a:t>
             </a:r>
+            <a:endParaRPr lang="en-US" dirty="0"/>
           </a:p>
         </p:txBody>
       </p:sp>
@@ -1221,6 +1255,7 @@
           <a:bodyPr wrap="square"/>
           <a:lstStyle/>
           <a:p>
+            <a:pPr/>
             <a:r>
               <a:rPr lang="en-US" dirty="0"/>
               <a:t>Click to edit Master text styles</a:t>
@@ -1253,6 +1288,7 @@
               <a:rPr lang="en-US" dirty="0"/>
               <a:t>Fifth level</a:t>
             </a:r>
+            <a:endParaRPr lang="en-US" dirty="0"/>
           </a:p>
         </p:txBody>
       </p:sp>
@@ -1280,6 +1316,7 @@
           <a:bodyPr wrap="square"/>
           <a:lstStyle/>
           <a:p>
+            <a:pPr/>
             <a:r>
               <a:rPr lang="en-US" dirty="0"/>
               <a:t>Click to edit Master text styles</a:t>
@@ -1312,6 +1349,7 @@
               <a:rPr lang="en-US" dirty="0"/>
               <a:t>Fifth level</a:t>
             </a:r>
+            <a:endParaRPr lang="en-US" dirty="0"/>
           </a:p>
         </p:txBody>
       </p:sp>
@@ -1335,9 +1373,10 @@
           <a:bodyPr wrap="square"/>
           <a:lstStyle/>
           <a:p>
+            <a:pPr/>
             <a:fld id="{D4630D1D-EC81-4D12-BBAE-7AD5C46FE905}" type="datetimeFigureOut">
               <a:rPr lang="en-US" dirty="0"/>
-              <a:t>11/1/2024</a:t>
+              <a:t>7/8/2015</a:t>
             </a:fld>
             <a:endParaRPr lang="en-US" dirty="0"/>
           </a:p>
@@ -1363,6 +1402,7 @@
           <a:bodyPr wrap="square"/>
           <a:lstStyle/>
           <a:p>
+            <a:pPr/>
             <a:endParaRPr lang="en-US" dirty="0"/>
           </a:p>
         </p:txBody>
@@ -1387,6 +1427,7 @@
           <a:bodyPr wrap="square"/>
           <a:lstStyle/>
           <a:p>
+            <a:pPr/>
             <a:fld id="{E1CC4C9C-B29E-4E68-9F89-CA7A1621DE94}" type="slidenum">
               <a:rPr lang="en-US" dirty="0"/>
               <a:t>‹#›</a:t>
@@ -1444,10 +1485,12 @@
           <a:bodyPr wrap="square"/>
           <a:lstStyle/>
           <a:p>
+            <a:pPr/>
             <a:r>
               <a:rPr lang="en-US" dirty="0"/>
               <a:t>Click to edit Master title style</a:t>
             </a:r>
+            <a:endParaRPr lang="en-US" dirty="0"/>
           </a:p>
         </p:txBody>
       </p:sp>
@@ -1472,7 +1515,7 @@
           </a:ln>
         </p:spPr>
         <p:txBody>
-          <a:bodyPr wrap="square" anchor="b"/>
+          <a:bodyPr anchor="b" wrap="square"/>
           <a:lstStyle>
             <a:lvl1pPr marL="0" indent="0">
               <a:buNone/>
@@ -1512,6 +1555,7 @@
             </a:lvl9pPr>
           </a:lstStyle>
           <a:p>
+            <a:pPr/>
             <a:r>
               <a:rPr lang="en-US" dirty="0"/>
               <a:t>Click to edit Master text styles</a:t>
@@ -1543,6 +1587,7 @@
           <a:bodyPr wrap="square"/>
           <a:lstStyle/>
           <a:p>
+            <a:pPr/>
             <a:r>
               <a:rPr lang="en-US" dirty="0"/>
               <a:t>Click to edit Master text styles</a:t>
@@ -1575,6 +1620,7 @@
               <a:rPr lang="en-US" dirty="0"/>
               <a:t>Fifth level</a:t>
             </a:r>
+            <a:endParaRPr lang="en-US" dirty="0"/>
           </a:p>
         </p:txBody>
       </p:sp>
@@ -1599,7 +1645,7 @@
           </a:ln>
         </p:spPr>
         <p:txBody>
-          <a:bodyPr wrap="square" anchor="b"/>
+          <a:bodyPr anchor="b" wrap="square"/>
           <a:lstStyle>
             <a:lvl1pPr marL="0" indent="0">
               <a:buNone/>
@@ -1639,6 +1685,7 @@
             </a:lvl9pPr>
           </a:lstStyle>
           <a:p>
+            <a:pPr/>
             <a:r>
               <a:rPr lang="en-US" dirty="0"/>
               <a:t>Click to edit Master text styles</a:t>
@@ -1670,6 +1717,7 @@
           <a:bodyPr wrap="square"/>
           <a:lstStyle/>
           <a:p>
+            <a:pPr/>
             <a:r>
               <a:rPr lang="en-US" dirty="0"/>
               <a:t>Click to edit Master text styles</a:t>
@@ -1702,6 +1750,7 @@
               <a:rPr lang="en-US" dirty="0"/>
               <a:t>Fifth level</a:t>
             </a:r>
+            <a:endParaRPr lang="en-US" dirty="0"/>
           </a:p>
         </p:txBody>
       </p:sp>
@@ -1725,9 +1774,10 @@
           <a:bodyPr wrap="square"/>
           <a:lstStyle/>
           <a:p>
+            <a:pPr/>
             <a:fld id="{D4630D1D-EC81-4D12-BBAE-7AD5C46FE905}" type="datetimeFigureOut">
               <a:rPr lang="en-US" dirty="0"/>
-              <a:t>11/1/2024</a:t>
+              <a:t>7/8/2015</a:t>
             </a:fld>
             <a:endParaRPr lang="en-US" dirty="0"/>
           </a:p>
@@ -1753,6 +1803,7 @@
           <a:bodyPr wrap="square"/>
           <a:lstStyle/>
           <a:p>
+            <a:pPr/>
             <a:endParaRPr lang="en-US" dirty="0"/>
           </a:p>
         </p:txBody>
@@ -1777,6 +1828,7 @@
           <a:bodyPr wrap="square"/>
           <a:lstStyle/>
           <a:p>
+            <a:pPr/>
             <a:fld id="{E1CC4C9C-B29E-4E68-9F89-CA7A1621DE94}" type="slidenum">
               <a:rPr lang="en-US" dirty="0"/>
               <a:t>‹#›</a:t>
@@ -1830,10 +1882,12 @@
           <a:bodyPr wrap="square"/>
           <a:lstStyle/>
           <a:p>
+            <a:pPr/>
             <a:r>
               <a:rPr lang="en-US" dirty="0"/>
               <a:t>Click to edit Master title style</a:t>
             </a:r>
+            <a:endParaRPr lang="en-US" dirty="0"/>
           </a:p>
         </p:txBody>
       </p:sp>
@@ -1857,9 +1911,10 @@
           <a:bodyPr wrap="square"/>
           <a:lstStyle/>
           <a:p>
+            <a:pPr/>
             <a:fld id="{D4630D1D-EC81-4D12-BBAE-7AD5C46FE905}" type="datetimeFigureOut">
               <a:rPr lang="en-US" dirty="0"/>
-              <a:t>11/1/2024</a:t>
+              <a:t>7/8/2015</a:t>
             </a:fld>
             <a:endParaRPr lang="en-US" dirty="0"/>
           </a:p>
@@ -1885,6 +1940,7 @@
           <a:bodyPr wrap="square"/>
           <a:lstStyle/>
           <a:p>
+            <a:pPr/>
             <a:endParaRPr lang="en-US" dirty="0"/>
           </a:p>
         </p:txBody>
@@ -1909,6 +1965,7 @@
           <a:bodyPr wrap="square"/>
           <a:lstStyle/>
           <a:p>
+            <a:pPr/>
             <a:fld id="{E1CC4C9C-B29E-4E68-9F89-CA7A1621DE94}" type="slidenum">
               <a:rPr lang="en-US" dirty="0"/>
               <a:t>‹#›</a:t>
@@ -1962,9 +2019,10 @@
           <a:bodyPr wrap="square"/>
           <a:lstStyle/>
           <a:p>
+            <a:pPr/>
             <a:fld id="{D4630D1D-EC81-4D12-BBAE-7AD5C46FE905}" type="datetimeFigureOut">
               <a:rPr lang="en-US" dirty="0"/>
-              <a:t>11/1/2024</a:t>
+              <a:t>7/8/2015</a:t>
             </a:fld>
             <a:endParaRPr lang="en-US" dirty="0"/>
           </a:p>
@@ -1990,6 +2048,7 @@
           <a:bodyPr wrap="square"/>
           <a:lstStyle/>
           <a:p>
+            <a:pPr/>
             <a:endParaRPr lang="en-US" dirty="0"/>
           </a:p>
         </p:txBody>
@@ -2014,6 +2073,7 @@
           <a:bodyPr wrap="square"/>
           <a:lstStyle/>
           <a:p>
+            <a:pPr/>
             <a:fld id="{E1CC4C9C-B29E-4E68-9F89-CA7A1621DE94}" type="slidenum">
               <a:rPr lang="en-US" dirty="0"/>
               <a:t>‹#›</a:t>
@@ -2068,17 +2128,19 @@
           </a:ln>
         </p:spPr>
         <p:txBody>
-          <a:bodyPr wrap="square" anchor="b"/>
+          <a:bodyPr anchor="b" wrap="square"/>
           <a:lstStyle>
             <a:lvl1pPr>
               <a:defRPr sz="3200" dirty="0"/>
             </a:lvl1pPr>
           </a:lstStyle>
           <a:p>
+            <a:pPr/>
             <a:r>
               <a:rPr lang="en-US" dirty="0"/>
               <a:t>Click to edit Master title style</a:t>
             </a:r>
+            <a:endParaRPr lang="en-US" dirty="0"/>
           </a:p>
         </p:txBody>
       </p:sp>
@@ -2134,6 +2196,7 @@
             </a:lvl9pPr>
           </a:lstStyle>
           <a:p>
+            <a:pPr/>
             <a:r>
               <a:rPr lang="en-US" dirty="0"/>
               <a:t>Click to edit Master text styles</a:t>
@@ -2166,6 +2229,7 @@
               <a:rPr lang="en-US" dirty="0"/>
               <a:t>Fifth level</a:t>
             </a:r>
+            <a:endParaRPr lang="en-US" dirty="0"/>
           </a:p>
         </p:txBody>
       </p:sp>
@@ -2230,6 +2294,7 @@
             </a:lvl9pPr>
           </a:lstStyle>
           <a:p>
+            <a:pPr/>
             <a:r>
               <a:rPr lang="en-US" dirty="0"/>
               <a:t>Click to edit Master text styles</a:t>
@@ -2257,9 +2322,10 @@
           <a:bodyPr wrap="square"/>
           <a:lstStyle/>
           <a:p>
+            <a:pPr/>
             <a:fld id="{D4630D1D-EC81-4D12-BBAE-7AD5C46FE905}" type="datetimeFigureOut">
               <a:rPr lang="en-US" dirty="0"/>
-              <a:t>11/1/2024</a:t>
+              <a:t>7/8/2015</a:t>
             </a:fld>
             <a:endParaRPr lang="en-US" dirty="0"/>
           </a:p>
@@ -2285,6 +2351,7 @@
           <a:bodyPr wrap="square"/>
           <a:lstStyle/>
           <a:p>
+            <a:pPr/>
             <a:endParaRPr lang="en-US" dirty="0"/>
           </a:p>
         </p:txBody>
@@ -2309,6 +2376,7 @@
           <a:bodyPr wrap="square"/>
           <a:lstStyle/>
           <a:p>
+            <a:pPr/>
             <a:fld id="{E1CC4C9C-B29E-4E68-9F89-CA7A1621DE94}" type="slidenum">
               <a:rPr lang="en-US" dirty="0"/>
               <a:t>‹#›</a:t>
@@ -2363,17 +2431,19 @@
           </a:ln>
         </p:spPr>
         <p:txBody>
-          <a:bodyPr wrap="square" anchor="b"/>
+          <a:bodyPr anchor="b" wrap="square"/>
           <a:lstStyle>
             <a:lvl1pPr>
               <a:defRPr sz="3200" dirty="0"/>
             </a:lvl1pPr>
           </a:lstStyle>
           <a:p>
+            <a:pPr/>
             <a:r>
               <a:rPr lang="en-US" dirty="0"/>
               <a:t>Click to edit Master title style</a:t>
             </a:r>
+            <a:endParaRPr lang="en-US" dirty="0"/>
           </a:p>
         </p:txBody>
       </p:sp>
@@ -2438,6 +2508,7 @@
             </a:lvl9pPr>
           </a:lstStyle>
           <a:p>
+            <a:pPr/>
             <a:endParaRPr lang="en-US" dirty="0"/>
           </a:p>
         </p:txBody>
@@ -2503,6 +2574,7 @@
             </a:lvl9pPr>
           </a:lstStyle>
           <a:p>
+            <a:pPr/>
             <a:r>
               <a:rPr lang="en-US" dirty="0"/>
               <a:t>Click to edit Master text styles</a:t>
@@ -2530,9 +2602,10 @@
           <a:bodyPr wrap="square"/>
           <a:lstStyle/>
           <a:p>
+            <a:pPr/>
             <a:fld id="{D4630D1D-EC81-4D12-BBAE-7AD5C46FE905}" type="datetimeFigureOut">
               <a:rPr lang="en-US" dirty="0"/>
-              <a:t>11/1/2024</a:t>
+              <a:t>7/8/2015</a:t>
             </a:fld>
             <a:endParaRPr lang="en-US" dirty="0"/>
           </a:p>
@@ -2558,6 +2631,7 @@
           <a:bodyPr wrap="square"/>
           <a:lstStyle/>
           <a:p>
+            <a:pPr/>
             <a:endParaRPr lang="en-US" dirty="0"/>
           </a:p>
         </p:txBody>
@@ -2582,6 +2656,7 @@
           <a:bodyPr wrap="square"/>
           <a:lstStyle/>
           <a:p>
+            <a:pPr/>
             <a:fld id="{E1CC4C9C-B29E-4E68-9F89-CA7A1621DE94}" type="slidenum">
               <a:rPr lang="en-US" dirty="0"/>
               <a:t>‹#›</a:t>
@@ -2606,7 +2681,6 @@
         <a:solidFill>
           <a:schemeClr val="bg1"/>
         </a:solidFill>
-        <a:effectLst/>
       </p:bgPr>
     </p:bg>
     <p:spTree>
@@ -2647,15 +2721,17 @@
           </a:ln>
         </p:spPr>
         <p:txBody>
-          <a:bodyPr wrap="square" lIns="91440" tIns="45720" rIns="91440" bIns="45720" anchor="ctr">
+          <a:bodyPr lIns="91440" tIns="45720" rIns="91440" bIns="45720" anchor="ctr" wrap="square">
             <a:normAutofit/>
           </a:bodyPr>
           <a:lstStyle/>
           <a:p>
+            <a:pPr/>
             <a:r>
               <a:rPr lang="en-US" dirty="0"/>
               <a:t>Click to edit Master title style</a:t>
             </a:r>
+            <a:endParaRPr lang="en-US" dirty="0"/>
           </a:p>
         </p:txBody>
       </p:sp>
@@ -2683,11 +2759,12 @@
           </a:ln>
         </p:spPr>
         <p:txBody>
-          <a:bodyPr wrap="square" lIns="91440" tIns="45720" rIns="91440" bIns="45720">
+          <a:bodyPr lIns="91440" tIns="45720" rIns="91440" bIns="45720" wrap="square">
             <a:normAutofit/>
           </a:bodyPr>
           <a:lstStyle/>
           <a:p>
+            <a:pPr/>
             <a:r>
               <a:rPr lang="en-US" dirty="0"/>
               <a:t>Click to edit Master text styles</a:t>
@@ -2720,6 +2797,7 @@
               <a:rPr lang="en-US" dirty="0"/>
               <a:t>Fifth level</a:t>
             </a:r>
+            <a:endParaRPr lang="en-US" dirty="0"/>
           </a:p>
         </p:txBody>
       </p:sp>
@@ -2747,7 +2825,7 @@
           </a:ln>
         </p:spPr>
         <p:txBody>
-          <a:bodyPr wrap="square" lIns="91440" tIns="45720" rIns="91440" bIns="45720" anchor="ctr"/>
+          <a:bodyPr lIns="91440" tIns="45720" rIns="91440" bIns="45720" anchor="ctr" wrap="square"/>
           <a:lstStyle>
             <a:lvl1pPr algn="l">
               <a:defRPr sz="1200" dirty="0">
@@ -2760,9 +2838,10 @@
             </a:lvl1pPr>
           </a:lstStyle>
           <a:p>
+            <a:pPr/>
             <a:fld id="{D4630D1D-EC81-4D12-BBAE-7AD5C46FE905}" type="datetimeFigureOut">
               <a:rPr lang="en-US" dirty="0"/>
-              <a:t>11/1/2024</a:t>
+              <a:t>7/8/2015</a:t>
             </a:fld>
             <a:endParaRPr lang="en-US" dirty="0"/>
           </a:p>
@@ -2792,7 +2871,7 @@
           </a:ln>
         </p:spPr>
         <p:txBody>
-          <a:bodyPr wrap="square" lIns="91440" tIns="45720" rIns="91440" bIns="45720" anchor="ctr"/>
+          <a:bodyPr lIns="91440" tIns="45720" rIns="91440" bIns="45720" anchor="ctr" wrap="square"/>
           <a:lstStyle>
             <a:lvl1pPr algn="ctr">
               <a:defRPr sz="1200" dirty="0">
@@ -2805,6 +2884,7 @@
             </a:lvl1pPr>
           </a:lstStyle>
           <a:p>
+            <a:pPr/>
             <a:endParaRPr lang="en-US" dirty="0"/>
           </a:p>
         </p:txBody>
@@ -2833,7 +2913,7 @@
           </a:ln>
         </p:spPr>
         <p:txBody>
-          <a:bodyPr wrap="square" lIns="91440" tIns="45720" rIns="91440" bIns="45720" anchor="ctr"/>
+          <a:bodyPr lIns="91440" tIns="45720" rIns="91440" bIns="45720" anchor="ctr" wrap="square"/>
           <a:lstStyle>
             <a:lvl1pPr algn="r">
               <a:defRPr sz="1200" dirty="0">
@@ -2846,6 +2926,7 @@
             </a:lvl1pPr>
           </a:lstStyle>
           <a:p>
+            <a:pPr/>
             <a:fld id="{E1CC4C9C-B29E-4E68-9F89-CA7A1621DE94}" type="slidenum">
               <a:rPr lang="en-US" dirty="0"/>
               <a:t>‹#›</a:t>
@@ -2872,7 +2953,7 @@
   </p:sldLayoutIdLst>
   <p:txStyles>
     <p:titleStyle>
-      <a:lvl1pPr algn="l" defTabSz="914400" rtl="0">
+      <a:lvl1pPr rtl="0" algn="l" defTabSz="914400">
         <a:lnSpc>
           <a:spcPct val="90000"/>
         </a:lnSpc>
@@ -2891,7 +2972,7 @@
       </a:lvl1pPr>
     </p:titleStyle>
     <p:bodyStyle>
-      <a:lvl1pPr marL="228600" indent="-228600" algn="l" defTabSz="914400" rtl="0">
+      <a:lvl1pPr marL="228600" indent="-228600" rtl="0" algn="l" defTabSz="914400">
         <a:lnSpc>
           <a:spcPct val="90000"/>
         </a:lnSpc>
@@ -2909,7 +2990,7 @@
           <a:cs typeface="+mn-cs"/>
         </a:defRPr>
       </a:lvl1pPr>
-      <a:lvl2pPr marL="685800" indent="-228600" algn="l" defTabSz="914400" rtl="0">
+      <a:lvl2pPr marL="685800" indent="-228600" rtl="0" algn="l" defTabSz="914400">
         <a:lnSpc>
           <a:spcPct val="90000"/>
         </a:lnSpc>
@@ -2927,7 +3008,7 @@
           <a:cs typeface="+mn-cs"/>
         </a:defRPr>
       </a:lvl2pPr>
-      <a:lvl3pPr marL="1143000" indent="-228600" algn="l" defTabSz="914400" rtl="0">
+      <a:lvl3pPr marL="1143000" indent="-228600" rtl="0" algn="l" defTabSz="914400">
         <a:lnSpc>
           <a:spcPct val="90000"/>
         </a:lnSpc>
@@ -2945,7 +3026,7 @@
           <a:cs typeface="+mn-cs"/>
         </a:defRPr>
       </a:lvl3pPr>
-      <a:lvl4pPr marL="1600200" indent="-228600" algn="l" defTabSz="914400" rtl="0">
+      <a:lvl4pPr marL="1600200" indent="-228600" rtl="0" algn="l" defTabSz="914400">
         <a:lnSpc>
           <a:spcPct val="90000"/>
         </a:lnSpc>
@@ -2963,7 +3044,7 @@
           <a:cs typeface="+mn-cs"/>
         </a:defRPr>
       </a:lvl4pPr>
-      <a:lvl5pPr marL="2057400" indent="-228600" algn="l" defTabSz="914400" rtl="0">
+      <a:lvl5pPr marL="2057400" indent="-228600" rtl="0" algn="l" defTabSz="914400">
         <a:lnSpc>
           <a:spcPct val="90000"/>
         </a:lnSpc>
@@ -2981,7 +3062,7 @@
           <a:cs typeface="+mn-cs"/>
         </a:defRPr>
       </a:lvl5pPr>
-      <a:lvl6pPr marL="2514600" indent="-228600" algn="l" defTabSz="914400" rtl="0">
+      <a:lvl6pPr marL="2514600" indent="-228600" rtl="0" algn="l" defTabSz="914400">
         <a:lnSpc>
           <a:spcPct val="90000"/>
         </a:lnSpc>
@@ -2999,7 +3080,7 @@
           <a:cs typeface="+mn-cs"/>
         </a:defRPr>
       </a:lvl6pPr>
-      <a:lvl7pPr marL="2971800" indent="-228600" algn="l" defTabSz="914400" rtl="0">
+      <a:lvl7pPr marL="2971800" indent="-228600" rtl="0" algn="l" defTabSz="914400">
         <a:lnSpc>
           <a:spcPct val="90000"/>
         </a:lnSpc>
@@ -3017,7 +3098,7 @@
           <a:cs typeface="+mn-cs"/>
         </a:defRPr>
       </a:lvl7pPr>
-      <a:lvl8pPr marL="3429000" indent="-228600" algn="l" defTabSz="914400" rtl="0">
+      <a:lvl8pPr marL="3429000" indent="-228600" rtl="0" algn="l" defTabSz="914400">
         <a:lnSpc>
           <a:spcPct val="90000"/>
         </a:lnSpc>
@@ -3035,7 +3116,7 @@
           <a:cs typeface="+mn-cs"/>
         </a:defRPr>
       </a:lvl8pPr>
-      <a:lvl9pPr marL="3886200" indent="-228600" algn="l" defTabSz="914400" rtl="0">
+      <a:lvl9pPr marL="3886200" indent="-228600" rtl="0" algn="l" defTabSz="914400">
         <a:lnSpc>
           <a:spcPct val="90000"/>
         </a:lnSpc>
@@ -3058,7 +3139,7 @@
       <a:defPPr defTabSz="914400">
         <a:defRPr lang="en-US" dirty="0"/>
       </a:defPPr>
-      <a:lvl1pPr marL="0" algn="l" defTabSz="914400" rtl="0">
+      <a:lvl1pPr marL="0" rtl="0" algn="l" defTabSz="914400">
         <a:defRPr sz="1800" kern="1200" dirty="0">
           <a:solidFill>
             <a:schemeClr val="tx1"/>
@@ -3068,7 +3149,7 @@
           <a:cs typeface="+mn-cs"/>
         </a:defRPr>
       </a:lvl1pPr>
-      <a:lvl2pPr marL="457200" algn="l" defTabSz="914400" rtl="0">
+      <a:lvl2pPr marL="457200" rtl="0" algn="l" defTabSz="914400">
         <a:defRPr sz="1800" kern="1200" dirty="0">
           <a:solidFill>
             <a:schemeClr val="tx1"/>
@@ -3078,7 +3159,7 @@
           <a:cs typeface="+mn-cs"/>
         </a:defRPr>
       </a:lvl2pPr>
-      <a:lvl3pPr marL="914400" algn="l" defTabSz="914400" rtl="0">
+      <a:lvl3pPr marL="914400" rtl="0" algn="l" defTabSz="914400">
         <a:defRPr sz="1800" kern="1200" dirty="0">
           <a:solidFill>
             <a:schemeClr val="tx1"/>
@@ -3088,7 +3169,7 @@
           <a:cs typeface="+mn-cs"/>
         </a:defRPr>
       </a:lvl3pPr>
-      <a:lvl4pPr marL="1371600" algn="l" defTabSz="914400" rtl="0">
+      <a:lvl4pPr marL="1371600" rtl="0" algn="l" defTabSz="914400">
         <a:defRPr sz="1800" kern="1200" dirty="0">
           <a:solidFill>
             <a:schemeClr val="tx1"/>
@@ -3098,7 +3179,7 @@
           <a:cs typeface="+mn-cs"/>
         </a:defRPr>
       </a:lvl4pPr>
-      <a:lvl5pPr marL="1828800" algn="l" defTabSz="914400" rtl="0">
+      <a:lvl5pPr marL="1828800" rtl="0" algn="l" defTabSz="914400">
         <a:defRPr sz="1800" kern="1200" dirty="0">
           <a:solidFill>
             <a:schemeClr val="tx1"/>
@@ -3108,7 +3189,7 @@
           <a:cs typeface="+mn-cs"/>
         </a:defRPr>
       </a:lvl5pPr>
-      <a:lvl6pPr marL="2286000" algn="l" defTabSz="914400" rtl="0">
+      <a:lvl6pPr marL="2286000" rtl="0" algn="l" defTabSz="914400">
         <a:defRPr sz="1800" kern="1200" dirty="0">
           <a:solidFill>
             <a:schemeClr val="tx1"/>
@@ -3118,7 +3199,7 @@
           <a:cs typeface="+mn-cs"/>
         </a:defRPr>
       </a:lvl6pPr>
-      <a:lvl7pPr marL="2743200" algn="l" defTabSz="914400" rtl="0">
+      <a:lvl7pPr marL="2743200" rtl="0" algn="l" defTabSz="914400">
         <a:defRPr sz="1800" kern="1200" dirty="0">
           <a:solidFill>
             <a:schemeClr val="tx1"/>
@@ -3128,7 +3209,7 @@
           <a:cs typeface="+mn-cs"/>
         </a:defRPr>
       </a:lvl7pPr>
-      <a:lvl8pPr marL="3200400" algn="l" defTabSz="914400" rtl="0">
+      <a:lvl8pPr marL="3200400" rtl="0" algn="l" defTabSz="914400">
         <a:defRPr sz="1800" kern="1200" dirty="0">
           <a:solidFill>
             <a:schemeClr val="tx1"/>
@@ -3138,7 +3219,7 @@
           <a:cs typeface="+mn-cs"/>
         </a:defRPr>
       </a:lvl8pPr>
-      <a:lvl9pPr marL="3657600" algn="l" defTabSz="914400" rtl="0">
+      <a:lvl9pPr marL="3657600" rtl="0" algn="l" defTabSz="914400">
         <a:defRPr sz="1800" kern="1200" dirty="0">
           <a:solidFill>
             <a:schemeClr val="tx1"/>
@@ -3179,7 +3260,7 @@
           <p:nvPr/>
         </p:nvSpPr>
         <p:spPr>
-          <a:xfrm>
+          <a:xfrm rot="0">
             <a:off x="635000" y="635000"/>
             <a:ext cx="7620000" cy="635000"/>
           </a:xfrm>
@@ -3220,7 +3301,7 @@
           <p:nvPr/>
         </p:nvSpPr>
         <p:spPr>
-          <a:xfrm>
+          <a:xfrm rot="0">
             <a:off x="635000" y="1270000"/>
             <a:ext cx="7620000" cy="635000"/>
           </a:xfrm>
@@ -3261,7 +3342,7 @@
           <p:nvPr/>
         </p:nvSpPr>
         <p:spPr>
-          <a:xfrm>
+          <a:xfrm rot="0">
             <a:off x="635000" y="1905000"/>
             <a:ext cx="7620000" cy="635000"/>
           </a:xfrm>
@@ -3288,7 +3369,7 @@
                   </a:srgbClr>
                 </a:solidFill>
               </a:rPr>
-              <a:t>Title: King In Black</a:t>
+              <a:t>Title: Harry potter</a:t>
             </a:r>
           </a:p>
         </p:txBody>
@@ -3302,7 +3383,7 @@
           <p:nvPr/>
         </p:nvSpPr>
         <p:spPr>
-          <a:xfrm>
+          <a:xfrm rot="0">
             <a:off x="635000" y="2540000"/>
             <a:ext cx="7620000" cy="635000"/>
           </a:xfrm>
@@ -3329,7 +3410,7 @@
                   </a:srgbClr>
                 </a:solidFill>
               </a:rPr>
-              <a:t>Description: This is King In Black</a:t>
+              <a:t>Description: This is harry potter</a:t>
             </a:r>
           </a:p>
         </p:txBody>
@@ -3343,7 +3424,7 @@
           <p:nvPr/>
         </p:nvSpPr>
         <p:spPr>
-          <a:xfrm>
+          <a:xfrm rot="0">
             <a:off x="635000" y="3175000"/>
             <a:ext cx="7620000" cy="635000"/>
           </a:xfrm>
@@ -3371,7 +3452,7 @@
                 </a:solidFill>
                 <a:hlinkClick r:id="rId2" action="ppaction://hlinkfile"/>
               </a:rPr>
-              <a:t>ImageUrl: https://colorless-shrimp-958.convex.cloud/api/storage/bc963ec4-0ad1-4ef3-8ed2-20c670e2359f</a:t>
+              <a:t>ImageUrl: https://hearty-sardine-346.convex.cloud/api/storage/3a113a92-2fcd-44fc-a88c-0e9f90620fb2</a:t>
             </a:r>
           </a:p>
         </p:txBody>
@@ -3410,7 +3491,7 @@
           <p:nvPr/>
         </p:nvSpPr>
         <p:spPr>
-          <a:xfrm>
+          <a:xfrm rot="0">
             <a:off x="635000" y="635000"/>
             <a:ext cx="7620000" cy="635000"/>
           </a:xfrm>
@@ -3451,7 +3532,7 @@
           <p:nvPr/>
         </p:nvSpPr>
         <p:spPr>
-          <a:xfrm>
+          <a:xfrm rot="0">
             <a:off x="635000" y="1270000"/>
             <a:ext cx="7620000" cy="635000"/>
           </a:xfrm>
@@ -3492,7 +3573,7 @@
           <p:nvPr/>
         </p:nvSpPr>
         <p:spPr>
-          <a:xfrm>
+          <a:xfrm rot="0">
             <a:off x="635000" y="1905000"/>
             <a:ext cx="7620000" cy="635000"/>
           </a:xfrm>
@@ -3519,7 +3600,7 @@
                   </a:srgbClr>
                 </a:solidFill>
               </a:rPr>
-              <a:t>Title: First chapter of king in black</a:t>
+              <a:t>Title: First chapter of harry potter</a:t>
             </a:r>
           </a:p>
         </p:txBody>
@@ -3533,7 +3614,7 @@
           <p:nvPr/>
         </p:nvSpPr>
         <p:spPr>
-          <a:xfrm>
+          <a:xfrm rot="0">
             <a:off x="635000" y="2540000"/>
             <a:ext cx="7620000" cy="635000"/>
           </a:xfrm>
@@ -3560,213 +3641,7 @@
                   </a:srgbClr>
                 </a:solidFill>
               </a:rPr>
-              <a:t>Content: THIS IS KING IN BLACK1</a:t>
-            </a:r>
-          </a:p>
-        </p:txBody>
-      </p:sp>
-    </p:spTree>
-  </p:cSld>
-  <p:clrMapOvr>
-    <a:masterClrMapping/>
-  </p:clrMapOvr>
-</p:sld>
-</file>
-
-<file path=ppt/slides/slide3.xml><?xml version="1.0" encoding="utf-8"?>
-<p:sld xmlns:a="http://schemas.openxmlformats.org/drawingml/2006/main" xmlns:r="http://schemas.openxmlformats.org/officeDocument/2006/relationships" xmlns:p="http://schemas.openxmlformats.org/presentationml/2006/main">
-  <p:cSld>
-    <p:spTree>
-      <p:nvGrpSpPr>
-        <p:cNvPr id="1" name=""/>
-        <p:cNvGrpSpPr/>
-        <p:nvPr/>
-      </p:nvGrpSpPr>
-      <p:grpSpPr>
-        <a:xfrm>
-          <a:off x="0" y="0"/>
-          <a:ext cx="0" cy="0"/>
-          <a:chOff x="0" y="0"/>
-          <a:chExt cx="0" cy="0"/>
-        </a:xfrm>
-      </p:grpSpPr>
-      <p:sp>
-        <p:nvSpPr>
-          <p:cNvPr id="2" name="TextBox2"/>
-          <p:cNvSpPr txBox="1">
-            <a:spLocks noChangeArrowheads="1"/>
-          </p:cNvSpPr>
-          <p:nvPr/>
-        </p:nvSpPr>
-        <p:spPr>
-          <a:xfrm>
-            <a:off x="635000" y="635000"/>
-            <a:ext cx="7620000" cy="523220"/>
-          </a:xfrm>
-          <a:prstGeom prst="rect">
-            <a:avLst/>
-          </a:prstGeom>
-          <a:ln>
-            <a:headEnd type="none"/>
-            <a:tailEnd type="none"/>
-          </a:ln>
-        </p:spPr>
-        <p:txBody>
-          <a:bodyPr wrap="square">
-            <a:spAutoFit/>
-          </a:bodyPr>
-          <a:lstStyle/>
-          <a:p>
-            <a:pPr defTabSz="914400"/>
-            <a:r>
-              <a:rPr sz="2800" b="1" i="0" dirty="0">
-                <a:solidFill>
-                  <a:srgbClr val="000000">
-                    <a:alpha val="100000"/>
-                  </a:srgbClr>
-                </a:solidFill>
-              </a:rPr>
-              <a:t>Chapter: </a:t>
-            </a:r>
-            <a:r>
-              <a:rPr lang="en-US" sz="2800" b="1" i="0" dirty="0">
-                <a:solidFill>
-                  <a:srgbClr val="000000">
-                    <a:alpha val="100000"/>
-                  </a:srgbClr>
-                </a:solidFill>
-              </a:rPr>
-              <a:t>1</a:t>
-            </a:r>
-            <a:endParaRPr sz="2800" b="1" i="0" dirty="0">
-              <a:solidFill>
-                <a:srgbClr val="000000">
-                  <a:alpha val="100000"/>
-                </a:srgbClr>
-              </a:solidFill>
-            </a:endParaRPr>
-          </a:p>
-        </p:txBody>
-      </p:sp>
-      <p:sp>
-        <p:nvSpPr>
-          <p:cNvPr id="3" name="TextBox3"/>
-          <p:cNvSpPr txBox="1">
-            <a:spLocks noChangeArrowheads="1"/>
-          </p:cNvSpPr>
-          <p:nvPr/>
-        </p:nvSpPr>
-        <p:spPr>
-          <a:xfrm>
-            <a:off x="635000" y="1270000"/>
-            <a:ext cx="7620000" cy="635000"/>
-          </a:xfrm>
-          <a:prstGeom prst="rect">
-            <a:avLst/>
-          </a:prstGeom>
-          <a:ln>
-            <a:headEnd type="none"/>
-            <a:tailEnd type="none"/>
-          </a:ln>
-        </p:spPr>
-        <p:txBody>
-          <a:bodyPr wrap="square">
-            <a:spAutoFit/>
-          </a:bodyPr>
-          <a:lstStyle/>
-          <a:p>
-            <a:pPr defTabSz="914400"/>
-            <a:r>
-              <a:rPr sz="1800" b="0" i="0" dirty="0">
-                <a:solidFill>
-                  <a:srgbClr val="D07886">
-                    <a:alpha val="100000"/>
-                  </a:srgbClr>
-                </a:solidFill>
-              </a:rPr>
-              <a:t>Book Id: 412</a:t>
-            </a:r>
-          </a:p>
-        </p:txBody>
-      </p:sp>
-      <p:sp>
-        <p:nvSpPr>
-          <p:cNvPr id="4" name="TextBox4"/>
-          <p:cNvSpPr txBox="1">
-            <a:spLocks noChangeArrowheads="1"/>
-          </p:cNvSpPr>
-          <p:nvPr/>
-        </p:nvSpPr>
-        <p:spPr>
-          <a:xfrm>
-            <a:off x="635000" y="1905000"/>
-            <a:ext cx="7620000" cy="635000"/>
-          </a:xfrm>
-          <a:prstGeom prst="rect">
-            <a:avLst/>
-          </a:prstGeom>
-          <a:ln>
-            <a:headEnd type="none"/>
-            <a:tailEnd type="none"/>
-          </a:ln>
-        </p:spPr>
-        <p:txBody>
-          <a:bodyPr wrap="square">
-            <a:spAutoFit/>
-          </a:bodyPr>
-          <a:lstStyle/>
-          <a:p>
-            <a:pPr defTabSz="914400"/>
-            <a:r>
-              <a:rPr sz="2400" b="1" i="0" dirty="0">
-                <a:solidFill>
-                  <a:srgbClr val="000000">
-                    <a:alpha val="100000"/>
-                  </a:srgbClr>
-                </a:solidFill>
-              </a:rPr>
-              <a:t>Title: Second chapter of king in black</a:t>
-            </a:r>
-          </a:p>
-        </p:txBody>
-      </p:sp>
-      <p:sp>
-        <p:nvSpPr>
-          <p:cNvPr id="5" name="TextBox5"/>
-          <p:cNvSpPr txBox="1">
-            <a:spLocks noChangeArrowheads="1"/>
-          </p:cNvSpPr>
-          <p:nvPr/>
-        </p:nvSpPr>
-        <p:spPr>
-          <a:xfrm>
-            <a:off x="635000" y="2540000"/>
-            <a:ext cx="7620000" cy="635000"/>
-          </a:xfrm>
-          <a:prstGeom prst="rect">
-            <a:avLst/>
-          </a:prstGeom>
-          <a:ln>
-            <a:headEnd type="none"/>
-            <a:tailEnd type="none"/>
-          </a:ln>
-        </p:spPr>
-        <p:txBody>
-          <a:bodyPr wrap="square">
-            <a:spAutoFit/>
-          </a:bodyPr>
-          <a:lstStyle/>
-          <a:p>
-            <a:pPr defTabSz="914400"/>
-            <a:r>
-              <a:rPr sz="1800" b="0" i="0" dirty="0">
-                <a:solidFill>
-                  <a:srgbClr val="000000">
-                    <a:alpha val="100000"/>
-                  </a:srgbClr>
-                </a:solidFill>
-              </a:rPr>
-              <a:t>Content: THIS IS KING IN BLACK2</a:t>
+              <a:t>Content: THIS IS HARRY POTTER 1</a:t>
             </a:r>
           </a:p>
         </p:txBody>
@@ -3787,7 +3662,7 @@
         <a:srgbClr val="000000"/>
       </a:dk1>
       <a:lt1>
-        <a:srgbClr val="FFFFFF"/>
+        <a:srgbClr val="ffffff"/>
       </a:lt1>
       <a:dk2>
         <a:srgbClr val="44546A"/>
@@ -4036,7 +3911,5 @@
       </a:bgFillStyleLst>
     </a:fmtScheme>
   </a:themeElements>
-  <a:objectDefaults/>
-  <a:extraClrSchemeLst/>
 </a:theme>
 </file>
--- a/Storage/App_Data/Books/Solace.pptx
+++ b/Storage/App_Data/Books/Solace.pptx
@@ -5,16 +5,16 @@
     <p:sldMasterId id="2147483648" r:id="rId1"/>
   </p:sldMasterIdLst>
   <p:sldIdLst>
-    <p:sldId id="256" r:id="rId6"/>
-    <p:sldId id="257" r:id="rId7"/>
+    <p:sldId id="256" r:id="rId2"/>
+    <p:sldId id="257" r:id="rId3"/>
   </p:sldIdLst>
-  <p:sldSz cx="12192000" cy="6858000" type="custom"/>
+  <p:sldSz cx="12192000" cy="6858000"/>
   <p:notesSz cx="6858000" cy="9144000"/>
   <p:defaultTextStyle>
     <a:defPPr defTabSz="914400">
       <a:defRPr lang="en-US" dirty="0"/>
     </a:defPPr>
-    <a:lvl1pPr marL="0" rtl="0" algn="l" defTabSz="914400">
+    <a:lvl1pPr marL="0" algn="l" defTabSz="914400" rtl="0">
       <a:defRPr sz="1800" kern="1200" dirty="0">
         <a:solidFill>
           <a:schemeClr val="tx1"/>
@@ -24,7 +24,7 @@
         <a:cs typeface="+mn-cs"/>
       </a:defRPr>
     </a:lvl1pPr>
-    <a:lvl2pPr marL="457200" rtl="0" algn="l" defTabSz="914400">
+    <a:lvl2pPr marL="457200" algn="l" defTabSz="914400" rtl="0">
       <a:defRPr sz="1800" kern="1200" dirty="0">
         <a:solidFill>
           <a:schemeClr val="tx1"/>
@@ -34,7 +34,7 @@
         <a:cs typeface="+mn-cs"/>
       </a:defRPr>
     </a:lvl2pPr>
-    <a:lvl3pPr marL="914400" rtl="0" algn="l" defTabSz="914400">
+    <a:lvl3pPr marL="914400" algn="l" defTabSz="914400" rtl="0">
       <a:defRPr sz="1800" kern="1200" dirty="0">
         <a:solidFill>
           <a:schemeClr val="tx1"/>
@@ -44,7 +44,7 @@
         <a:cs typeface="+mn-cs"/>
       </a:defRPr>
     </a:lvl3pPr>
-    <a:lvl4pPr marL="1371600" rtl="0" algn="l" defTabSz="914400">
+    <a:lvl4pPr marL="1371600" algn="l" defTabSz="914400" rtl="0">
       <a:defRPr sz="1800" kern="1200" dirty="0">
         <a:solidFill>
           <a:schemeClr val="tx1"/>
@@ -54,7 +54,7 @@
         <a:cs typeface="+mn-cs"/>
       </a:defRPr>
     </a:lvl4pPr>
-    <a:lvl5pPr marL="1828800" rtl="0" algn="l" defTabSz="914400">
+    <a:lvl5pPr marL="1828800" algn="l" defTabSz="914400" rtl="0">
       <a:defRPr sz="1800" kern="1200" dirty="0">
         <a:solidFill>
           <a:schemeClr val="tx1"/>
@@ -64,7 +64,7 @@
         <a:cs typeface="+mn-cs"/>
       </a:defRPr>
     </a:lvl5pPr>
-    <a:lvl6pPr marL="2286000" rtl="0" algn="l" defTabSz="914400">
+    <a:lvl6pPr marL="2286000" algn="l" defTabSz="914400" rtl="0">
       <a:defRPr sz="1800" kern="1200" dirty="0">
         <a:solidFill>
           <a:schemeClr val="tx1"/>
@@ -74,7 +74,7 @@
         <a:cs typeface="+mn-cs"/>
       </a:defRPr>
     </a:lvl6pPr>
-    <a:lvl7pPr marL="2743200" rtl="0" algn="l" defTabSz="914400">
+    <a:lvl7pPr marL="2743200" algn="l" defTabSz="914400" rtl="0">
       <a:defRPr sz="1800" kern="1200" dirty="0">
         <a:solidFill>
           <a:schemeClr val="tx1"/>
@@ -84,7 +84,7 @@
         <a:cs typeface="+mn-cs"/>
       </a:defRPr>
     </a:lvl7pPr>
-    <a:lvl8pPr marL="3200400" rtl="0" algn="l" defTabSz="914400">
+    <a:lvl8pPr marL="3200400" algn="l" defTabSz="914400" rtl="0">
       <a:defRPr sz="1800" kern="1200" dirty="0">
         <a:solidFill>
           <a:schemeClr val="tx1"/>
@@ -94,7 +94,7 @@
         <a:cs typeface="+mn-cs"/>
       </a:defRPr>
     </a:lvl8pPr>
-    <a:lvl9pPr marL="3657600" rtl="0" algn="l" defTabSz="914400">
+    <a:lvl9pPr marL="3657600" algn="l" defTabSz="914400" rtl="0">
       <a:defRPr sz="1800" kern="1200" dirty="0">
         <a:solidFill>
           <a:schemeClr val="tx1"/>
@@ -105,11 +105,12 @@
       </a:defRPr>
     </a:lvl9pPr>
   </p:defaultTextStyle>
+  <p:extLst>
+    <p:ext uri="{EFAFB233-063F-42B5-8137-9DF3F51BA10A}">
+      <p15:sldGuideLst xmlns:p15="http://schemas.microsoft.com/office/powerpoint/2012/main"/>
+    </p:ext>
+  </p:extLst>
 </p:presentation>
-</file>
-
-<file path=ppt/commentAuthors.xml><?xml version="1.0" encoding="utf-8"?>
-<p:cmAuthorLst xmlns:a="http://schemas.openxmlformats.org/drawingml/2006/main" xmlns:r="http://schemas.openxmlformats.org/officeDocument/2006/relationships" xmlns:p="http://schemas.openxmlformats.org/presentationml/2006/main"/>
 </file>
 
 <file path=ppt/slideLayouts/slideLayout1.xml><?xml version="1.0" encoding="utf-8"?>
@@ -150,19 +151,17 @@
           </a:ln>
         </p:spPr>
         <p:txBody>
-          <a:bodyPr anchor="b" wrap="square"/>
+          <a:bodyPr wrap="square" anchor="b"/>
           <a:lstStyle>
             <a:lvl1pPr algn="ctr">
               <a:defRPr sz="6000" dirty="0"/>
             </a:lvl1pPr>
           </a:lstStyle>
           <a:p>
-            <a:pPr/>
             <a:r>
               <a:rPr lang="en-US" dirty="0"/>
               <a:t>Click to edit Master title style</a:t>
             </a:r>
-            <a:endParaRPr lang="en-US" dirty="0"/>
           </a:p>
         </p:txBody>
       </p:sp>
@@ -227,12 +226,10 @@
             </a:lvl9pPr>
           </a:lstStyle>
           <a:p>
-            <a:pPr/>
             <a:r>
               <a:rPr lang="en-US" dirty="0"/>
               <a:t>Click to edit Master subtitle style</a:t>
             </a:r>
-            <a:endParaRPr lang="en-US" dirty="0"/>
           </a:p>
         </p:txBody>
       </p:sp>
@@ -256,10 +253,9 @@
           <a:bodyPr wrap="square"/>
           <a:lstStyle/>
           <a:p>
-            <a:pPr/>
             <a:fld id="{D4630D1D-EC81-4D12-BBAE-7AD5C46FE905}" type="datetimeFigureOut">
               <a:rPr lang="en-US" dirty="0"/>
-              <a:t>7/8/2015</a:t>
+              <a:t>11/24/2024</a:t>
             </a:fld>
             <a:endParaRPr lang="en-US" dirty="0"/>
           </a:p>
@@ -285,7 +281,6 @@
           <a:bodyPr wrap="square"/>
           <a:lstStyle/>
           <a:p>
-            <a:pPr/>
             <a:endParaRPr lang="en-US" dirty="0"/>
           </a:p>
         </p:txBody>
@@ -310,7 +305,6 @@
           <a:bodyPr wrap="square"/>
           <a:lstStyle/>
           <a:p>
-            <a:pPr/>
             <a:fld id="{E1CC4C9C-B29E-4E68-9F89-CA7A1621DE94}" type="slidenum">
               <a:rPr lang="en-US" dirty="0"/>
               <a:t>‹#›</a:t>
@@ -364,12 +358,10 @@
           <a:bodyPr wrap="square"/>
           <a:lstStyle/>
           <a:p>
-            <a:pPr/>
             <a:r>
               <a:rPr lang="en-US" dirty="0"/>
               <a:t>Click to edit Master title style</a:t>
             </a:r>
-            <a:endParaRPr lang="en-US" dirty="0"/>
           </a:p>
         </p:txBody>
       </p:sp>
@@ -393,7 +385,6 @@
           <a:bodyPr vert="eaVert" wrap="square"/>
           <a:lstStyle/>
           <a:p>
-            <a:pPr/>
             <a:r>
               <a:rPr lang="en-US" dirty="0"/>
               <a:t>Click to edit Master text styles</a:t>
@@ -426,7 +417,6 @@
               <a:rPr lang="en-US" dirty="0"/>
               <a:t>Fifth level</a:t>
             </a:r>
-            <a:endParaRPr lang="en-US" dirty="0"/>
           </a:p>
         </p:txBody>
       </p:sp>
@@ -450,10 +440,9 @@
           <a:bodyPr wrap="square"/>
           <a:lstStyle/>
           <a:p>
-            <a:pPr/>
             <a:fld id="{D4630D1D-EC81-4D12-BBAE-7AD5C46FE905}" type="datetimeFigureOut">
               <a:rPr lang="en-US" dirty="0"/>
-              <a:t>7/8/2015</a:t>
+              <a:t>11/24/2024</a:t>
             </a:fld>
             <a:endParaRPr lang="en-US" dirty="0"/>
           </a:p>
@@ -479,7 +468,6 @@
           <a:bodyPr wrap="square"/>
           <a:lstStyle/>
           <a:p>
-            <a:pPr/>
             <a:endParaRPr lang="en-US" dirty="0"/>
           </a:p>
         </p:txBody>
@@ -504,7 +492,6 @@
           <a:bodyPr wrap="square"/>
           <a:lstStyle/>
           <a:p>
-            <a:pPr/>
             <a:fld id="{E1CC4C9C-B29E-4E68-9F89-CA7A1621DE94}" type="slidenum">
               <a:rPr lang="en-US" dirty="0"/>
               <a:t>‹#›</a:t>
@@ -562,12 +549,10 @@
           <a:bodyPr vert="eaVert" wrap="square"/>
           <a:lstStyle/>
           <a:p>
-            <a:pPr/>
             <a:r>
               <a:rPr lang="en-US" dirty="0"/>
               <a:t>Click to edit Master title style</a:t>
             </a:r>
-            <a:endParaRPr lang="en-US" dirty="0"/>
           </a:p>
         </p:txBody>
       </p:sp>
@@ -595,7 +580,6 @@
           <a:bodyPr vert="eaVert" wrap="square"/>
           <a:lstStyle/>
           <a:p>
-            <a:pPr/>
             <a:r>
               <a:rPr lang="en-US" dirty="0"/>
               <a:t>Click to edit Master text styles</a:t>
@@ -628,7 +612,6 @@
               <a:rPr lang="en-US" dirty="0"/>
               <a:t>Fifth level</a:t>
             </a:r>
-            <a:endParaRPr lang="en-US" dirty="0"/>
           </a:p>
         </p:txBody>
       </p:sp>
@@ -652,10 +635,9 @@
           <a:bodyPr wrap="square"/>
           <a:lstStyle/>
           <a:p>
-            <a:pPr/>
             <a:fld id="{D4630D1D-EC81-4D12-BBAE-7AD5C46FE905}" type="datetimeFigureOut">
               <a:rPr lang="en-US" dirty="0"/>
-              <a:t>7/8/2015</a:t>
+              <a:t>11/24/2024</a:t>
             </a:fld>
             <a:endParaRPr lang="en-US" dirty="0"/>
           </a:p>
@@ -681,7 +663,6 @@
           <a:bodyPr wrap="square"/>
           <a:lstStyle/>
           <a:p>
-            <a:pPr/>
             <a:endParaRPr lang="en-US" dirty="0"/>
           </a:p>
         </p:txBody>
@@ -706,7 +687,6 @@
           <a:bodyPr wrap="square"/>
           <a:lstStyle/>
           <a:p>
-            <a:pPr/>
             <a:fld id="{E1CC4C9C-B29E-4E68-9F89-CA7A1621DE94}" type="slidenum">
               <a:rPr lang="en-US" dirty="0"/>
               <a:t>‹#›</a:t>
@@ -760,12 +740,10 @@
           <a:bodyPr wrap="square"/>
           <a:lstStyle/>
           <a:p>
-            <a:pPr/>
             <a:r>
               <a:rPr lang="en-US" dirty="0"/>
               <a:t>Click to edit Master title style</a:t>
             </a:r>
-            <a:endParaRPr lang="en-US" dirty="0"/>
           </a:p>
         </p:txBody>
       </p:sp>
@@ -789,7 +767,6 @@
           <a:bodyPr wrap="square"/>
           <a:lstStyle/>
           <a:p>
-            <a:pPr/>
             <a:r>
               <a:rPr lang="en-US" dirty="0"/>
               <a:t>Click to edit Master text styles</a:t>
@@ -822,7 +799,6 @@
               <a:rPr lang="en-US" dirty="0"/>
               <a:t>Fifth level</a:t>
             </a:r>
-            <a:endParaRPr lang="en-US" dirty="0"/>
           </a:p>
         </p:txBody>
       </p:sp>
@@ -846,10 +822,9 @@
           <a:bodyPr wrap="square"/>
           <a:lstStyle/>
           <a:p>
-            <a:pPr/>
             <a:fld id="{D4630D1D-EC81-4D12-BBAE-7AD5C46FE905}" type="datetimeFigureOut">
               <a:rPr lang="en-US" dirty="0"/>
-              <a:t>7/8/2015</a:t>
+              <a:t>11/24/2024</a:t>
             </a:fld>
             <a:endParaRPr lang="en-US" dirty="0"/>
           </a:p>
@@ -875,7 +850,6 @@
           <a:bodyPr wrap="square"/>
           <a:lstStyle/>
           <a:p>
-            <a:pPr/>
             <a:endParaRPr lang="en-US" dirty="0"/>
           </a:p>
         </p:txBody>
@@ -900,7 +874,6 @@
           <a:bodyPr wrap="square"/>
           <a:lstStyle/>
           <a:p>
-            <a:pPr/>
             <a:fld id="{E1CC4C9C-B29E-4E68-9F89-CA7A1621DE94}" type="slidenum">
               <a:rPr lang="en-US" dirty="0"/>
               <a:t>‹#›</a:t>
@@ -955,19 +928,17 @@
           </a:ln>
         </p:spPr>
         <p:txBody>
-          <a:bodyPr anchor="b" wrap="square"/>
+          <a:bodyPr wrap="square" anchor="b"/>
           <a:lstStyle>
             <a:lvl1pPr>
               <a:defRPr sz="6000" dirty="0"/>
             </a:lvl1pPr>
           </a:lstStyle>
           <a:p>
-            <a:pPr/>
             <a:r>
               <a:rPr lang="en-US" dirty="0"/>
               <a:t>Click to edit Master title style</a:t>
             </a:r>
-            <a:endParaRPr lang="en-US" dirty="0"/>
           </a:p>
         </p:txBody>
       </p:sp>
@@ -1086,7 +1057,6 @@
             </a:lvl9pPr>
           </a:lstStyle>
           <a:p>
-            <a:pPr/>
             <a:r>
               <a:rPr lang="en-US" dirty="0"/>
               <a:t>Click to edit Master text styles</a:t>
@@ -1114,10 +1084,9 @@
           <a:bodyPr wrap="square"/>
           <a:lstStyle/>
           <a:p>
-            <a:pPr/>
             <a:fld id="{D4630D1D-EC81-4D12-BBAE-7AD5C46FE905}" type="datetimeFigureOut">
               <a:rPr lang="en-US" dirty="0"/>
-              <a:t>7/8/2015</a:t>
+              <a:t>11/24/2024</a:t>
             </a:fld>
             <a:endParaRPr lang="en-US" dirty="0"/>
           </a:p>
@@ -1143,7 +1112,6 @@
           <a:bodyPr wrap="square"/>
           <a:lstStyle/>
           <a:p>
-            <a:pPr/>
             <a:endParaRPr lang="en-US" dirty="0"/>
           </a:p>
         </p:txBody>
@@ -1168,7 +1136,6 @@
           <a:bodyPr wrap="square"/>
           <a:lstStyle/>
           <a:p>
-            <a:pPr/>
             <a:fld id="{E1CC4C9C-B29E-4E68-9F89-CA7A1621DE94}" type="slidenum">
               <a:rPr lang="en-US" dirty="0"/>
               <a:t>‹#›</a:t>
@@ -1222,12 +1189,10 @@
           <a:bodyPr wrap="square"/>
           <a:lstStyle/>
           <a:p>
-            <a:pPr/>
             <a:r>
               <a:rPr lang="en-US" dirty="0"/>
               <a:t>Click to edit Master title style</a:t>
             </a:r>
-            <a:endParaRPr lang="en-US" dirty="0"/>
           </a:p>
         </p:txBody>
       </p:sp>
@@ -1255,7 +1220,6 @@
           <a:bodyPr wrap="square"/>
           <a:lstStyle/>
           <a:p>
-            <a:pPr/>
             <a:r>
               <a:rPr lang="en-US" dirty="0"/>
               <a:t>Click to edit Master text styles</a:t>
@@ -1288,7 +1252,6 @@
               <a:rPr lang="en-US" dirty="0"/>
               <a:t>Fifth level</a:t>
             </a:r>
-            <a:endParaRPr lang="en-US" dirty="0"/>
           </a:p>
         </p:txBody>
       </p:sp>
@@ -1316,7 +1279,6 @@
           <a:bodyPr wrap="square"/>
           <a:lstStyle/>
           <a:p>
-            <a:pPr/>
             <a:r>
               <a:rPr lang="en-US" dirty="0"/>
               <a:t>Click to edit Master text styles</a:t>
@@ -1349,7 +1311,6 @@
               <a:rPr lang="en-US" dirty="0"/>
               <a:t>Fifth level</a:t>
             </a:r>
-            <a:endParaRPr lang="en-US" dirty="0"/>
           </a:p>
         </p:txBody>
       </p:sp>
@@ -1373,10 +1334,9 @@
           <a:bodyPr wrap="square"/>
           <a:lstStyle/>
           <a:p>
-            <a:pPr/>
             <a:fld id="{D4630D1D-EC81-4D12-BBAE-7AD5C46FE905}" type="datetimeFigureOut">
               <a:rPr lang="en-US" dirty="0"/>
-              <a:t>7/8/2015</a:t>
+              <a:t>11/24/2024</a:t>
             </a:fld>
             <a:endParaRPr lang="en-US" dirty="0"/>
           </a:p>
@@ -1402,7 +1362,6 @@
           <a:bodyPr wrap="square"/>
           <a:lstStyle/>
           <a:p>
-            <a:pPr/>
             <a:endParaRPr lang="en-US" dirty="0"/>
           </a:p>
         </p:txBody>
@@ -1427,7 +1386,6 @@
           <a:bodyPr wrap="square"/>
           <a:lstStyle/>
           <a:p>
-            <a:pPr/>
             <a:fld id="{E1CC4C9C-B29E-4E68-9F89-CA7A1621DE94}" type="slidenum">
               <a:rPr lang="en-US" dirty="0"/>
               <a:t>‹#›</a:t>
@@ -1485,12 +1443,10 @@
           <a:bodyPr wrap="square"/>
           <a:lstStyle/>
           <a:p>
-            <a:pPr/>
             <a:r>
               <a:rPr lang="en-US" dirty="0"/>
               <a:t>Click to edit Master title style</a:t>
             </a:r>
-            <a:endParaRPr lang="en-US" dirty="0"/>
           </a:p>
         </p:txBody>
       </p:sp>
@@ -1515,7 +1471,7 @@
           </a:ln>
         </p:spPr>
         <p:txBody>
-          <a:bodyPr anchor="b" wrap="square"/>
+          <a:bodyPr wrap="square" anchor="b"/>
           <a:lstStyle>
             <a:lvl1pPr marL="0" indent="0">
               <a:buNone/>
@@ -1555,7 +1511,6 @@
             </a:lvl9pPr>
           </a:lstStyle>
           <a:p>
-            <a:pPr/>
             <a:r>
               <a:rPr lang="en-US" dirty="0"/>
               <a:t>Click to edit Master text styles</a:t>
@@ -1587,7 +1542,6 @@
           <a:bodyPr wrap="square"/>
           <a:lstStyle/>
           <a:p>
-            <a:pPr/>
             <a:r>
               <a:rPr lang="en-US" dirty="0"/>
               <a:t>Click to edit Master text styles</a:t>
@@ -1620,7 +1574,6 @@
               <a:rPr lang="en-US" dirty="0"/>
               <a:t>Fifth level</a:t>
             </a:r>
-            <a:endParaRPr lang="en-US" dirty="0"/>
           </a:p>
         </p:txBody>
       </p:sp>
@@ -1645,7 +1598,7 @@
           </a:ln>
         </p:spPr>
         <p:txBody>
-          <a:bodyPr anchor="b" wrap="square"/>
+          <a:bodyPr wrap="square" anchor="b"/>
           <a:lstStyle>
             <a:lvl1pPr marL="0" indent="0">
               <a:buNone/>
@@ -1685,7 +1638,6 @@
             </a:lvl9pPr>
           </a:lstStyle>
           <a:p>
-            <a:pPr/>
             <a:r>
               <a:rPr lang="en-US" dirty="0"/>
               <a:t>Click to edit Master text styles</a:t>
@@ -1717,7 +1669,6 @@
           <a:bodyPr wrap="square"/>
           <a:lstStyle/>
           <a:p>
-            <a:pPr/>
             <a:r>
               <a:rPr lang="en-US" dirty="0"/>
               <a:t>Click to edit Master text styles</a:t>
@@ -1750,7 +1701,6 @@
               <a:rPr lang="en-US" dirty="0"/>
               <a:t>Fifth level</a:t>
             </a:r>
-            <a:endParaRPr lang="en-US" dirty="0"/>
           </a:p>
         </p:txBody>
       </p:sp>
@@ -1774,10 +1724,9 @@
           <a:bodyPr wrap="square"/>
           <a:lstStyle/>
           <a:p>
-            <a:pPr/>
             <a:fld id="{D4630D1D-EC81-4D12-BBAE-7AD5C46FE905}" type="datetimeFigureOut">
               <a:rPr lang="en-US" dirty="0"/>
-              <a:t>7/8/2015</a:t>
+              <a:t>11/24/2024</a:t>
             </a:fld>
             <a:endParaRPr lang="en-US" dirty="0"/>
           </a:p>
@@ -1803,7 +1752,6 @@
           <a:bodyPr wrap="square"/>
           <a:lstStyle/>
           <a:p>
-            <a:pPr/>
             <a:endParaRPr lang="en-US" dirty="0"/>
           </a:p>
         </p:txBody>
@@ -1828,7 +1776,6 @@
           <a:bodyPr wrap="square"/>
           <a:lstStyle/>
           <a:p>
-            <a:pPr/>
             <a:fld id="{E1CC4C9C-B29E-4E68-9F89-CA7A1621DE94}" type="slidenum">
               <a:rPr lang="en-US" dirty="0"/>
               <a:t>‹#›</a:t>
@@ -1882,12 +1829,10 @@
           <a:bodyPr wrap="square"/>
           <a:lstStyle/>
           <a:p>
-            <a:pPr/>
             <a:r>
               <a:rPr lang="en-US" dirty="0"/>
               <a:t>Click to edit Master title style</a:t>
             </a:r>
-            <a:endParaRPr lang="en-US" dirty="0"/>
           </a:p>
         </p:txBody>
       </p:sp>
@@ -1911,10 +1856,9 @@
           <a:bodyPr wrap="square"/>
           <a:lstStyle/>
           <a:p>
-            <a:pPr/>
             <a:fld id="{D4630D1D-EC81-4D12-BBAE-7AD5C46FE905}" type="datetimeFigureOut">
               <a:rPr lang="en-US" dirty="0"/>
-              <a:t>7/8/2015</a:t>
+              <a:t>11/24/2024</a:t>
             </a:fld>
             <a:endParaRPr lang="en-US" dirty="0"/>
           </a:p>
@@ -1940,7 +1884,6 @@
           <a:bodyPr wrap="square"/>
           <a:lstStyle/>
           <a:p>
-            <a:pPr/>
             <a:endParaRPr lang="en-US" dirty="0"/>
           </a:p>
         </p:txBody>
@@ -1965,7 +1908,6 @@
           <a:bodyPr wrap="square"/>
           <a:lstStyle/>
           <a:p>
-            <a:pPr/>
             <a:fld id="{E1CC4C9C-B29E-4E68-9F89-CA7A1621DE94}" type="slidenum">
               <a:rPr lang="en-US" dirty="0"/>
               <a:t>‹#›</a:t>
@@ -2019,10 +1961,9 @@
           <a:bodyPr wrap="square"/>
           <a:lstStyle/>
           <a:p>
-            <a:pPr/>
             <a:fld id="{D4630D1D-EC81-4D12-BBAE-7AD5C46FE905}" type="datetimeFigureOut">
               <a:rPr lang="en-US" dirty="0"/>
-              <a:t>7/8/2015</a:t>
+              <a:t>11/24/2024</a:t>
             </a:fld>
             <a:endParaRPr lang="en-US" dirty="0"/>
           </a:p>
@@ -2048,7 +1989,6 @@
           <a:bodyPr wrap="square"/>
           <a:lstStyle/>
           <a:p>
-            <a:pPr/>
             <a:endParaRPr lang="en-US" dirty="0"/>
           </a:p>
         </p:txBody>
@@ -2073,7 +2013,6 @@
           <a:bodyPr wrap="square"/>
           <a:lstStyle/>
           <a:p>
-            <a:pPr/>
             <a:fld id="{E1CC4C9C-B29E-4E68-9F89-CA7A1621DE94}" type="slidenum">
               <a:rPr lang="en-US" dirty="0"/>
               <a:t>‹#›</a:t>
@@ -2128,19 +2067,17 @@
           </a:ln>
         </p:spPr>
         <p:txBody>
-          <a:bodyPr anchor="b" wrap="square"/>
+          <a:bodyPr wrap="square" anchor="b"/>
           <a:lstStyle>
             <a:lvl1pPr>
               <a:defRPr sz="3200" dirty="0"/>
             </a:lvl1pPr>
           </a:lstStyle>
           <a:p>
-            <a:pPr/>
             <a:r>
               <a:rPr lang="en-US" dirty="0"/>
               <a:t>Click to edit Master title style</a:t>
             </a:r>
-            <a:endParaRPr lang="en-US" dirty="0"/>
           </a:p>
         </p:txBody>
       </p:sp>
@@ -2196,7 +2133,6 @@
             </a:lvl9pPr>
           </a:lstStyle>
           <a:p>
-            <a:pPr/>
             <a:r>
               <a:rPr lang="en-US" dirty="0"/>
               <a:t>Click to edit Master text styles</a:t>
@@ -2229,7 +2165,6 @@
               <a:rPr lang="en-US" dirty="0"/>
               <a:t>Fifth level</a:t>
             </a:r>
-            <a:endParaRPr lang="en-US" dirty="0"/>
           </a:p>
         </p:txBody>
       </p:sp>
@@ -2294,7 +2229,6 @@
             </a:lvl9pPr>
           </a:lstStyle>
           <a:p>
-            <a:pPr/>
             <a:r>
               <a:rPr lang="en-US" dirty="0"/>
               <a:t>Click to edit Master text styles</a:t>
@@ -2322,10 +2256,9 @@
           <a:bodyPr wrap="square"/>
           <a:lstStyle/>
           <a:p>
-            <a:pPr/>
             <a:fld id="{D4630D1D-EC81-4D12-BBAE-7AD5C46FE905}" type="datetimeFigureOut">
               <a:rPr lang="en-US" dirty="0"/>
-              <a:t>7/8/2015</a:t>
+              <a:t>11/24/2024</a:t>
             </a:fld>
             <a:endParaRPr lang="en-US" dirty="0"/>
           </a:p>
@@ -2351,7 +2284,6 @@
           <a:bodyPr wrap="square"/>
           <a:lstStyle/>
           <a:p>
-            <a:pPr/>
             <a:endParaRPr lang="en-US" dirty="0"/>
           </a:p>
         </p:txBody>
@@ -2376,7 +2308,6 @@
           <a:bodyPr wrap="square"/>
           <a:lstStyle/>
           <a:p>
-            <a:pPr/>
             <a:fld id="{E1CC4C9C-B29E-4E68-9F89-CA7A1621DE94}" type="slidenum">
               <a:rPr lang="en-US" dirty="0"/>
               <a:t>‹#›</a:t>
@@ -2431,19 +2362,17 @@
           </a:ln>
         </p:spPr>
         <p:txBody>
-          <a:bodyPr anchor="b" wrap="square"/>
+          <a:bodyPr wrap="square" anchor="b"/>
           <a:lstStyle>
             <a:lvl1pPr>
               <a:defRPr sz="3200" dirty="0"/>
             </a:lvl1pPr>
           </a:lstStyle>
           <a:p>
-            <a:pPr/>
             <a:r>
               <a:rPr lang="en-US" dirty="0"/>
               <a:t>Click to edit Master title style</a:t>
             </a:r>
-            <a:endParaRPr lang="en-US" dirty="0"/>
           </a:p>
         </p:txBody>
       </p:sp>
@@ -2508,7 +2437,6 @@
             </a:lvl9pPr>
           </a:lstStyle>
           <a:p>
-            <a:pPr/>
             <a:endParaRPr lang="en-US" dirty="0"/>
           </a:p>
         </p:txBody>
@@ -2574,7 +2502,6 @@
             </a:lvl9pPr>
           </a:lstStyle>
           <a:p>
-            <a:pPr/>
             <a:r>
               <a:rPr lang="en-US" dirty="0"/>
               <a:t>Click to edit Master text styles</a:t>
@@ -2602,10 +2529,9 @@
           <a:bodyPr wrap="square"/>
           <a:lstStyle/>
           <a:p>
-            <a:pPr/>
             <a:fld id="{D4630D1D-EC81-4D12-BBAE-7AD5C46FE905}" type="datetimeFigureOut">
               <a:rPr lang="en-US" dirty="0"/>
-              <a:t>7/8/2015</a:t>
+              <a:t>11/24/2024</a:t>
             </a:fld>
             <a:endParaRPr lang="en-US" dirty="0"/>
           </a:p>
@@ -2631,7 +2557,6 @@
           <a:bodyPr wrap="square"/>
           <a:lstStyle/>
           <a:p>
-            <a:pPr/>
             <a:endParaRPr lang="en-US" dirty="0"/>
           </a:p>
         </p:txBody>
@@ -2656,7 +2581,6 @@
           <a:bodyPr wrap="square"/>
           <a:lstStyle/>
           <a:p>
-            <a:pPr/>
             <a:fld id="{E1CC4C9C-B29E-4E68-9F89-CA7A1621DE94}" type="slidenum">
               <a:rPr lang="en-US" dirty="0"/>
               <a:t>‹#›</a:t>
@@ -2681,6 +2605,7 @@
         <a:solidFill>
           <a:schemeClr val="bg1"/>
         </a:solidFill>
+        <a:effectLst/>
       </p:bgPr>
     </p:bg>
     <p:spTree>
@@ -2721,17 +2646,15 @@
           </a:ln>
         </p:spPr>
         <p:txBody>
-          <a:bodyPr lIns="91440" tIns="45720" rIns="91440" bIns="45720" anchor="ctr" wrap="square">
+          <a:bodyPr wrap="square" lIns="91440" tIns="45720" rIns="91440" bIns="45720" anchor="ctr">
             <a:normAutofit/>
           </a:bodyPr>
           <a:lstStyle/>
           <a:p>
-            <a:pPr/>
             <a:r>
               <a:rPr lang="en-US" dirty="0"/>
               <a:t>Click to edit Master title style</a:t>
             </a:r>
-            <a:endParaRPr lang="en-US" dirty="0"/>
           </a:p>
         </p:txBody>
       </p:sp>
@@ -2759,12 +2682,11 @@
           </a:ln>
         </p:spPr>
         <p:txBody>
-          <a:bodyPr lIns="91440" tIns="45720" rIns="91440" bIns="45720" wrap="square">
+          <a:bodyPr wrap="square" lIns="91440" tIns="45720" rIns="91440" bIns="45720">
             <a:normAutofit/>
           </a:bodyPr>
           <a:lstStyle/>
           <a:p>
-            <a:pPr/>
             <a:r>
               <a:rPr lang="en-US" dirty="0"/>
               <a:t>Click to edit Master text styles</a:t>
@@ -2797,7 +2719,6 @@
               <a:rPr lang="en-US" dirty="0"/>
               <a:t>Fifth level</a:t>
             </a:r>
-            <a:endParaRPr lang="en-US" dirty="0"/>
           </a:p>
         </p:txBody>
       </p:sp>
@@ -2825,7 +2746,7 @@
           </a:ln>
         </p:spPr>
         <p:txBody>
-          <a:bodyPr lIns="91440" tIns="45720" rIns="91440" bIns="45720" anchor="ctr" wrap="square"/>
+          <a:bodyPr wrap="square" lIns="91440" tIns="45720" rIns="91440" bIns="45720" anchor="ctr"/>
           <a:lstStyle>
             <a:lvl1pPr algn="l">
               <a:defRPr sz="1200" dirty="0">
@@ -2838,10 +2759,9 @@
             </a:lvl1pPr>
           </a:lstStyle>
           <a:p>
-            <a:pPr/>
             <a:fld id="{D4630D1D-EC81-4D12-BBAE-7AD5C46FE905}" type="datetimeFigureOut">
               <a:rPr lang="en-US" dirty="0"/>
-              <a:t>7/8/2015</a:t>
+              <a:t>11/24/2024</a:t>
             </a:fld>
             <a:endParaRPr lang="en-US" dirty="0"/>
           </a:p>
@@ -2871,7 +2791,7 @@
           </a:ln>
         </p:spPr>
         <p:txBody>
-          <a:bodyPr lIns="91440" tIns="45720" rIns="91440" bIns="45720" anchor="ctr" wrap="square"/>
+          <a:bodyPr wrap="square" lIns="91440" tIns="45720" rIns="91440" bIns="45720" anchor="ctr"/>
           <a:lstStyle>
             <a:lvl1pPr algn="ctr">
               <a:defRPr sz="1200" dirty="0">
@@ -2884,7 +2804,6 @@
             </a:lvl1pPr>
           </a:lstStyle>
           <a:p>
-            <a:pPr/>
             <a:endParaRPr lang="en-US" dirty="0"/>
           </a:p>
         </p:txBody>
@@ -2913,7 +2832,7 @@
           </a:ln>
         </p:spPr>
         <p:txBody>
-          <a:bodyPr lIns="91440" tIns="45720" rIns="91440" bIns="45720" anchor="ctr" wrap="square"/>
+          <a:bodyPr wrap="square" lIns="91440" tIns="45720" rIns="91440" bIns="45720" anchor="ctr"/>
           <a:lstStyle>
             <a:lvl1pPr algn="r">
               <a:defRPr sz="1200" dirty="0">
@@ -2926,7 +2845,6 @@
             </a:lvl1pPr>
           </a:lstStyle>
           <a:p>
-            <a:pPr/>
             <a:fld id="{E1CC4C9C-B29E-4E68-9F89-CA7A1621DE94}" type="slidenum">
               <a:rPr lang="en-US" dirty="0"/>
               <a:t>‹#›</a:t>
@@ -2953,7 +2871,7 @@
   </p:sldLayoutIdLst>
   <p:txStyles>
     <p:titleStyle>
-      <a:lvl1pPr rtl="0" algn="l" defTabSz="914400">
+      <a:lvl1pPr algn="l" defTabSz="914400" rtl="0">
         <a:lnSpc>
           <a:spcPct val="90000"/>
         </a:lnSpc>
@@ -2972,7 +2890,7 @@
       </a:lvl1pPr>
     </p:titleStyle>
     <p:bodyStyle>
-      <a:lvl1pPr marL="228600" indent="-228600" rtl="0" algn="l" defTabSz="914400">
+      <a:lvl1pPr marL="228600" indent="-228600" algn="l" defTabSz="914400" rtl="0">
         <a:lnSpc>
           <a:spcPct val="90000"/>
         </a:lnSpc>
@@ -2990,7 +2908,7 @@
           <a:cs typeface="+mn-cs"/>
         </a:defRPr>
       </a:lvl1pPr>
-      <a:lvl2pPr marL="685800" indent="-228600" rtl="0" algn="l" defTabSz="914400">
+      <a:lvl2pPr marL="685800" indent="-228600" algn="l" defTabSz="914400" rtl="0">
         <a:lnSpc>
           <a:spcPct val="90000"/>
         </a:lnSpc>
@@ -3008,7 +2926,7 @@
           <a:cs typeface="+mn-cs"/>
         </a:defRPr>
       </a:lvl2pPr>
-      <a:lvl3pPr marL="1143000" indent="-228600" rtl="0" algn="l" defTabSz="914400">
+      <a:lvl3pPr marL="1143000" indent="-228600" algn="l" defTabSz="914400" rtl="0">
         <a:lnSpc>
           <a:spcPct val="90000"/>
         </a:lnSpc>
@@ -3026,7 +2944,7 @@
           <a:cs typeface="+mn-cs"/>
         </a:defRPr>
       </a:lvl3pPr>
-      <a:lvl4pPr marL="1600200" indent="-228600" rtl="0" algn="l" defTabSz="914400">
+      <a:lvl4pPr marL="1600200" indent="-228600" algn="l" defTabSz="914400" rtl="0">
         <a:lnSpc>
           <a:spcPct val="90000"/>
         </a:lnSpc>
@@ -3044,7 +2962,7 @@
           <a:cs typeface="+mn-cs"/>
         </a:defRPr>
       </a:lvl4pPr>
-      <a:lvl5pPr marL="2057400" indent="-228600" rtl="0" algn="l" defTabSz="914400">
+      <a:lvl5pPr marL="2057400" indent="-228600" algn="l" defTabSz="914400" rtl="0">
         <a:lnSpc>
           <a:spcPct val="90000"/>
         </a:lnSpc>
@@ -3062,7 +2980,7 @@
           <a:cs typeface="+mn-cs"/>
         </a:defRPr>
       </a:lvl5pPr>
-      <a:lvl6pPr marL="2514600" indent="-228600" rtl="0" algn="l" defTabSz="914400">
+      <a:lvl6pPr marL="2514600" indent="-228600" algn="l" defTabSz="914400" rtl="0">
         <a:lnSpc>
           <a:spcPct val="90000"/>
         </a:lnSpc>
@@ -3080,7 +2998,7 @@
           <a:cs typeface="+mn-cs"/>
         </a:defRPr>
       </a:lvl6pPr>
-      <a:lvl7pPr marL="2971800" indent="-228600" rtl="0" algn="l" defTabSz="914400">
+      <a:lvl7pPr marL="2971800" indent="-228600" algn="l" defTabSz="914400" rtl="0">
         <a:lnSpc>
           <a:spcPct val="90000"/>
         </a:lnSpc>
@@ -3098,7 +3016,7 @@
           <a:cs typeface="+mn-cs"/>
         </a:defRPr>
       </a:lvl7pPr>
-      <a:lvl8pPr marL="3429000" indent="-228600" rtl="0" algn="l" defTabSz="914400">
+      <a:lvl8pPr marL="3429000" indent="-228600" algn="l" defTabSz="914400" rtl="0">
         <a:lnSpc>
           <a:spcPct val="90000"/>
         </a:lnSpc>
@@ -3116,7 +3034,7 @@
           <a:cs typeface="+mn-cs"/>
         </a:defRPr>
       </a:lvl8pPr>
-      <a:lvl9pPr marL="3886200" indent="-228600" rtl="0" algn="l" defTabSz="914400">
+      <a:lvl9pPr marL="3886200" indent="-228600" algn="l" defTabSz="914400" rtl="0">
         <a:lnSpc>
           <a:spcPct val="90000"/>
         </a:lnSpc>
@@ -3139,7 +3057,7 @@
       <a:defPPr defTabSz="914400">
         <a:defRPr lang="en-US" dirty="0"/>
       </a:defPPr>
-      <a:lvl1pPr marL="0" rtl="0" algn="l" defTabSz="914400">
+      <a:lvl1pPr marL="0" algn="l" defTabSz="914400" rtl="0">
         <a:defRPr sz="1800" kern="1200" dirty="0">
           <a:solidFill>
             <a:schemeClr val="tx1"/>
@@ -3149,7 +3067,7 @@
           <a:cs typeface="+mn-cs"/>
         </a:defRPr>
       </a:lvl1pPr>
-      <a:lvl2pPr marL="457200" rtl="0" algn="l" defTabSz="914400">
+      <a:lvl2pPr marL="457200" algn="l" defTabSz="914400" rtl="0">
         <a:defRPr sz="1800" kern="1200" dirty="0">
           <a:solidFill>
             <a:schemeClr val="tx1"/>
@@ -3159,7 +3077,7 @@
           <a:cs typeface="+mn-cs"/>
         </a:defRPr>
       </a:lvl2pPr>
-      <a:lvl3pPr marL="914400" rtl="0" algn="l" defTabSz="914400">
+      <a:lvl3pPr marL="914400" algn="l" defTabSz="914400" rtl="0">
         <a:defRPr sz="1800" kern="1200" dirty="0">
           <a:solidFill>
             <a:schemeClr val="tx1"/>
@@ -3169,7 +3087,7 @@
           <a:cs typeface="+mn-cs"/>
         </a:defRPr>
       </a:lvl3pPr>
-      <a:lvl4pPr marL="1371600" rtl="0" algn="l" defTabSz="914400">
+      <a:lvl4pPr marL="1371600" algn="l" defTabSz="914400" rtl="0">
         <a:defRPr sz="1800" kern="1200" dirty="0">
           <a:solidFill>
             <a:schemeClr val="tx1"/>
@@ -3179,7 +3097,7 @@
           <a:cs typeface="+mn-cs"/>
         </a:defRPr>
       </a:lvl4pPr>
-      <a:lvl5pPr marL="1828800" rtl="0" algn="l" defTabSz="914400">
+      <a:lvl5pPr marL="1828800" algn="l" defTabSz="914400" rtl="0">
         <a:defRPr sz="1800" kern="1200" dirty="0">
           <a:solidFill>
             <a:schemeClr val="tx1"/>
@@ -3189,7 +3107,7 @@
           <a:cs typeface="+mn-cs"/>
         </a:defRPr>
       </a:lvl5pPr>
-      <a:lvl6pPr marL="2286000" rtl="0" algn="l" defTabSz="914400">
+      <a:lvl6pPr marL="2286000" algn="l" defTabSz="914400" rtl="0">
         <a:defRPr sz="1800" kern="1200" dirty="0">
           <a:solidFill>
             <a:schemeClr val="tx1"/>
@@ -3199,7 +3117,7 @@
           <a:cs typeface="+mn-cs"/>
         </a:defRPr>
       </a:lvl6pPr>
-      <a:lvl7pPr marL="2743200" rtl="0" algn="l" defTabSz="914400">
+      <a:lvl7pPr marL="2743200" algn="l" defTabSz="914400" rtl="0">
         <a:defRPr sz="1800" kern="1200" dirty="0">
           <a:solidFill>
             <a:schemeClr val="tx1"/>
@@ -3209,7 +3127,7 @@
           <a:cs typeface="+mn-cs"/>
         </a:defRPr>
       </a:lvl7pPr>
-      <a:lvl8pPr marL="3200400" rtl="0" algn="l" defTabSz="914400">
+      <a:lvl8pPr marL="3200400" algn="l" defTabSz="914400" rtl="0">
         <a:defRPr sz="1800" kern="1200" dirty="0">
           <a:solidFill>
             <a:schemeClr val="tx1"/>
@@ -3219,7 +3137,7 @@
           <a:cs typeface="+mn-cs"/>
         </a:defRPr>
       </a:lvl8pPr>
-      <a:lvl9pPr marL="3657600" rtl="0" algn="l" defTabSz="914400">
+      <a:lvl9pPr marL="3657600" algn="l" defTabSz="914400" rtl="0">
         <a:defRPr sz="1800" kern="1200" dirty="0">
           <a:solidFill>
             <a:schemeClr val="tx1"/>
@@ -3260,7 +3178,7 @@
           <p:nvPr/>
         </p:nvSpPr>
         <p:spPr>
-          <a:xfrm rot="0">
+          <a:xfrm>
             <a:off x="635000" y="635000"/>
             <a:ext cx="7620000" cy="635000"/>
           </a:xfrm>
@@ -3301,9 +3219,9 @@
           <p:nvPr/>
         </p:nvSpPr>
         <p:spPr>
-          <a:xfrm rot="0">
+          <a:xfrm>
             <a:off x="635000" y="1270000"/>
-            <a:ext cx="7620000" cy="635000"/>
+            <a:ext cx="7620000" cy="369332"/>
           </a:xfrm>
           <a:prstGeom prst="rect">
             <a:avLst/>
@@ -3328,8 +3246,25 @@
                   </a:srgbClr>
                 </a:solidFill>
               </a:rPr>
-              <a:t>Id: 412</a:t>
-            </a:r>
+              <a:t>Id: </a:t>
+            </a:r>
+            <a:r>
+              <a:rPr lang="en-US" sz="1800" b="0" i="0" dirty="0">
+                <a:solidFill>
+                  <a:srgbClr val="D07886">
+                    <a:alpha val="100000"/>
+                  </a:srgbClr>
+                </a:solidFill>
+              </a:rPr>
+              <a:t>4</a:t>
+            </a:r>
+            <a:endParaRPr sz="1800" b="0" i="0" dirty="0">
+              <a:solidFill>
+                <a:srgbClr val="D07886">
+                  <a:alpha val="100000"/>
+                </a:srgbClr>
+              </a:solidFill>
+            </a:endParaRPr>
           </a:p>
         </p:txBody>
       </p:sp>
@@ -3342,7 +3277,7 @@
           <p:nvPr/>
         </p:nvSpPr>
         <p:spPr>
-          <a:xfrm rot="0">
+          <a:xfrm>
             <a:off x="635000" y="1905000"/>
             <a:ext cx="7620000" cy="635000"/>
           </a:xfrm>
@@ -3383,7 +3318,7 @@
           <p:nvPr/>
         </p:nvSpPr>
         <p:spPr>
-          <a:xfrm rot="0">
+          <a:xfrm>
             <a:off x="635000" y="2540000"/>
             <a:ext cx="7620000" cy="635000"/>
           </a:xfrm>
@@ -3424,7 +3359,7 @@
           <p:nvPr/>
         </p:nvSpPr>
         <p:spPr>
-          <a:xfrm rot="0">
+          <a:xfrm>
             <a:off x="635000" y="3175000"/>
             <a:ext cx="7620000" cy="635000"/>
           </a:xfrm>
@@ -3491,7 +3426,7 @@
           <p:nvPr/>
         </p:nvSpPr>
         <p:spPr>
-          <a:xfrm rot="0">
+          <a:xfrm>
             <a:off x="635000" y="635000"/>
             <a:ext cx="7620000" cy="635000"/>
           </a:xfrm>
@@ -3532,9 +3467,9 @@
           <p:nvPr/>
         </p:nvSpPr>
         <p:spPr>
-          <a:xfrm rot="0">
+          <a:xfrm>
             <a:off x="635000" y="1270000"/>
-            <a:ext cx="7620000" cy="635000"/>
+            <a:ext cx="7620000" cy="369332"/>
           </a:xfrm>
           <a:prstGeom prst="rect">
             <a:avLst/>
@@ -3559,8 +3494,25 @@
                   </a:srgbClr>
                 </a:solidFill>
               </a:rPr>
-              <a:t>Book Id: 412</a:t>
-            </a:r>
+              <a:t>Book Id: </a:t>
+            </a:r>
+            <a:r>
+              <a:rPr lang="en-US" sz="1800" b="0" i="0" dirty="0">
+                <a:solidFill>
+                  <a:srgbClr val="D07886">
+                    <a:alpha val="100000"/>
+                  </a:srgbClr>
+                </a:solidFill>
+              </a:rPr>
+              <a:t>4</a:t>
+            </a:r>
+            <a:endParaRPr sz="1800" b="0" i="0" dirty="0">
+              <a:solidFill>
+                <a:srgbClr val="D07886">
+                  <a:alpha val="100000"/>
+                </a:srgbClr>
+              </a:solidFill>
+            </a:endParaRPr>
           </a:p>
         </p:txBody>
       </p:sp>
@@ -3573,7 +3525,7 @@
           <p:nvPr/>
         </p:nvSpPr>
         <p:spPr>
-          <a:xfrm rot="0">
+          <a:xfrm>
             <a:off x="635000" y="1905000"/>
             <a:ext cx="7620000" cy="635000"/>
           </a:xfrm>
@@ -3614,7 +3566,7 @@
           <p:nvPr/>
         </p:nvSpPr>
         <p:spPr>
-          <a:xfrm rot="0">
+          <a:xfrm>
             <a:off x="635000" y="2540000"/>
             <a:ext cx="7620000" cy="635000"/>
           </a:xfrm>
@@ -3662,7 +3614,7 @@
         <a:srgbClr val="000000"/>
       </a:dk1>
       <a:lt1>
-        <a:srgbClr val="ffffff"/>
+        <a:srgbClr val="FFFFFF"/>
       </a:lt1>
       <a:dk2>
         <a:srgbClr val="44546A"/>
@@ -3911,5 +3863,7 @@
       </a:bgFillStyleLst>
     </a:fmtScheme>
   </a:themeElements>
+  <a:objectDefaults/>
+  <a:extraClrSchemeLst/>
 </a:theme>
 </file>
--- a/Storage/App_Data/Books/Solace.pptx
+++ b/Storage/App_Data/Books/Solace.pptx
@@ -255,7 +255,7 @@
           <a:p>
             <a:fld id="{D4630D1D-EC81-4D12-BBAE-7AD5C46FE905}" type="datetimeFigureOut">
               <a:rPr lang="en-US" dirty="0"/>
-              <a:t>11/24/2024</a:t>
+              <a:t>11/28/2024</a:t>
             </a:fld>
             <a:endParaRPr lang="en-US" dirty="0"/>
           </a:p>
@@ -442,7 +442,7 @@
           <a:p>
             <a:fld id="{D4630D1D-EC81-4D12-BBAE-7AD5C46FE905}" type="datetimeFigureOut">
               <a:rPr lang="en-US" dirty="0"/>
-              <a:t>11/24/2024</a:t>
+              <a:t>11/28/2024</a:t>
             </a:fld>
             <a:endParaRPr lang="en-US" dirty="0"/>
           </a:p>
@@ -637,7 +637,7 @@
           <a:p>
             <a:fld id="{D4630D1D-EC81-4D12-BBAE-7AD5C46FE905}" type="datetimeFigureOut">
               <a:rPr lang="en-US" dirty="0"/>
-              <a:t>11/24/2024</a:t>
+              <a:t>11/28/2024</a:t>
             </a:fld>
             <a:endParaRPr lang="en-US" dirty="0"/>
           </a:p>
@@ -824,7 +824,7 @@
           <a:p>
             <a:fld id="{D4630D1D-EC81-4D12-BBAE-7AD5C46FE905}" type="datetimeFigureOut">
               <a:rPr lang="en-US" dirty="0"/>
-              <a:t>11/24/2024</a:t>
+              <a:t>11/28/2024</a:t>
             </a:fld>
             <a:endParaRPr lang="en-US" dirty="0"/>
           </a:p>
@@ -1086,7 +1086,7 @@
           <a:p>
             <a:fld id="{D4630D1D-EC81-4D12-BBAE-7AD5C46FE905}" type="datetimeFigureOut">
               <a:rPr lang="en-US" dirty="0"/>
-              <a:t>11/24/2024</a:t>
+              <a:t>11/28/2024</a:t>
             </a:fld>
             <a:endParaRPr lang="en-US" dirty="0"/>
           </a:p>
@@ -1336,7 +1336,7 @@
           <a:p>
             <a:fld id="{D4630D1D-EC81-4D12-BBAE-7AD5C46FE905}" type="datetimeFigureOut">
               <a:rPr lang="en-US" dirty="0"/>
-              <a:t>11/24/2024</a:t>
+              <a:t>11/28/2024</a:t>
             </a:fld>
             <a:endParaRPr lang="en-US" dirty="0"/>
           </a:p>
@@ -1726,7 +1726,7 @@
           <a:p>
             <a:fld id="{D4630D1D-EC81-4D12-BBAE-7AD5C46FE905}" type="datetimeFigureOut">
               <a:rPr lang="en-US" dirty="0"/>
-              <a:t>11/24/2024</a:t>
+              <a:t>11/28/2024</a:t>
             </a:fld>
             <a:endParaRPr lang="en-US" dirty="0"/>
           </a:p>
@@ -1858,7 +1858,7 @@
           <a:p>
             <a:fld id="{D4630D1D-EC81-4D12-BBAE-7AD5C46FE905}" type="datetimeFigureOut">
               <a:rPr lang="en-US" dirty="0"/>
-              <a:t>11/24/2024</a:t>
+              <a:t>11/28/2024</a:t>
             </a:fld>
             <a:endParaRPr lang="en-US" dirty="0"/>
           </a:p>
@@ -1963,7 +1963,7 @@
           <a:p>
             <a:fld id="{D4630D1D-EC81-4D12-BBAE-7AD5C46FE905}" type="datetimeFigureOut">
               <a:rPr lang="en-US" dirty="0"/>
-              <a:t>11/24/2024</a:t>
+              <a:t>11/28/2024</a:t>
             </a:fld>
             <a:endParaRPr lang="en-US" dirty="0"/>
           </a:p>
@@ -2258,7 +2258,7 @@
           <a:p>
             <a:fld id="{D4630D1D-EC81-4D12-BBAE-7AD5C46FE905}" type="datetimeFigureOut">
               <a:rPr lang="en-US" dirty="0"/>
-              <a:t>11/24/2024</a:t>
+              <a:t>11/28/2024</a:t>
             </a:fld>
             <a:endParaRPr lang="en-US" dirty="0"/>
           </a:p>
@@ -2531,7 +2531,7 @@
           <a:p>
             <a:fld id="{D4630D1D-EC81-4D12-BBAE-7AD5C46FE905}" type="datetimeFigureOut">
               <a:rPr lang="en-US" dirty="0"/>
-              <a:t>11/24/2024</a:t>
+              <a:t>11/28/2024</a:t>
             </a:fld>
             <a:endParaRPr lang="en-US" dirty="0"/>
           </a:p>
@@ -2761,7 +2761,7 @@
           <a:p>
             <a:fld id="{D4630D1D-EC81-4D12-BBAE-7AD5C46FE905}" type="datetimeFigureOut">
               <a:rPr lang="en-US" dirty="0"/>
-              <a:t>11/24/2024</a:t>
+              <a:t>11/28/2024</a:t>
             </a:fld>
             <a:endParaRPr lang="en-US" dirty="0"/>
           </a:p>
@@ -3221,7 +3221,7 @@
         <p:spPr>
           <a:xfrm>
             <a:off x="635000" y="1270000"/>
-            <a:ext cx="7620000" cy="369332"/>
+            <a:ext cx="7620000" cy="635000"/>
           </a:xfrm>
           <a:prstGeom prst="rect">
             <a:avLst/>
@@ -3241,30 +3241,13 @@
             <a:r>
               <a:rPr sz="1800" b="0" i="0" dirty="0">
                 <a:solidFill>
-                  <a:srgbClr val="D07886">
+                  <a:srgbClr val="FB312D">
                     <a:alpha val="100000"/>
                   </a:srgbClr>
                 </a:solidFill>
               </a:rPr>
-              <a:t>Id: </a:t>
-            </a:r>
-            <a:r>
-              <a:rPr lang="en-US" sz="1800" b="0" i="0" dirty="0">
-                <a:solidFill>
-                  <a:srgbClr val="D07886">
-                    <a:alpha val="100000"/>
-                  </a:srgbClr>
-                </a:solidFill>
-              </a:rPr>
-              <a:t>4</a:t>
-            </a:r>
-            <a:endParaRPr sz="1800" b="0" i="0" dirty="0">
-              <a:solidFill>
-                <a:srgbClr val="D07886">
-                  <a:alpha val="100000"/>
-                </a:srgbClr>
-              </a:solidFill>
-            </a:endParaRPr>
+              <a:t>Id: 4</a:t>
+            </a:r>
           </a:p>
         </p:txBody>
       </p:sp>
@@ -3469,7 +3452,7 @@
         <p:spPr>
           <a:xfrm>
             <a:off x="635000" y="1270000"/>
-            <a:ext cx="7620000" cy="369332"/>
+            <a:ext cx="7620000" cy="635000"/>
           </a:xfrm>
           <a:prstGeom prst="rect">
             <a:avLst/>
@@ -3489,30 +3472,13 @@
             <a:r>
               <a:rPr sz="1800" b="0" i="0" dirty="0">
                 <a:solidFill>
-                  <a:srgbClr val="D07886">
+                  <a:srgbClr val="FB312D">
                     <a:alpha val="100000"/>
                   </a:srgbClr>
                 </a:solidFill>
               </a:rPr>
-              <a:t>Book Id: </a:t>
-            </a:r>
-            <a:r>
-              <a:rPr lang="en-US" sz="1800" b="0" i="0" dirty="0">
-                <a:solidFill>
-                  <a:srgbClr val="D07886">
-                    <a:alpha val="100000"/>
-                  </a:srgbClr>
-                </a:solidFill>
-              </a:rPr>
-              <a:t>4</a:t>
-            </a:r>
-            <a:endParaRPr sz="1800" b="0" i="0" dirty="0">
-              <a:solidFill>
-                <a:srgbClr val="D07886">
-                  <a:alpha val="100000"/>
-                </a:srgbClr>
-              </a:solidFill>
-            </a:endParaRPr>
+              <a:t>Book Id: 4</a:t>
+            </a:r>
           </a:p>
         </p:txBody>
       </p:sp>

--- a/Storage/App_Data/Books/Solace.pptx
+++ b/Storage/App_Data/Books/Solace.pptx
@@ -5,16 +5,16 @@
     <p:sldMasterId id="2147483648" r:id="rId1"/>
   </p:sldMasterIdLst>
   <p:sldIdLst>
-    <p:sldId id="256" r:id="rId2"/>
-    <p:sldId id="257" r:id="rId3"/>
+    <p:sldId id="256" r:id="rId6"/>
+    <p:sldId id="257" r:id="rId7"/>
   </p:sldIdLst>
-  <p:sldSz cx="12192000" cy="6858000"/>
+  <p:sldSz cx="12192000" cy="6858000" type="custom"/>
   <p:notesSz cx="6858000" cy="9144000"/>
   <p:defaultTextStyle>
     <a:defPPr defTabSz="914400">
       <a:defRPr lang="en-US" dirty="0"/>
     </a:defPPr>
-    <a:lvl1pPr marL="0" algn="l" defTabSz="914400" rtl="0">
+    <a:lvl1pPr marL="0" rtl="0" algn="l" defTabSz="914400">
       <a:defRPr sz="1800" kern="1200" dirty="0">
         <a:solidFill>
           <a:schemeClr val="tx1"/>
@@ -24,7 +24,7 @@
         <a:cs typeface="+mn-cs"/>
       </a:defRPr>
     </a:lvl1pPr>
-    <a:lvl2pPr marL="457200" algn="l" defTabSz="914400" rtl="0">
+    <a:lvl2pPr marL="457200" rtl="0" algn="l" defTabSz="914400">
       <a:defRPr sz="1800" kern="1200" dirty="0">
         <a:solidFill>
           <a:schemeClr val="tx1"/>
@@ -34,7 +34,7 @@
         <a:cs typeface="+mn-cs"/>
       </a:defRPr>
     </a:lvl2pPr>
-    <a:lvl3pPr marL="914400" algn="l" defTabSz="914400" rtl="0">
+    <a:lvl3pPr marL="914400" rtl="0" algn="l" defTabSz="914400">
       <a:defRPr sz="1800" kern="1200" dirty="0">
         <a:solidFill>
           <a:schemeClr val="tx1"/>
@@ -44,7 +44,7 @@
         <a:cs typeface="+mn-cs"/>
       </a:defRPr>
     </a:lvl3pPr>
-    <a:lvl4pPr marL="1371600" algn="l" defTabSz="914400" rtl="0">
+    <a:lvl4pPr marL="1371600" rtl="0" algn="l" defTabSz="914400">
       <a:defRPr sz="1800" kern="1200" dirty="0">
         <a:solidFill>
           <a:schemeClr val="tx1"/>
@@ -54,7 +54,7 @@
         <a:cs typeface="+mn-cs"/>
       </a:defRPr>
     </a:lvl4pPr>
-    <a:lvl5pPr marL="1828800" algn="l" defTabSz="914400" rtl="0">
+    <a:lvl5pPr marL="1828800" rtl="0" algn="l" defTabSz="914400">
       <a:defRPr sz="1800" kern="1200" dirty="0">
         <a:solidFill>
           <a:schemeClr val="tx1"/>
@@ -64,7 +64,7 @@
         <a:cs typeface="+mn-cs"/>
       </a:defRPr>
     </a:lvl5pPr>
-    <a:lvl6pPr marL="2286000" algn="l" defTabSz="914400" rtl="0">
+    <a:lvl6pPr marL="2286000" rtl="0" algn="l" defTabSz="914400">
       <a:defRPr sz="1800" kern="1200" dirty="0">
         <a:solidFill>
           <a:schemeClr val="tx1"/>
@@ -74,7 +74,7 @@
         <a:cs typeface="+mn-cs"/>
       </a:defRPr>
     </a:lvl6pPr>
-    <a:lvl7pPr marL="2743200" algn="l" defTabSz="914400" rtl="0">
+    <a:lvl7pPr marL="2743200" rtl="0" algn="l" defTabSz="914400">
       <a:defRPr sz="1800" kern="1200" dirty="0">
         <a:solidFill>
           <a:schemeClr val="tx1"/>
@@ -84,7 +84,7 @@
         <a:cs typeface="+mn-cs"/>
       </a:defRPr>
     </a:lvl7pPr>
-    <a:lvl8pPr marL="3200400" algn="l" defTabSz="914400" rtl="0">
+    <a:lvl8pPr marL="3200400" rtl="0" algn="l" defTabSz="914400">
       <a:defRPr sz="1800" kern="1200" dirty="0">
         <a:solidFill>
           <a:schemeClr val="tx1"/>
@@ -94,7 +94,7 @@
         <a:cs typeface="+mn-cs"/>
       </a:defRPr>
     </a:lvl8pPr>
-    <a:lvl9pPr marL="3657600" algn="l" defTabSz="914400" rtl="0">
+    <a:lvl9pPr marL="3657600" rtl="0" algn="l" defTabSz="914400">
       <a:defRPr sz="1800" kern="1200" dirty="0">
         <a:solidFill>
           <a:schemeClr val="tx1"/>
@@ -105,12 +105,11 @@
       </a:defRPr>
     </a:lvl9pPr>
   </p:defaultTextStyle>
-  <p:extLst>
-    <p:ext uri="{EFAFB233-063F-42B5-8137-9DF3F51BA10A}">
-      <p15:sldGuideLst xmlns:p15="http://schemas.microsoft.com/office/powerpoint/2012/main"/>
-    </p:ext>
-  </p:extLst>
 </p:presentation>
+</file>
+
+<file path=ppt/commentAuthors.xml><?xml version="1.0" encoding="utf-8"?>
+<p:cmAuthorLst xmlns:a="http://schemas.openxmlformats.org/drawingml/2006/main" xmlns:r="http://schemas.openxmlformats.org/officeDocument/2006/relationships" xmlns:p="http://schemas.openxmlformats.org/presentationml/2006/main"/>
 </file>
 
 <file path=ppt/slideLayouts/slideLayout1.xml><?xml version="1.0" encoding="utf-8"?>
@@ -151,17 +150,19 @@
           </a:ln>
         </p:spPr>
         <p:txBody>
-          <a:bodyPr wrap="square" anchor="b"/>
+          <a:bodyPr anchor="b" wrap="square"/>
           <a:lstStyle>
             <a:lvl1pPr algn="ctr">
               <a:defRPr sz="6000" dirty="0"/>
             </a:lvl1pPr>
           </a:lstStyle>
           <a:p>
+            <a:pPr/>
             <a:r>
               <a:rPr lang="en-US" dirty="0"/>
               <a:t>Click to edit Master title style</a:t>
             </a:r>
+            <a:endParaRPr lang="en-US" dirty="0"/>
           </a:p>
         </p:txBody>
       </p:sp>
@@ -226,10 +227,12 @@
             </a:lvl9pPr>
           </a:lstStyle>
           <a:p>
+            <a:pPr/>
             <a:r>
               <a:rPr lang="en-US" dirty="0"/>
               <a:t>Click to edit Master subtitle style</a:t>
             </a:r>
+            <a:endParaRPr lang="en-US" dirty="0"/>
           </a:p>
         </p:txBody>
       </p:sp>
@@ -253,9 +256,10 @@
           <a:bodyPr wrap="square"/>
           <a:lstStyle/>
           <a:p>
+            <a:pPr/>
             <a:fld id="{D4630D1D-EC81-4D12-BBAE-7AD5C46FE905}" type="datetimeFigureOut">
               <a:rPr lang="en-US" dirty="0"/>
-              <a:t>11/28/2024</a:t>
+              <a:t>7/8/2015</a:t>
             </a:fld>
             <a:endParaRPr lang="en-US" dirty="0"/>
           </a:p>
@@ -281,6 +285,7 @@
           <a:bodyPr wrap="square"/>
           <a:lstStyle/>
           <a:p>
+            <a:pPr/>
             <a:endParaRPr lang="en-US" dirty="0"/>
           </a:p>
         </p:txBody>
@@ -305,6 +310,7 @@
           <a:bodyPr wrap="square"/>
           <a:lstStyle/>
           <a:p>
+            <a:pPr/>
             <a:fld id="{E1CC4C9C-B29E-4E68-9F89-CA7A1621DE94}" type="slidenum">
               <a:rPr lang="en-US" dirty="0"/>
               <a:t>‹#›</a:t>
@@ -358,10 +364,12 @@
           <a:bodyPr wrap="square"/>
           <a:lstStyle/>
           <a:p>
+            <a:pPr/>
             <a:r>
               <a:rPr lang="en-US" dirty="0"/>
               <a:t>Click to edit Master title style</a:t>
             </a:r>
+            <a:endParaRPr lang="en-US" dirty="0"/>
           </a:p>
         </p:txBody>
       </p:sp>
@@ -385,6 +393,7 @@
           <a:bodyPr vert="eaVert" wrap="square"/>
           <a:lstStyle/>
           <a:p>
+            <a:pPr/>
             <a:r>
               <a:rPr lang="en-US" dirty="0"/>
               <a:t>Click to edit Master text styles</a:t>
@@ -417,6 +426,7 @@
               <a:rPr lang="en-US" dirty="0"/>
               <a:t>Fifth level</a:t>
             </a:r>
+            <a:endParaRPr lang="en-US" dirty="0"/>
           </a:p>
         </p:txBody>
       </p:sp>
@@ -440,9 +450,10 @@
           <a:bodyPr wrap="square"/>
           <a:lstStyle/>
           <a:p>
+            <a:pPr/>
             <a:fld id="{D4630D1D-EC81-4D12-BBAE-7AD5C46FE905}" type="datetimeFigureOut">
               <a:rPr lang="en-US" dirty="0"/>
-              <a:t>11/28/2024</a:t>
+              <a:t>7/8/2015</a:t>
             </a:fld>
             <a:endParaRPr lang="en-US" dirty="0"/>
           </a:p>
@@ -468,6 +479,7 @@
           <a:bodyPr wrap="square"/>
           <a:lstStyle/>
           <a:p>
+            <a:pPr/>
             <a:endParaRPr lang="en-US" dirty="0"/>
           </a:p>
         </p:txBody>
@@ -492,6 +504,7 @@
           <a:bodyPr wrap="square"/>
           <a:lstStyle/>
           <a:p>
+            <a:pPr/>
             <a:fld id="{E1CC4C9C-B29E-4E68-9F89-CA7A1621DE94}" type="slidenum">
               <a:rPr lang="en-US" dirty="0"/>
               <a:t>‹#›</a:t>
@@ -549,10 +562,12 @@
           <a:bodyPr vert="eaVert" wrap="square"/>
           <a:lstStyle/>
           <a:p>
+            <a:pPr/>
             <a:r>
               <a:rPr lang="en-US" dirty="0"/>
               <a:t>Click to edit Master title style</a:t>
             </a:r>
+            <a:endParaRPr lang="en-US" dirty="0"/>
           </a:p>
         </p:txBody>
       </p:sp>
@@ -580,6 +595,7 @@
           <a:bodyPr vert="eaVert" wrap="square"/>
           <a:lstStyle/>
           <a:p>
+            <a:pPr/>
             <a:r>
               <a:rPr lang="en-US" dirty="0"/>
               <a:t>Click to edit Master text styles</a:t>
@@ -612,6 +628,7 @@
               <a:rPr lang="en-US" dirty="0"/>
               <a:t>Fifth level</a:t>
             </a:r>
+            <a:endParaRPr lang="en-US" dirty="0"/>
           </a:p>
         </p:txBody>
       </p:sp>
@@ -635,9 +652,10 @@
           <a:bodyPr wrap="square"/>
           <a:lstStyle/>
           <a:p>
+            <a:pPr/>
             <a:fld id="{D4630D1D-EC81-4D12-BBAE-7AD5C46FE905}" type="datetimeFigureOut">
               <a:rPr lang="en-US" dirty="0"/>
-              <a:t>11/28/2024</a:t>
+              <a:t>7/8/2015</a:t>
             </a:fld>
             <a:endParaRPr lang="en-US" dirty="0"/>
           </a:p>
@@ -663,6 +681,7 @@
           <a:bodyPr wrap="square"/>
           <a:lstStyle/>
           <a:p>
+            <a:pPr/>
             <a:endParaRPr lang="en-US" dirty="0"/>
           </a:p>
         </p:txBody>
@@ -687,6 +706,7 @@
           <a:bodyPr wrap="square"/>
           <a:lstStyle/>
           <a:p>
+            <a:pPr/>
             <a:fld id="{E1CC4C9C-B29E-4E68-9F89-CA7A1621DE94}" type="slidenum">
               <a:rPr lang="en-US" dirty="0"/>
               <a:t>‹#›</a:t>
@@ -740,10 +760,12 @@
           <a:bodyPr wrap="square"/>
           <a:lstStyle/>
           <a:p>
+            <a:pPr/>
             <a:r>
               <a:rPr lang="en-US" dirty="0"/>
               <a:t>Click to edit Master title style</a:t>
             </a:r>
+            <a:endParaRPr lang="en-US" dirty="0"/>
           </a:p>
         </p:txBody>
       </p:sp>
@@ -767,6 +789,7 @@
           <a:bodyPr wrap="square"/>
           <a:lstStyle/>
           <a:p>
+            <a:pPr/>
             <a:r>
               <a:rPr lang="en-US" dirty="0"/>
               <a:t>Click to edit Master text styles</a:t>
@@ -799,6 +822,7 @@
               <a:rPr lang="en-US" dirty="0"/>
               <a:t>Fifth level</a:t>
             </a:r>
+            <a:endParaRPr lang="en-US" dirty="0"/>
           </a:p>
         </p:txBody>
       </p:sp>
@@ -822,9 +846,10 @@
           <a:bodyPr wrap="square"/>
           <a:lstStyle/>
           <a:p>
+            <a:pPr/>
             <a:fld id="{D4630D1D-EC81-4D12-BBAE-7AD5C46FE905}" type="datetimeFigureOut">
               <a:rPr lang="en-US" dirty="0"/>
-              <a:t>11/28/2024</a:t>
+              <a:t>7/8/2015</a:t>
             </a:fld>
             <a:endParaRPr lang="en-US" dirty="0"/>
           </a:p>
@@ -850,6 +875,7 @@
           <a:bodyPr wrap="square"/>
           <a:lstStyle/>
           <a:p>
+            <a:pPr/>
             <a:endParaRPr lang="en-US" dirty="0"/>
           </a:p>
         </p:txBody>
@@ -874,6 +900,7 @@
           <a:bodyPr wrap="square"/>
           <a:lstStyle/>
           <a:p>
+            <a:pPr/>
             <a:fld id="{E1CC4C9C-B29E-4E68-9F89-CA7A1621DE94}" type="slidenum">
               <a:rPr lang="en-US" dirty="0"/>
               <a:t>‹#›</a:t>
@@ -928,17 +955,19 @@
           </a:ln>
         </p:spPr>
         <p:txBody>
-          <a:bodyPr wrap="square" anchor="b"/>
+          <a:bodyPr anchor="b" wrap="square"/>
           <a:lstStyle>
             <a:lvl1pPr>
               <a:defRPr sz="6000" dirty="0"/>
             </a:lvl1pPr>
           </a:lstStyle>
           <a:p>
+            <a:pPr/>
             <a:r>
               <a:rPr lang="en-US" dirty="0"/>
               <a:t>Click to edit Master title style</a:t>
             </a:r>
+            <a:endParaRPr lang="en-US" dirty="0"/>
           </a:p>
         </p:txBody>
       </p:sp>
@@ -1057,6 +1086,7 @@
             </a:lvl9pPr>
           </a:lstStyle>
           <a:p>
+            <a:pPr/>
             <a:r>
               <a:rPr lang="en-US" dirty="0"/>
               <a:t>Click to edit Master text styles</a:t>
@@ -1084,9 +1114,10 @@
           <a:bodyPr wrap="square"/>
           <a:lstStyle/>
           <a:p>
+            <a:pPr/>
             <a:fld id="{D4630D1D-EC81-4D12-BBAE-7AD5C46FE905}" type="datetimeFigureOut">
               <a:rPr lang="en-US" dirty="0"/>
-              <a:t>11/28/2024</a:t>
+              <a:t>7/8/2015</a:t>
             </a:fld>
             <a:endParaRPr lang="en-US" dirty="0"/>
           </a:p>
@@ -1112,6 +1143,7 @@
           <a:bodyPr wrap="square"/>
           <a:lstStyle/>
           <a:p>
+            <a:pPr/>
             <a:endParaRPr lang="en-US" dirty="0"/>
           </a:p>
         </p:txBody>
@@ -1136,6 +1168,7 @@
           <a:bodyPr wrap="square"/>
           <a:lstStyle/>
           <a:p>
+            <a:pPr/>
             <a:fld id="{E1CC4C9C-B29E-4E68-9F89-CA7A1621DE94}" type="slidenum">
               <a:rPr lang="en-US" dirty="0"/>
               <a:t>‹#›</a:t>
@@ -1189,10 +1222,12 @@
           <a:bodyPr wrap="square"/>
           <a:lstStyle/>
           <a:p>
+            <a:pPr/>
             <a:r>
               <a:rPr lang="en-US" dirty="0"/>
               <a:t>Click to edit Master title style</a:t>
             </a:r>
+            <a:endParaRPr lang="en-US" dirty="0"/>
           </a:p>
         </p:txBody>
       </p:sp>
@@ -1220,6 +1255,7 @@
           <a:bodyPr wrap="square"/>
           <a:lstStyle/>
           <a:p>
+            <a:pPr/>
             <a:r>
               <a:rPr lang="en-US" dirty="0"/>
               <a:t>Click to edit Master text styles</a:t>
@@ -1252,6 +1288,7 @@
               <a:rPr lang="en-US" dirty="0"/>
               <a:t>Fifth level</a:t>
             </a:r>
+            <a:endParaRPr lang="en-US" dirty="0"/>
           </a:p>
         </p:txBody>
       </p:sp>
@@ -1279,6 +1316,7 @@
           <a:bodyPr wrap="square"/>
           <a:lstStyle/>
           <a:p>
+            <a:pPr/>
             <a:r>
               <a:rPr lang="en-US" dirty="0"/>
               <a:t>Click to edit Master text styles</a:t>
@@ -1311,6 +1349,7 @@
               <a:rPr lang="en-US" dirty="0"/>
               <a:t>Fifth level</a:t>
             </a:r>
+            <a:endParaRPr lang="en-US" dirty="0"/>
           </a:p>
         </p:txBody>
       </p:sp>
@@ -1334,9 +1373,10 @@
           <a:bodyPr wrap="square"/>
           <a:lstStyle/>
           <a:p>
+            <a:pPr/>
             <a:fld id="{D4630D1D-EC81-4D12-BBAE-7AD5C46FE905}" type="datetimeFigureOut">
               <a:rPr lang="en-US" dirty="0"/>
-              <a:t>11/28/2024</a:t>
+              <a:t>7/8/2015</a:t>
             </a:fld>
             <a:endParaRPr lang="en-US" dirty="0"/>
           </a:p>
@@ -1362,6 +1402,7 @@
           <a:bodyPr wrap="square"/>
           <a:lstStyle/>
           <a:p>
+            <a:pPr/>
             <a:endParaRPr lang="en-US" dirty="0"/>
           </a:p>
         </p:txBody>
@@ -1386,6 +1427,7 @@
           <a:bodyPr wrap="square"/>
           <a:lstStyle/>
           <a:p>
+            <a:pPr/>
             <a:fld id="{E1CC4C9C-B29E-4E68-9F89-CA7A1621DE94}" type="slidenum">
               <a:rPr lang="en-US" dirty="0"/>
               <a:t>‹#›</a:t>
@@ -1443,10 +1485,12 @@
           <a:bodyPr wrap="square"/>
           <a:lstStyle/>
           <a:p>
+            <a:pPr/>
             <a:r>
               <a:rPr lang="en-US" dirty="0"/>
               <a:t>Click to edit Master title style</a:t>
             </a:r>
+            <a:endParaRPr lang="en-US" dirty="0"/>
           </a:p>
         </p:txBody>
       </p:sp>
@@ -1471,7 +1515,7 @@
           </a:ln>
         </p:spPr>
         <p:txBody>
-          <a:bodyPr wrap="square" anchor="b"/>
+          <a:bodyPr anchor="b" wrap="square"/>
           <a:lstStyle>
             <a:lvl1pPr marL="0" indent="0">
               <a:buNone/>
@@ -1511,6 +1555,7 @@
             </a:lvl9pPr>
           </a:lstStyle>
           <a:p>
+            <a:pPr/>
             <a:r>
               <a:rPr lang="en-US" dirty="0"/>
               <a:t>Click to edit Master text styles</a:t>
@@ -1542,6 +1587,7 @@
           <a:bodyPr wrap="square"/>
           <a:lstStyle/>
           <a:p>
+            <a:pPr/>
             <a:r>
               <a:rPr lang="en-US" dirty="0"/>
               <a:t>Click to edit Master text styles</a:t>
@@ -1574,6 +1620,7 @@
               <a:rPr lang="en-US" dirty="0"/>
               <a:t>Fifth level</a:t>
             </a:r>
+            <a:endParaRPr lang="en-US" dirty="0"/>
           </a:p>
         </p:txBody>
       </p:sp>
@@ -1598,7 +1645,7 @@
           </a:ln>
         </p:spPr>
         <p:txBody>
-          <a:bodyPr wrap="square" anchor="b"/>
+          <a:bodyPr anchor="b" wrap="square"/>
           <a:lstStyle>
             <a:lvl1pPr marL="0" indent="0">
               <a:buNone/>
@@ -1638,6 +1685,7 @@
             </a:lvl9pPr>
           </a:lstStyle>
           <a:p>
+            <a:pPr/>
             <a:r>
               <a:rPr lang="en-US" dirty="0"/>
               <a:t>Click to edit Master text styles</a:t>
@@ -1669,6 +1717,7 @@
           <a:bodyPr wrap="square"/>
           <a:lstStyle/>
           <a:p>
+            <a:pPr/>
             <a:r>
               <a:rPr lang="en-US" dirty="0"/>
               <a:t>Click to edit Master text styles</a:t>
@@ -1701,6 +1750,7 @@
               <a:rPr lang="en-US" dirty="0"/>
               <a:t>Fifth level</a:t>
             </a:r>
+            <a:endParaRPr lang="en-US" dirty="0"/>
           </a:p>
         </p:txBody>
       </p:sp>
@@ -1724,9 +1774,10 @@
           <a:bodyPr wrap="square"/>
           <a:lstStyle/>
           <a:p>
+            <a:pPr/>
             <a:fld id="{D4630D1D-EC81-4D12-BBAE-7AD5C46FE905}" type="datetimeFigureOut">
               <a:rPr lang="en-US" dirty="0"/>
-              <a:t>11/28/2024</a:t>
+              <a:t>7/8/2015</a:t>
             </a:fld>
             <a:endParaRPr lang="en-US" dirty="0"/>
           </a:p>
@@ -1752,6 +1803,7 @@
           <a:bodyPr wrap="square"/>
           <a:lstStyle/>
           <a:p>
+            <a:pPr/>
             <a:endParaRPr lang="en-US" dirty="0"/>
           </a:p>
         </p:txBody>
@@ -1776,6 +1828,7 @@
           <a:bodyPr wrap="square"/>
           <a:lstStyle/>
           <a:p>
+            <a:pPr/>
             <a:fld id="{E1CC4C9C-B29E-4E68-9F89-CA7A1621DE94}" type="slidenum">
               <a:rPr lang="en-US" dirty="0"/>
               <a:t>‹#›</a:t>
@@ -1829,10 +1882,12 @@
           <a:bodyPr wrap="square"/>
           <a:lstStyle/>
           <a:p>
+            <a:pPr/>
             <a:r>
               <a:rPr lang="en-US" dirty="0"/>
               <a:t>Click to edit Master title style</a:t>
             </a:r>
+            <a:endParaRPr lang="en-US" dirty="0"/>
           </a:p>
         </p:txBody>
       </p:sp>
@@ -1856,9 +1911,10 @@
           <a:bodyPr wrap="square"/>
           <a:lstStyle/>
           <a:p>
+            <a:pPr/>
             <a:fld id="{D4630D1D-EC81-4D12-BBAE-7AD5C46FE905}" type="datetimeFigureOut">
               <a:rPr lang="en-US" dirty="0"/>
-              <a:t>11/28/2024</a:t>
+              <a:t>7/8/2015</a:t>
             </a:fld>
             <a:endParaRPr lang="en-US" dirty="0"/>
           </a:p>
@@ -1884,6 +1940,7 @@
           <a:bodyPr wrap="square"/>
           <a:lstStyle/>
           <a:p>
+            <a:pPr/>
             <a:endParaRPr lang="en-US" dirty="0"/>
           </a:p>
         </p:txBody>
@@ -1908,6 +1965,7 @@
           <a:bodyPr wrap="square"/>
           <a:lstStyle/>
           <a:p>
+            <a:pPr/>
             <a:fld id="{E1CC4C9C-B29E-4E68-9F89-CA7A1621DE94}" type="slidenum">
               <a:rPr lang="en-US" dirty="0"/>
               <a:t>‹#›</a:t>
@@ -1961,9 +2019,10 @@
           <a:bodyPr wrap="square"/>
           <a:lstStyle/>
           <a:p>
+            <a:pPr/>
             <a:fld id="{D4630D1D-EC81-4D12-BBAE-7AD5C46FE905}" type="datetimeFigureOut">
               <a:rPr lang="en-US" dirty="0"/>
-              <a:t>11/28/2024</a:t>
+              <a:t>7/8/2015</a:t>
             </a:fld>
             <a:endParaRPr lang="en-US" dirty="0"/>
           </a:p>
@@ -1989,6 +2048,7 @@
           <a:bodyPr wrap="square"/>
           <a:lstStyle/>
           <a:p>
+            <a:pPr/>
             <a:endParaRPr lang="en-US" dirty="0"/>
           </a:p>
         </p:txBody>
@@ -2013,6 +2073,7 @@
           <a:bodyPr wrap="square"/>
           <a:lstStyle/>
           <a:p>
+            <a:pPr/>
             <a:fld id="{E1CC4C9C-B29E-4E68-9F89-CA7A1621DE94}" type="slidenum">
               <a:rPr lang="en-US" dirty="0"/>
               <a:t>‹#›</a:t>
@@ -2067,17 +2128,19 @@
           </a:ln>
         </p:spPr>
         <p:txBody>
-          <a:bodyPr wrap="square" anchor="b"/>
+          <a:bodyPr anchor="b" wrap="square"/>
           <a:lstStyle>
             <a:lvl1pPr>
               <a:defRPr sz="3200" dirty="0"/>
             </a:lvl1pPr>
           </a:lstStyle>
           <a:p>
+            <a:pPr/>
             <a:r>
               <a:rPr lang="en-US" dirty="0"/>
               <a:t>Click to edit Master title style</a:t>
             </a:r>
+            <a:endParaRPr lang="en-US" dirty="0"/>
           </a:p>
         </p:txBody>
       </p:sp>
@@ -2133,6 +2196,7 @@
             </a:lvl9pPr>
           </a:lstStyle>
           <a:p>
+            <a:pPr/>
             <a:r>
               <a:rPr lang="en-US" dirty="0"/>
               <a:t>Click to edit Master text styles</a:t>
@@ -2165,6 +2229,7 @@
               <a:rPr lang="en-US" dirty="0"/>
               <a:t>Fifth level</a:t>
             </a:r>
+            <a:endParaRPr lang="en-US" dirty="0"/>
           </a:p>
         </p:txBody>
       </p:sp>
@@ -2229,6 +2294,7 @@
             </a:lvl9pPr>
           </a:lstStyle>
           <a:p>
+            <a:pPr/>
             <a:r>
               <a:rPr lang="en-US" dirty="0"/>
               <a:t>Click to edit Master text styles</a:t>
@@ -2256,9 +2322,10 @@
           <a:bodyPr wrap="square"/>
           <a:lstStyle/>
           <a:p>
+            <a:pPr/>
             <a:fld id="{D4630D1D-EC81-4D12-BBAE-7AD5C46FE905}" type="datetimeFigureOut">
               <a:rPr lang="en-US" dirty="0"/>
-              <a:t>11/28/2024</a:t>
+              <a:t>7/8/2015</a:t>
             </a:fld>
             <a:endParaRPr lang="en-US" dirty="0"/>
           </a:p>
@@ -2284,6 +2351,7 @@
           <a:bodyPr wrap="square"/>
           <a:lstStyle/>
           <a:p>
+            <a:pPr/>
             <a:endParaRPr lang="en-US" dirty="0"/>
           </a:p>
         </p:txBody>
@@ -2308,6 +2376,7 @@
           <a:bodyPr wrap="square"/>
           <a:lstStyle/>
           <a:p>
+            <a:pPr/>
             <a:fld id="{E1CC4C9C-B29E-4E68-9F89-CA7A1621DE94}" type="slidenum">
               <a:rPr lang="en-US" dirty="0"/>
               <a:t>‹#›</a:t>
@@ -2362,17 +2431,19 @@
           </a:ln>
         </p:spPr>
         <p:txBody>
-          <a:bodyPr wrap="square" anchor="b"/>
+          <a:bodyPr anchor="b" wrap="square"/>
           <a:lstStyle>
             <a:lvl1pPr>
               <a:defRPr sz="3200" dirty="0"/>
             </a:lvl1pPr>
           </a:lstStyle>
           <a:p>
+            <a:pPr/>
             <a:r>
               <a:rPr lang="en-US" dirty="0"/>
               <a:t>Click to edit Master title style</a:t>
             </a:r>
+            <a:endParaRPr lang="en-US" dirty="0"/>
           </a:p>
         </p:txBody>
       </p:sp>
@@ -2437,6 +2508,7 @@
             </a:lvl9pPr>
           </a:lstStyle>
           <a:p>
+            <a:pPr/>
             <a:endParaRPr lang="en-US" dirty="0"/>
           </a:p>
         </p:txBody>
@@ -2502,6 +2574,7 @@
             </a:lvl9pPr>
           </a:lstStyle>
           <a:p>
+            <a:pPr/>
             <a:r>
               <a:rPr lang="en-US" dirty="0"/>
               <a:t>Click to edit Master text styles</a:t>
@@ -2529,9 +2602,10 @@
           <a:bodyPr wrap="square"/>
           <a:lstStyle/>
           <a:p>
+            <a:pPr/>
             <a:fld id="{D4630D1D-EC81-4D12-BBAE-7AD5C46FE905}" type="datetimeFigureOut">
               <a:rPr lang="en-US" dirty="0"/>
-              <a:t>11/28/2024</a:t>
+              <a:t>7/8/2015</a:t>
             </a:fld>
             <a:endParaRPr lang="en-US" dirty="0"/>
           </a:p>
@@ -2557,6 +2631,7 @@
           <a:bodyPr wrap="square"/>
           <a:lstStyle/>
           <a:p>
+            <a:pPr/>
             <a:endParaRPr lang="en-US" dirty="0"/>
           </a:p>
         </p:txBody>
@@ -2581,6 +2656,7 @@
           <a:bodyPr wrap="square"/>
           <a:lstStyle/>
           <a:p>
+            <a:pPr/>
             <a:fld id="{E1CC4C9C-B29E-4E68-9F89-CA7A1621DE94}" type="slidenum">
               <a:rPr lang="en-US" dirty="0"/>
               <a:t>‹#›</a:t>
@@ -2605,7 +2681,6 @@
         <a:solidFill>
           <a:schemeClr val="bg1"/>
         </a:solidFill>
-        <a:effectLst/>
       </p:bgPr>
     </p:bg>
     <p:spTree>
@@ -2646,15 +2721,17 @@
           </a:ln>
         </p:spPr>
         <p:txBody>
-          <a:bodyPr wrap="square" lIns="91440" tIns="45720" rIns="91440" bIns="45720" anchor="ctr">
+          <a:bodyPr lIns="91440" tIns="45720" rIns="91440" bIns="45720" anchor="ctr" wrap="square">
             <a:normAutofit/>
           </a:bodyPr>
           <a:lstStyle/>
           <a:p>
+            <a:pPr/>
             <a:r>
               <a:rPr lang="en-US" dirty="0"/>
               <a:t>Click to edit Master title style</a:t>
             </a:r>
+            <a:endParaRPr lang="en-US" dirty="0"/>
           </a:p>
         </p:txBody>
       </p:sp>
@@ -2682,11 +2759,12 @@
           </a:ln>
         </p:spPr>
         <p:txBody>
-          <a:bodyPr wrap="square" lIns="91440" tIns="45720" rIns="91440" bIns="45720">
+          <a:bodyPr lIns="91440" tIns="45720" rIns="91440" bIns="45720" wrap="square">
             <a:normAutofit/>
           </a:bodyPr>
           <a:lstStyle/>
           <a:p>
+            <a:pPr/>
             <a:r>
               <a:rPr lang="en-US" dirty="0"/>
               <a:t>Click to edit Master text styles</a:t>
@@ -2719,6 +2797,7 @@
               <a:rPr lang="en-US" dirty="0"/>
               <a:t>Fifth level</a:t>
             </a:r>
+            <a:endParaRPr lang="en-US" dirty="0"/>
           </a:p>
         </p:txBody>
       </p:sp>
@@ -2746,7 +2825,7 @@
           </a:ln>
         </p:spPr>
         <p:txBody>
-          <a:bodyPr wrap="square" lIns="91440" tIns="45720" rIns="91440" bIns="45720" anchor="ctr"/>
+          <a:bodyPr lIns="91440" tIns="45720" rIns="91440" bIns="45720" anchor="ctr" wrap="square"/>
           <a:lstStyle>
             <a:lvl1pPr algn="l">
               <a:defRPr sz="1200" dirty="0">
@@ -2759,9 +2838,10 @@
             </a:lvl1pPr>
           </a:lstStyle>
           <a:p>
+            <a:pPr/>
             <a:fld id="{D4630D1D-EC81-4D12-BBAE-7AD5C46FE905}" type="datetimeFigureOut">
               <a:rPr lang="en-US" dirty="0"/>
-              <a:t>11/28/2024</a:t>
+              <a:t>7/8/2015</a:t>
             </a:fld>
             <a:endParaRPr lang="en-US" dirty="0"/>
           </a:p>
@@ -2791,7 +2871,7 @@
           </a:ln>
         </p:spPr>
         <p:txBody>
-          <a:bodyPr wrap="square" lIns="91440" tIns="45720" rIns="91440" bIns="45720" anchor="ctr"/>
+          <a:bodyPr lIns="91440" tIns="45720" rIns="91440" bIns="45720" anchor="ctr" wrap="square"/>
           <a:lstStyle>
             <a:lvl1pPr algn="ctr">
               <a:defRPr sz="1200" dirty="0">
@@ -2804,6 +2884,7 @@
             </a:lvl1pPr>
           </a:lstStyle>
           <a:p>
+            <a:pPr/>
             <a:endParaRPr lang="en-US" dirty="0"/>
           </a:p>
         </p:txBody>
@@ -2832,7 +2913,7 @@
           </a:ln>
         </p:spPr>
         <p:txBody>
-          <a:bodyPr wrap="square" lIns="91440" tIns="45720" rIns="91440" bIns="45720" anchor="ctr"/>
+          <a:bodyPr lIns="91440" tIns="45720" rIns="91440" bIns="45720" anchor="ctr" wrap="square"/>
           <a:lstStyle>
             <a:lvl1pPr algn="r">
               <a:defRPr sz="1200" dirty="0">
@@ -2845,6 +2926,7 @@
             </a:lvl1pPr>
           </a:lstStyle>
           <a:p>
+            <a:pPr/>
             <a:fld id="{E1CC4C9C-B29E-4E68-9F89-CA7A1621DE94}" type="slidenum">
               <a:rPr lang="en-US" dirty="0"/>
               <a:t>‹#›</a:t>
@@ -2871,7 +2953,7 @@
   </p:sldLayoutIdLst>
   <p:txStyles>
     <p:titleStyle>
-      <a:lvl1pPr algn="l" defTabSz="914400" rtl="0">
+      <a:lvl1pPr rtl="0" algn="l" defTabSz="914400">
         <a:lnSpc>
           <a:spcPct val="90000"/>
         </a:lnSpc>
@@ -2890,7 +2972,7 @@
       </a:lvl1pPr>
     </p:titleStyle>
     <p:bodyStyle>
-      <a:lvl1pPr marL="228600" indent="-228600" algn="l" defTabSz="914400" rtl="0">
+      <a:lvl1pPr marL="228600" indent="-228600" rtl="0" algn="l" defTabSz="914400">
         <a:lnSpc>
           <a:spcPct val="90000"/>
         </a:lnSpc>
@@ -2908,7 +2990,7 @@
           <a:cs typeface="+mn-cs"/>
         </a:defRPr>
       </a:lvl1pPr>
-      <a:lvl2pPr marL="685800" indent="-228600" algn="l" defTabSz="914400" rtl="0">
+      <a:lvl2pPr marL="685800" indent="-228600" rtl="0" algn="l" defTabSz="914400">
         <a:lnSpc>
           <a:spcPct val="90000"/>
         </a:lnSpc>
@@ -2926,7 +3008,7 @@
           <a:cs typeface="+mn-cs"/>
         </a:defRPr>
       </a:lvl2pPr>
-      <a:lvl3pPr marL="1143000" indent="-228600" algn="l" defTabSz="914400" rtl="0">
+      <a:lvl3pPr marL="1143000" indent="-228600" rtl="0" algn="l" defTabSz="914400">
         <a:lnSpc>
           <a:spcPct val="90000"/>
         </a:lnSpc>
@@ -2944,7 +3026,7 @@
           <a:cs typeface="+mn-cs"/>
         </a:defRPr>
       </a:lvl3pPr>
-      <a:lvl4pPr marL="1600200" indent="-228600" algn="l" defTabSz="914400" rtl="0">
+      <a:lvl4pPr marL="1600200" indent="-228600" rtl="0" algn="l" defTabSz="914400">
         <a:lnSpc>
           <a:spcPct val="90000"/>
         </a:lnSpc>
@@ -2962,7 +3044,7 @@
           <a:cs typeface="+mn-cs"/>
         </a:defRPr>
       </a:lvl4pPr>
-      <a:lvl5pPr marL="2057400" indent="-228600" algn="l" defTabSz="914400" rtl="0">
+      <a:lvl5pPr marL="2057400" indent="-228600" rtl="0" algn="l" defTabSz="914400">
         <a:lnSpc>
           <a:spcPct val="90000"/>
         </a:lnSpc>
@@ -2980,7 +3062,7 @@
           <a:cs typeface="+mn-cs"/>
         </a:defRPr>
       </a:lvl5pPr>
-      <a:lvl6pPr marL="2514600" indent="-228600" algn="l" defTabSz="914400" rtl="0">
+      <a:lvl6pPr marL="2514600" indent="-228600" rtl="0" algn="l" defTabSz="914400">
         <a:lnSpc>
           <a:spcPct val="90000"/>
         </a:lnSpc>
@@ -2998,7 +3080,7 @@
           <a:cs typeface="+mn-cs"/>
         </a:defRPr>
       </a:lvl6pPr>
-      <a:lvl7pPr marL="2971800" indent="-228600" algn="l" defTabSz="914400" rtl="0">
+      <a:lvl7pPr marL="2971800" indent="-228600" rtl="0" algn="l" defTabSz="914400">
         <a:lnSpc>
           <a:spcPct val="90000"/>
         </a:lnSpc>
@@ -3016,7 +3098,7 @@
           <a:cs typeface="+mn-cs"/>
         </a:defRPr>
       </a:lvl7pPr>
-      <a:lvl8pPr marL="3429000" indent="-228600" algn="l" defTabSz="914400" rtl="0">
+      <a:lvl8pPr marL="3429000" indent="-228600" rtl="0" algn="l" defTabSz="914400">
         <a:lnSpc>
           <a:spcPct val="90000"/>
         </a:lnSpc>
@@ -3034,7 +3116,7 @@
           <a:cs typeface="+mn-cs"/>
         </a:defRPr>
       </a:lvl8pPr>
-      <a:lvl9pPr marL="3886200" indent="-228600" algn="l" defTabSz="914400" rtl="0">
+      <a:lvl9pPr marL="3886200" indent="-228600" rtl="0" algn="l" defTabSz="914400">
         <a:lnSpc>
           <a:spcPct val="90000"/>
         </a:lnSpc>
@@ -3057,7 +3139,7 @@
       <a:defPPr defTabSz="914400">
         <a:defRPr lang="en-US" dirty="0"/>
       </a:defPPr>
-      <a:lvl1pPr marL="0" algn="l" defTabSz="914400" rtl="0">
+      <a:lvl1pPr marL="0" rtl="0" algn="l" defTabSz="914400">
         <a:defRPr sz="1800" kern="1200" dirty="0">
           <a:solidFill>
             <a:schemeClr val="tx1"/>
@@ -3067,7 +3149,7 @@
           <a:cs typeface="+mn-cs"/>
         </a:defRPr>
       </a:lvl1pPr>
-      <a:lvl2pPr marL="457200" algn="l" defTabSz="914400" rtl="0">
+      <a:lvl2pPr marL="457200" rtl="0" algn="l" defTabSz="914400">
         <a:defRPr sz="1800" kern="1200" dirty="0">
           <a:solidFill>
             <a:schemeClr val="tx1"/>
@@ -3077,7 +3159,7 @@
           <a:cs typeface="+mn-cs"/>
         </a:defRPr>
       </a:lvl2pPr>
-      <a:lvl3pPr marL="914400" algn="l" defTabSz="914400" rtl="0">
+      <a:lvl3pPr marL="914400" rtl="0" algn="l" defTabSz="914400">
         <a:defRPr sz="1800" kern="1200" dirty="0">
           <a:solidFill>
             <a:schemeClr val="tx1"/>
@@ -3087,7 +3169,7 @@
           <a:cs typeface="+mn-cs"/>
         </a:defRPr>
       </a:lvl3pPr>
-      <a:lvl4pPr marL="1371600" algn="l" defTabSz="914400" rtl="0">
+      <a:lvl4pPr marL="1371600" rtl="0" algn="l" defTabSz="914400">
         <a:defRPr sz="1800" kern="1200" dirty="0">
           <a:solidFill>
             <a:schemeClr val="tx1"/>
@@ -3097,7 +3179,7 @@
           <a:cs typeface="+mn-cs"/>
         </a:defRPr>
       </a:lvl4pPr>
-      <a:lvl5pPr marL="1828800" algn="l" defTabSz="914400" rtl="0">
+      <a:lvl5pPr marL="1828800" rtl="0" algn="l" defTabSz="914400">
         <a:defRPr sz="1800" kern="1200" dirty="0">
           <a:solidFill>
             <a:schemeClr val="tx1"/>
@@ -3107,7 +3189,7 @@
           <a:cs typeface="+mn-cs"/>
         </a:defRPr>
       </a:lvl5pPr>
-      <a:lvl6pPr marL="2286000" algn="l" defTabSz="914400" rtl="0">
+      <a:lvl6pPr marL="2286000" rtl="0" algn="l" defTabSz="914400">
         <a:defRPr sz="1800" kern="1200" dirty="0">
           <a:solidFill>
             <a:schemeClr val="tx1"/>
@@ -3117,7 +3199,7 @@
           <a:cs typeface="+mn-cs"/>
         </a:defRPr>
       </a:lvl6pPr>
-      <a:lvl7pPr marL="2743200" algn="l" defTabSz="914400" rtl="0">
+      <a:lvl7pPr marL="2743200" rtl="0" algn="l" defTabSz="914400">
         <a:defRPr sz="1800" kern="1200" dirty="0">
           <a:solidFill>
             <a:schemeClr val="tx1"/>
@@ -3127,7 +3209,7 @@
           <a:cs typeface="+mn-cs"/>
         </a:defRPr>
       </a:lvl7pPr>
-      <a:lvl8pPr marL="3200400" algn="l" defTabSz="914400" rtl="0">
+      <a:lvl8pPr marL="3200400" rtl="0" algn="l" defTabSz="914400">
         <a:defRPr sz="1800" kern="1200" dirty="0">
           <a:solidFill>
             <a:schemeClr val="tx1"/>
@@ -3137,7 +3219,7 @@
           <a:cs typeface="+mn-cs"/>
         </a:defRPr>
       </a:lvl8pPr>
-      <a:lvl9pPr marL="3657600" algn="l" defTabSz="914400" rtl="0">
+      <a:lvl9pPr marL="3657600" rtl="0" algn="l" defTabSz="914400">
         <a:defRPr sz="1800" kern="1200" dirty="0">
           <a:solidFill>
             <a:schemeClr val="tx1"/>
@@ -3178,7 +3260,7 @@
           <p:nvPr/>
         </p:nvSpPr>
         <p:spPr>
-          <a:xfrm>
+          <a:xfrm rot="0">
             <a:off x="635000" y="635000"/>
             <a:ext cx="7620000" cy="635000"/>
           </a:xfrm>
@@ -3219,7 +3301,7 @@
           <p:nvPr/>
         </p:nvSpPr>
         <p:spPr>
-          <a:xfrm>
+          <a:xfrm rot="0">
             <a:off x="635000" y="1270000"/>
             <a:ext cx="7620000" cy="635000"/>
           </a:xfrm>
@@ -3260,7 +3342,7 @@
           <p:nvPr/>
         </p:nvSpPr>
         <p:spPr>
-          <a:xfrm>
+          <a:xfrm rot="0">
             <a:off x="635000" y="1905000"/>
             <a:ext cx="7620000" cy="635000"/>
           </a:xfrm>
@@ -3301,7 +3383,7 @@
           <p:nvPr/>
         </p:nvSpPr>
         <p:spPr>
-          <a:xfrm>
+          <a:xfrm rot="0">
             <a:off x="635000" y="2540000"/>
             <a:ext cx="7620000" cy="635000"/>
           </a:xfrm>
@@ -3342,7 +3424,7 @@
           <p:nvPr/>
         </p:nvSpPr>
         <p:spPr>
-          <a:xfrm>
+          <a:xfrm rot="0">
             <a:off x="635000" y="3175000"/>
             <a:ext cx="7620000" cy="635000"/>
           </a:xfrm>
@@ -3409,7 +3491,7 @@
           <p:nvPr/>
         </p:nvSpPr>
         <p:spPr>
-          <a:xfrm>
+          <a:xfrm rot="0">
             <a:off x="635000" y="635000"/>
             <a:ext cx="7620000" cy="635000"/>
           </a:xfrm>
@@ -3450,7 +3532,7 @@
           <p:nvPr/>
         </p:nvSpPr>
         <p:spPr>
-          <a:xfrm>
+          <a:xfrm rot="0">
             <a:off x="635000" y="1270000"/>
             <a:ext cx="7620000" cy="635000"/>
           </a:xfrm>
@@ -3491,7 +3573,7 @@
           <p:nvPr/>
         </p:nvSpPr>
         <p:spPr>
-          <a:xfrm>
+          <a:xfrm rot="0">
             <a:off x="635000" y="1905000"/>
             <a:ext cx="7620000" cy="635000"/>
           </a:xfrm>
@@ -3532,7 +3614,7 @@
           <p:nvPr/>
         </p:nvSpPr>
         <p:spPr>
-          <a:xfrm>
+          <a:xfrm rot="0">
             <a:off x="635000" y="2540000"/>
             <a:ext cx="7620000" cy="635000"/>
           </a:xfrm>
@@ -3580,7 +3662,7 @@
         <a:srgbClr val="000000"/>
       </a:dk1>
       <a:lt1>
-        <a:srgbClr val="FFFFFF"/>
+        <a:srgbClr val="ffffff"/>
       </a:lt1>
       <a:dk2>
         <a:srgbClr val="44546A"/>
@@ -3829,7 +3911,5 @@
       </a:bgFillStyleLst>
     </a:fmtScheme>
   </a:themeElements>
-  <a:objectDefaults/>
-  <a:extraClrSchemeLst/>
 </a:theme>
 </file>
--- a/Storage/App_Data/Books/Solace.pptx
+++ b/Storage/App_Data/Books/Solace.pptx
@@ -7,6 +7,7 @@
   <p:sldIdLst>
     <p:sldId id="256" r:id="rId6"/>
     <p:sldId id="257" r:id="rId7"/>
+    <p:sldId id="258" r:id="rId8"/>
   </p:sldIdLst>
   <p:sldSz cx="12192000" cy="6858000" type="custom"/>
   <p:notesSz cx="6858000" cy="9144000"/>
@@ -2932,6 +2933,47 @@
               <a:t>‹#›</a:t>
             </a:fld>
             <a:endParaRPr lang="en-US" dirty="0"/>
+          </a:p>
+        </p:txBody>
+      </p:sp>
+      <p:sp>
+        <p:nvSpPr>
+          <p:cNvPr id="7" name="SyncfusionLicense"/>
+          <p:cNvSpPr txBox="1">
+            <a:spLocks noChangeArrowheads="1"/>
+          </p:cNvSpPr>
+          <p:nvPr/>
+        </p:nvSpPr>
+        <p:spPr>
+          <a:xfrm rot="19980000">
+            <a:off x="3206750" y="3111500"/>
+            <a:ext cx="5778500" cy="635000"/>
+          </a:xfrm>
+          <a:prstGeom prst="rect">
+            <a:avLst/>
+          </a:prstGeom>
+          <a:ln>
+            <a:headEnd type="none"/>
+            <a:tailEnd type="none"/>
+          </a:ln>
+        </p:spPr>
+        <p:txBody>
+          <a:bodyPr anchor="ctr" wrap="square">
+            <a:spAutoFit/>
+          </a:bodyPr>
+          <a:lstStyle/>
+          <a:p>
+            <a:pPr algn="ctr" defTabSz="914400">
+              <a:defRPr sz="1800" dirty="0">
+                <a:solidFill>
+                  <a:srgbClr val="FF0000"/>
+                </a:solidFill>
+              </a:defRPr>
+            </a:pPr>
+            <a:r>
+              <a:rPr/>
+              <a:t>Created with a trial version of Syncfusion PowerPoint library</a:t>
+            </a:r>
           </a:p>
         </p:txBody>
       </p:sp>
@@ -3457,6 +3499,69 @@
           </a:p>
         </p:txBody>
       </p:sp>
+      <p:sp>
+        <p:nvSpPr>
+          <p:cNvPr id="7" name="SyncfusionLicense"/>
+          <p:cNvSpPr txBox="1">
+            <a:spLocks noChangeArrowheads="1"/>
+          </p:cNvSpPr>
+          <p:nvPr/>
+        </p:nvSpPr>
+        <p:spPr>
+          <a:xfrm rot="0">
+            <a:off x="0" y="5715000"/>
+            <a:ext cx="12192000" cy="1143000"/>
+          </a:xfrm>
+          <a:prstGeom prst="rect">
+            <a:avLst/>
+          </a:prstGeom>
+          <a:solidFill>
+            <a:srgbClr val="FFFFFF"/>
+          </a:solidFill>
+          <a:ln>
+            <a:headEnd type="none"/>
+            <a:tailEnd type="none"/>
+          </a:ln>
+        </p:spPr>
+        <p:txBody>
+          <a:bodyPr anchor="ctr" wrap="square">
+            <a:spAutoFit/>
+          </a:bodyPr>
+          <a:lstStyle/>
+          <a:p>
+            <a:pPr algn="ctr" defTabSz="914400">
+              <a:defRPr sz="1800" dirty="0">
+                <a:solidFill>
+                  <a:srgbClr val="FF0000"/>
+                </a:solidFill>
+              </a:defRPr>
+            </a:pPr>
+            <a:r>
+              <a:rPr/>
+              <a:t>Created with a trial version of Syncfusion PowerPoint library or registered the wrong key in your application. Click </a:t>
+            </a:r>
+            <a:r>
+              <a:rPr dirty="0">
+                <a:solidFill>
+                  <a:srgbClr val="0000FF"/>
+                </a:solidFill>
+                <a:hlinkClick r:id="rId3" action="ppaction://hlinkfile">
+                  <a:extLst>
+                    <a:ext uri="{A12FA001-AC4F-418D-AE19-62706E023703}">
+                      <ahyp:hlinkClr xmlns:ahyp="http://schemas.microsoft.com/office/drawing/2018/hyperlinkcolor" val="tx"/>
+                    </a:ext>
+                  </a:extLst>
+                </a:hlinkClick>
+              </a:rPr>
+              <a:t>here</a:t>
+            </a:r>
+            <a:r>
+              <a:rPr/>
+              <a:t> to obtain the valid key.</a:t>
+            </a:r>
+          </a:p>
+        </p:txBody>
+      </p:sp>
     </p:spTree>
   </p:cSld>
   <p:clrMapOvr>
@@ -3642,6 +3747,300 @@
                 </a:solidFill>
               </a:rPr>
               <a:t>Content: THIS IS HARRY POTTER 1</a:t>
+            </a:r>
+          </a:p>
+        </p:txBody>
+      </p:sp>
+    </p:spTree>
+  </p:cSld>
+  <p:clrMapOvr>
+    <a:masterClrMapping/>
+  </p:clrMapOvr>
+</p:sld>
+</file>
+
+<file path=ppt/slides/slide3.xml><?xml version="1.0" encoding="utf-8"?>
+<p:sld xmlns:a="http://schemas.openxmlformats.org/drawingml/2006/main" xmlns:r="http://schemas.openxmlformats.org/officeDocument/2006/relationships" xmlns:p="http://schemas.openxmlformats.org/presentationml/2006/main">
+  <p:cSld>
+    <p:spTree>
+      <p:nvGrpSpPr>
+        <p:cNvPr id="1" name=""/>
+        <p:cNvGrpSpPr/>
+        <p:nvPr/>
+      </p:nvGrpSpPr>
+      <p:grpSpPr>
+        <a:xfrm>
+          <a:off x="0" y="0"/>
+          <a:ext cx="0" cy="0"/>
+          <a:chOff x="0" y="0"/>
+          <a:chExt cx="0" cy="0"/>
+        </a:xfrm>
+      </p:grpSpPr>
+      <p:sp>
+        <p:nvSpPr>
+          <p:cNvPr id="2" name="TextBox2"/>
+          <p:cNvSpPr txBox="1">
+            <a:spLocks noChangeArrowheads="1"/>
+          </p:cNvSpPr>
+          <p:nvPr/>
+        </p:nvSpPr>
+        <p:spPr>
+          <a:xfrm rot="0">
+            <a:off x="635000" y="635000"/>
+            <a:ext cx="7620000" cy="635000"/>
+          </a:xfrm>
+          <a:prstGeom prst="rect">
+            <a:avLst/>
+          </a:prstGeom>
+          <a:ln>
+            <a:headEnd type="none"/>
+            <a:tailEnd type="none"/>
+          </a:ln>
+        </p:spPr>
+        <p:txBody>
+          <a:bodyPr wrap="square">
+            <a:spAutoFit/>
+          </a:bodyPr>
+          <a:lstStyle/>
+          <a:p>
+            <a:pPr defTabSz="914400"/>
+            <a:r>
+              <a:rPr sz="2800" b="1" i="0" dirty="0">
+                <a:solidFill>
+                  <a:srgbClr val="000000">
+                    <a:alpha val="100000"/>
+                  </a:srgbClr>
+                </a:solidFill>
+              </a:rPr>
+              <a:t>Book</a:t>
+            </a:r>
+          </a:p>
+        </p:txBody>
+      </p:sp>
+      <p:sp>
+        <p:nvSpPr>
+          <p:cNvPr id="3" name="TextBox3"/>
+          <p:cNvSpPr txBox="1">
+            <a:spLocks noChangeArrowheads="1"/>
+          </p:cNvSpPr>
+          <p:nvPr/>
+        </p:nvSpPr>
+        <p:spPr>
+          <a:xfrm rot="0">
+            <a:off x="635000" y="1270000"/>
+            <a:ext cx="7620000" cy="635000"/>
+          </a:xfrm>
+          <a:prstGeom prst="rect">
+            <a:avLst/>
+          </a:prstGeom>
+          <a:ln>
+            <a:headEnd type="none"/>
+            <a:tailEnd type="none"/>
+          </a:ln>
+        </p:spPr>
+        <p:txBody>
+          <a:bodyPr wrap="square">
+            <a:spAutoFit/>
+          </a:bodyPr>
+          <a:lstStyle/>
+          <a:p>
+            <a:pPr defTabSz="914400"/>
+            <a:r>
+              <a:rPr sz="1800" b="0" i="0" dirty="0">
+                <a:solidFill>
+                  <a:srgbClr val="00E346">
+                    <a:alpha val="100000"/>
+                  </a:srgbClr>
+                </a:solidFill>
+              </a:rPr>
+              <a:t>Id: 85</a:t>
+            </a:r>
+          </a:p>
+        </p:txBody>
+      </p:sp>
+      <p:sp>
+        <p:nvSpPr>
+          <p:cNvPr id="4" name="TextBox4"/>
+          <p:cNvSpPr txBox="1">
+            <a:spLocks noChangeArrowheads="1"/>
+          </p:cNvSpPr>
+          <p:nvPr/>
+        </p:nvSpPr>
+        <p:spPr>
+          <a:xfrm rot="0">
+            <a:off x="635000" y="1905000"/>
+            <a:ext cx="7620000" cy="635000"/>
+          </a:xfrm>
+          <a:prstGeom prst="rect">
+            <a:avLst/>
+          </a:prstGeom>
+          <a:ln>
+            <a:headEnd type="none"/>
+            <a:tailEnd type="none"/>
+          </a:ln>
+        </p:spPr>
+        <p:txBody>
+          <a:bodyPr wrap="square">
+            <a:spAutoFit/>
+          </a:bodyPr>
+          <a:lstStyle/>
+          <a:p>
+            <a:pPr defTabSz="914400"/>
+            <a:r>
+              <a:rPr sz="2400" b="1" i="0" dirty="0">
+                <a:solidFill>
+                  <a:srgbClr val="000000">
+                    <a:alpha val="100000"/>
+                  </a:srgbClr>
+                </a:solidFill>
+              </a:rPr>
+              <a:t>Title: Test</a:t>
+            </a:r>
+          </a:p>
+        </p:txBody>
+      </p:sp>
+      <p:sp>
+        <p:nvSpPr>
+          <p:cNvPr id="5" name="TextBox5"/>
+          <p:cNvSpPr txBox="1">
+            <a:spLocks noChangeArrowheads="1"/>
+          </p:cNvSpPr>
+          <p:nvPr/>
+        </p:nvSpPr>
+        <p:spPr>
+          <a:xfrm rot="0">
+            <a:off x="635000" y="2540000"/>
+            <a:ext cx="7620000" cy="635000"/>
+          </a:xfrm>
+          <a:prstGeom prst="rect">
+            <a:avLst/>
+          </a:prstGeom>
+          <a:ln>
+            <a:headEnd type="none"/>
+            <a:tailEnd type="none"/>
+          </a:ln>
+        </p:spPr>
+        <p:txBody>
+          <a:bodyPr wrap="square">
+            <a:spAutoFit/>
+          </a:bodyPr>
+          <a:lstStyle/>
+          <a:p>
+            <a:pPr defTabSz="914400"/>
+            <a:r>
+              <a:rPr sz="1800" b="0" i="0" dirty="0">
+                <a:solidFill>
+                  <a:srgbClr val="000000">
+                    <a:alpha val="100000"/>
+                  </a:srgbClr>
+                </a:solidFill>
+              </a:rPr>
+              <a:t>Description: Test</a:t>
+            </a:r>
+          </a:p>
+        </p:txBody>
+      </p:sp>
+      <p:sp>
+        <p:nvSpPr>
+          <p:cNvPr id="6" name="TextBox6"/>
+          <p:cNvSpPr txBox="1">
+            <a:spLocks noChangeArrowheads="1"/>
+          </p:cNvSpPr>
+          <p:nvPr/>
+        </p:nvSpPr>
+        <p:spPr>
+          <a:xfrm rot="0">
+            <a:off x="635000" y="3175000"/>
+            <a:ext cx="7620000" cy="635000"/>
+          </a:xfrm>
+          <a:prstGeom prst="rect">
+            <a:avLst/>
+          </a:prstGeom>
+          <a:ln>
+            <a:headEnd type="none"/>
+            <a:tailEnd type="none"/>
+          </a:ln>
+        </p:spPr>
+        <p:txBody>
+          <a:bodyPr wrap="square">
+            <a:spAutoFit/>
+          </a:bodyPr>
+          <a:lstStyle/>
+          <a:p>
+            <a:pPr defTabSz="914400"/>
+            <a:r>
+              <a:rPr sz="1800" b="0" i="0" dirty="0">
+                <a:solidFill>
+                  <a:srgbClr val="000000">
+                    <a:alpha val="100000"/>
+                  </a:srgbClr>
+                </a:solidFill>
+                <a:hlinkClick r:id="rId2" action="ppaction://hlinkfile"/>
+              </a:rPr>
+              <a:t>ImageUrl: Test</a:t>
+            </a:r>
+          </a:p>
+        </p:txBody>
+      </p:sp>
+      <p:sp>
+        <p:nvSpPr>
+          <p:cNvPr id="7" name="SyncfusionLicense"/>
+          <p:cNvSpPr txBox="1">
+            <a:spLocks noChangeArrowheads="1"/>
+          </p:cNvSpPr>
+          <p:nvPr/>
+        </p:nvSpPr>
+        <p:spPr>
+          <a:xfrm rot="0">
+            <a:off x="0" y="5715000"/>
+            <a:ext cx="12192000" cy="1143000"/>
+          </a:xfrm>
+          <a:prstGeom prst="rect">
+            <a:avLst/>
+          </a:prstGeom>
+          <a:solidFill>
+            <a:srgbClr val="FFFFFF"/>
+          </a:solidFill>
+          <a:ln>
+            <a:headEnd type="none"/>
+            <a:tailEnd type="none"/>
+          </a:ln>
+        </p:spPr>
+        <p:txBody>
+          <a:bodyPr anchor="ctr" wrap="square">
+            <a:spAutoFit/>
+          </a:bodyPr>
+          <a:lstStyle/>
+          <a:p>
+            <a:pPr algn="ctr" defTabSz="914400">
+              <a:defRPr sz="1800" dirty="0">
+                <a:solidFill>
+                  <a:srgbClr val="FF0000"/>
+                </a:solidFill>
+              </a:defRPr>
+            </a:pPr>
+            <a:r>
+              <a:rPr/>
+              <a:t>Created with a trial version of Syncfusion PowerPoint library or registered the wrong key in your application. Click </a:t>
+            </a:r>
+            <a:r>
+              <a:rPr dirty="0">
+                <a:solidFill>
+                  <a:srgbClr val="0000FF"/>
+                </a:solidFill>
+                <a:hlinkClick r:id="rId3" action="ppaction://hlinkfile">
+                  <a:extLst>
+                    <a:ext uri="{A12FA001-AC4F-418D-AE19-62706E023703}">
+                      <ahyp:hlinkClr xmlns:ahyp="http://schemas.microsoft.com/office/drawing/2018/hyperlinkcolor" val="tx"/>
+                    </a:ext>
+                  </a:extLst>
+                </a:hlinkClick>
+              </a:rPr>
+              <a:t>here</a:t>
+            </a:r>
+            <a:r>
+              <a:rPr/>
+              <a:t> to obtain the valid key.</a:t>
             </a:r>
           </a:p>
         </p:txBody>
